--- a/Day4-DataPrep/Ch04-DataPreparation.pptx
+++ b/Day4-DataPrep/Ch04-DataPreparation.pptx
@@ -5,42 +5,44 @@
     <p:sldMasterId id="2147483684" r:id="rId4"/>
   </p:sldMasterIdLst>
   <p:notesMasterIdLst>
-    <p:notesMasterId r:id="rId35"/>
+    <p:notesMasterId r:id="rId37"/>
   </p:notesMasterIdLst>
   <p:handoutMasterIdLst>
-    <p:handoutMasterId r:id="rId36"/>
+    <p:handoutMasterId r:id="rId38"/>
   </p:handoutMasterIdLst>
   <p:sldIdLst>
     <p:sldId id="257" r:id="rId5"/>
     <p:sldId id="258" r:id="rId6"/>
     <p:sldId id="256" r:id="rId7"/>
-    <p:sldId id="290" r:id="rId8"/>
-    <p:sldId id="291" r:id="rId9"/>
-    <p:sldId id="292" r:id="rId10"/>
-    <p:sldId id="293" r:id="rId11"/>
-    <p:sldId id="297" r:id="rId12"/>
-    <p:sldId id="294" r:id="rId13"/>
-    <p:sldId id="332" r:id="rId14"/>
-    <p:sldId id="281" r:id="rId15"/>
-    <p:sldId id="314" r:id="rId16"/>
-    <p:sldId id="315" r:id="rId17"/>
-    <p:sldId id="316" r:id="rId18"/>
-    <p:sldId id="318" r:id="rId19"/>
-    <p:sldId id="326" r:id="rId20"/>
-    <p:sldId id="327" r:id="rId21"/>
-    <p:sldId id="328" r:id="rId22"/>
-    <p:sldId id="331" r:id="rId23"/>
-    <p:sldId id="333" r:id="rId24"/>
-    <p:sldId id="319" r:id="rId25"/>
-    <p:sldId id="299" r:id="rId26"/>
-    <p:sldId id="320" r:id="rId27"/>
-    <p:sldId id="334" r:id="rId28"/>
-    <p:sldId id="322" r:id="rId29"/>
-    <p:sldId id="323" r:id="rId30"/>
-    <p:sldId id="325" r:id="rId31"/>
-    <p:sldId id="335" r:id="rId32"/>
-    <p:sldId id="329" r:id="rId33"/>
-    <p:sldId id="324" r:id="rId34"/>
+    <p:sldId id="341" r:id="rId8"/>
+    <p:sldId id="336" r:id="rId9"/>
+    <p:sldId id="290" r:id="rId10"/>
+    <p:sldId id="291" r:id="rId11"/>
+    <p:sldId id="292" r:id="rId12"/>
+    <p:sldId id="293" r:id="rId13"/>
+    <p:sldId id="297" r:id="rId14"/>
+    <p:sldId id="294" r:id="rId15"/>
+    <p:sldId id="337" r:id="rId16"/>
+    <p:sldId id="281" r:id="rId17"/>
+    <p:sldId id="314" r:id="rId18"/>
+    <p:sldId id="315" r:id="rId19"/>
+    <p:sldId id="316" r:id="rId20"/>
+    <p:sldId id="318" r:id="rId21"/>
+    <p:sldId id="326" r:id="rId22"/>
+    <p:sldId id="327" r:id="rId23"/>
+    <p:sldId id="328" r:id="rId24"/>
+    <p:sldId id="331" r:id="rId25"/>
+    <p:sldId id="338" r:id="rId26"/>
+    <p:sldId id="319" r:id="rId27"/>
+    <p:sldId id="299" r:id="rId28"/>
+    <p:sldId id="320" r:id="rId29"/>
+    <p:sldId id="339" r:id="rId30"/>
+    <p:sldId id="322" r:id="rId31"/>
+    <p:sldId id="323" r:id="rId32"/>
+    <p:sldId id="325" r:id="rId33"/>
+    <p:sldId id="340" r:id="rId34"/>
+    <p:sldId id="329" r:id="rId35"/>
+    <p:sldId id="324" r:id="rId36"/>
   </p:sldIdLst>
   <p:sldSz cx="9144000" cy="6858000" type="screen4x3"/>
   <p:notesSz cx="7053263" cy="9356725"/>
@@ -1249,25 +1251,6 @@
       </p:grpSpPr>
       <p:sp>
         <p:nvSpPr>
-          <p:cNvPr id="3" name="Notes Placeholder 2"/>
-          <p:cNvSpPr>
-            <a:spLocks noGrp="1"/>
-          </p:cNvSpPr>
-          <p:nvPr>
-            <p:ph type="body" idx="1"/>
-          </p:nvPr>
-        </p:nvSpPr>
-        <p:spPr/>
-        <p:txBody>
-          <a:bodyPr/>
-          <a:lstStyle/>
-          <a:p>
-            <a:endParaRPr lang="en-US" dirty="0"/>
-          </a:p>
-        </p:txBody>
-      </p:sp>
-      <p:sp>
-        <p:nvSpPr>
           <p:cNvPr id="4" name="Slide Image Placeholder 3"/>
           <p:cNvSpPr>
             <a:spLocks noGrp="1" noRot="1" noChangeAspect="1"/>
@@ -1283,10 +1266,29 @@
           </a:xfrm>
         </p:spPr>
       </p:sp>
+      <p:sp>
+        <p:nvSpPr>
+          <p:cNvPr id="5" name="Notes Placeholder 4"/>
+          <p:cNvSpPr>
+            <a:spLocks noGrp="1"/>
+          </p:cNvSpPr>
+          <p:nvPr>
+            <p:ph type="body" idx="1"/>
+          </p:nvPr>
+        </p:nvSpPr>
+        <p:spPr/>
+        <p:txBody>
+          <a:bodyPr/>
+          <a:lstStyle/>
+          <a:p>
+            <a:endParaRPr lang="en-US" dirty="0"/>
+          </a:p>
+        </p:txBody>
+      </p:sp>
     </p:spTree>
     <p:extLst>
       <p:ext uri="{BB962C8B-B14F-4D97-AF65-F5344CB8AC3E}">
-        <p14:creationId xmlns:p14="http://schemas.microsoft.com/office/powerpoint/2010/main" val="804594475"/>
+        <p14:creationId xmlns:p14="http://schemas.microsoft.com/office/powerpoint/2010/main" val="1820179784"/>
       </p:ext>
     </p:extLst>
   </p:cSld>
@@ -1352,7 +1354,7 @@
     </p:spTree>
     <p:extLst>
       <p:ext uri="{BB962C8B-B14F-4D97-AF65-F5344CB8AC3E}">
-        <p14:creationId xmlns:p14="http://schemas.microsoft.com/office/powerpoint/2010/main" val="431877283"/>
+        <p14:creationId xmlns:p14="http://schemas.microsoft.com/office/powerpoint/2010/main" val="3342383391"/>
       </p:ext>
     </p:extLst>
   </p:cSld>
@@ -1381,6 +1383,25 @@
       </p:grpSpPr>
       <p:sp>
         <p:nvSpPr>
+          <p:cNvPr id="3" name="Notes Placeholder 2"/>
+          <p:cNvSpPr>
+            <a:spLocks noGrp="1"/>
+          </p:cNvSpPr>
+          <p:nvPr>
+            <p:ph type="body" idx="1"/>
+          </p:nvPr>
+        </p:nvSpPr>
+        <p:spPr/>
+        <p:txBody>
+          <a:bodyPr/>
+          <a:lstStyle/>
+          <a:p>
+            <a:endParaRPr lang="en-US" dirty="0"/>
+          </a:p>
+        </p:txBody>
+      </p:sp>
+      <p:sp>
+        <p:nvSpPr>
           <p:cNvPr id="4" name="Slide Image Placeholder 3"/>
           <p:cNvSpPr>
             <a:spLocks noGrp="1" noRot="1" noChangeAspect="1"/>
@@ -1396,29 +1417,10 @@
           </a:xfrm>
         </p:spPr>
       </p:sp>
-      <p:sp>
-        <p:nvSpPr>
-          <p:cNvPr id="5" name="Notes Placeholder 4"/>
-          <p:cNvSpPr>
-            <a:spLocks noGrp="1"/>
-          </p:cNvSpPr>
-          <p:nvPr>
-            <p:ph type="body" idx="1"/>
-          </p:nvPr>
-        </p:nvSpPr>
-        <p:spPr/>
-        <p:txBody>
-          <a:bodyPr/>
-          <a:lstStyle/>
-          <a:p>
-            <a:endParaRPr lang="en-US" dirty="0"/>
-          </a:p>
-        </p:txBody>
-      </p:sp>
     </p:spTree>
     <p:extLst>
       <p:ext uri="{BB962C8B-B14F-4D97-AF65-F5344CB8AC3E}">
-        <p14:creationId xmlns:p14="http://schemas.microsoft.com/office/powerpoint/2010/main" val="1726487185"/>
+        <p14:creationId xmlns:p14="http://schemas.microsoft.com/office/powerpoint/2010/main" val="3267641838"/>
       </p:ext>
     </p:extLst>
   </p:cSld>
@@ -1484,7 +1486,7 @@
     </p:spTree>
     <p:extLst>
       <p:ext uri="{BB962C8B-B14F-4D97-AF65-F5344CB8AC3E}">
-        <p14:creationId xmlns:p14="http://schemas.microsoft.com/office/powerpoint/2010/main" val="1124169638"/>
+        <p14:creationId xmlns:p14="http://schemas.microsoft.com/office/powerpoint/2010/main" val="431877283"/>
       </p:ext>
     </p:extLst>
   </p:cSld>
@@ -1550,7 +1552,7 @@
     </p:spTree>
     <p:extLst>
       <p:ext uri="{BB962C8B-B14F-4D97-AF65-F5344CB8AC3E}">
-        <p14:creationId xmlns:p14="http://schemas.microsoft.com/office/powerpoint/2010/main" val="1190437123"/>
+        <p14:creationId xmlns:p14="http://schemas.microsoft.com/office/powerpoint/2010/main" val="1726487185"/>
       </p:ext>
     </p:extLst>
   </p:cSld>
@@ -1616,7 +1618,7 @@
     </p:spTree>
     <p:extLst>
       <p:ext uri="{BB962C8B-B14F-4D97-AF65-F5344CB8AC3E}">
-        <p14:creationId xmlns:p14="http://schemas.microsoft.com/office/powerpoint/2010/main" val="743692658"/>
+        <p14:creationId xmlns:p14="http://schemas.microsoft.com/office/powerpoint/2010/main" val="1124169638"/>
       </p:ext>
     </p:extLst>
   </p:cSld>
@@ -1682,7 +1684,7 @@
     </p:spTree>
     <p:extLst>
       <p:ext uri="{BB962C8B-B14F-4D97-AF65-F5344CB8AC3E}">
-        <p14:creationId xmlns:p14="http://schemas.microsoft.com/office/powerpoint/2010/main" val="1924741897"/>
+        <p14:creationId xmlns:p14="http://schemas.microsoft.com/office/powerpoint/2010/main" val="1190437123"/>
       </p:ext>
     </p:extLst>
   </p:cSld>
@@ -1748,7 +1750,7 @@
     </p:spTree>
     <p:extLst>
       <p:ext uri="{BB962C8B-B14F-4D97-AF65-F5344CB8AC3E}">
-        <p14:creationId xmlns:p14="http://schemas.microsoft.com/office/powerpoint/2010/main" val="1062589795"/>
+        <p14:creationId xmlns:p14="http://schemas.microsoft.com/office/powerpoint/2010/main" val="743692658"/>
       </p:ext>
     </p:extLst>
   </p:cSld>
@@ -1814,7 +1816,7 @@
     </p:spTree>
     <p:extLst>
       <p:ext uri="{BB962C8B-B14F-4D97-AF65-F5344CB8AC3E}">
-        <p14:creationId xmlns:p14="http://schemas.microsoft.com/office/powerpoint/2010/main" val="139514238"/>
+        <p14:creationId xmlns:p14="http://schemas.microsoft.com/office/powerpoint/2010/main" val="1924741897"/>
       </p:ext>
     </p:extLst>
   </p:cSld>
@@ -1843,7 +1845,7 @@
       </p:grpSpPr>
       <p:sp>
         <p:nvSpPr>
-          <p:cNvPr id="2" name="Slide Image Placeholder 1"/>
+          <p:cNvPr id="4" name="Slide Image Placeholder 3"/>
           <p:cNvSpPr>
             <a:spLocks noGrp="1" noRot="1" noChangeAspect="1"/>
           </p:cNvSpPr>
@@ -1860,7 +1862,7 @@
       </p:sp>
       <p:sp>
         <p:nvSpPr>
-          <p:cNvPr id="3" name="Notes Placeholder 2"/>
+          <p:cNvPr id="5" name="Notes Placeholder 4"/>
           <p:cNvSpPr>
             <a:spLocks noGrp="1"/>
           </p:cNvSpPr>
@@ -1880,7 +1882,7 @@
     </p:spTree>
     <p:extLst>
       <p:ext uri="{BB962C8B-B14F-4D97-AF65-F5344CB8AC3E}">
-        <p14:creationId xmlns:p14="http://schemas.microsoft.com/office/powerpoint/2010/main" val="686552816"/>
+        <p14:creationId xmlns:p14="http://schemas.microsoft.com/office/powerpoint/2010/main" val="1062589795"/>
       </p:ext>
     </p:extLst>
   </p:cSld>
@@ -1975,25 +1977,6 @@
       </p:grpSpPr>
       <p:sp>
         <p:nvSpPr>
-          <p:cNvPr id="3" name="Notes Placeholder 2"/>
-          <p:cNvSpPr>
-            <a:spLocks noGrp="1"/>
-          </p:cNvSpPr>
-          <p:nvPr>
-            <p:ph type="body" idx="1"/>
-          </p:nvPr>
-        </p:nvSpPr>
-        <p:spPr/>
-        <p:txBody>
-          <a:bodyPr/>
-          <a:lstStyle/>
-          <a:p>
-            <a:endParaRPr lang="en-US" dirty="0"/>
-          </a:p>
-        </p:txBody>
-      </p:sp>
-      <p:sp>
-        <p:nvSpPr>
           <p:cNvPr id="4" name="Slide Image Placeholder 3"/>
           <p:cNvSpPr>
             <a:spLocks noGrp="1" noRot="1" noChangeAspect="1"/>
@@ -2009,10 +1992,29 @@
           </a:xfrm>
         </p:spPr>
       </p:sp>
+      <p:sp>
+        <p:nvSpPr>
+          <p:cNvPr id="5" name="Notes Placeholder 4"/>
+          <p:cNvSpPr>
+            <a:spLocks noGrp="1"/>
+          </p:cNvSpPr>
+          <p:nvPr>
+            <p:ph type="body" idx="1"/>
+          </p:nvPr>
+        </p:nvSpPr>
+        <p:spPr/>
+        <p:txBody>
+          <a:bodyPr/>
+          <a:lstStyle/>
+          <a:p>
+            <a:endParaRPr lang="en-US" dirty="0"/>
+          </a:p>
+        </p:txBody>
+      </p:sp>
     </p:spTree>
     <p:extLst>
       <p:ext uri="{BB962C8B-B14F-4D97-AF65-F5344CB8AC3E}">
-        <p14:creationId xmlns:p14="http://schemas.microsoft.com/office/powerpoint/2010/main" val="3926070971"/>
+        <p14:creationId xmlns:p14="http://schemas.microsoft.com/office/powerpoint/2010/main" val="139514238"/>
       </p:ext>
     </p:extLst>
   </p:cSld>
@@ -2041,7 +2043,7 @@
       </p:grpSpPr>
       <p:sp>
         <p:nvSpPr>
-          <p:cNvPr id="4" name="Slide Image Placeholder 3"/>
+          <p:cNvPr id="2" name="Slide Image Placeholder 1"/>
           <p:cNvSpPr>
             <a:spLocks noGrp="1" noRot="1" noChangeAspect="1"/>
           </p:cNvSpPr>
@@ -2058,7 +2060,7 @@
       </p:sp>
       <p:sp>
         <p:nvSpPr>
-          <p:cNvPr id="5" name="Notes Placeholder 4"/>
+          <p:cNvPr id="3" name="Notes Placeholder 2"/>
           <p:cNvSpPr>
             <a:spLocks noGrp="1"/>
           </p:cNvSpPr>
@@ -2078,7 +2080,7 @@
     </p:spTree>
     <p:extLst>
       <p:ext uri="{BB962C8B-B14F-4D97-AF65-F5344CB8AC3E}">
-        <p14:creationId xmlns:p14="http://schemas.microsoft.com/office/powerpoint/2010/main" val="1021163549"/>
+        <p14:creationId xmlns:p14="http://schemas.microsoft.com/office/powerpoint/2010/main" val="686552816"/>
       </p:ext>
     </p:extLst>
   </p:cSld>
@@ -2107,6 +2109,25 @@
       </p:grpSpPr>
       <p:sp>
         <p:nvSpPr>
+          <p:cNvPr id="3" name="Notes Placeholder 2"/>
+          <p:cNvSpPr>
+            <a:spLocks noGrp="1"/>
+          </p:cNvSpPr>
+          <p:nvPr>
+            <p:ph type="body" idx="1"/>
+          </p:nvPr>
+        </p:nvSpPr>
+        <p:spPr/>
+        <p:txBody>
+          <a:bodyPr/>
+          <a:lstStyle/>
+          <a:p>
+            <a:endParaRPr lang="en-US" dirty="0"/>
+          </a:p>
+        </p:txBody>
+      </p:sp>
+      <p:sp>
+        <p:nvSpPr>
           <p:cNvPr id="4" name="Slide Image Placeholder 3"/>
           <p:cNvSpPr>
             <a:spLocks noGrp="1" noRot="1" noChangeAspect="1"/>
@@ -2122,29 +2143,10 @@
           </a:xfrm>
         </p:spPr>
       </p:sp>
-      <p:sp>
-        <p:nvSpPr>
-          <p:cNvPr id="5" name="Notes Placeholder 4"/>
-          <p:cNvSpPr>
-            <a:spLocks noGrp="1"/>
-          </p:cNvSpPr>
-          <p:nvPr>
-            <p:ph type="body" idx="1"/>
-          </p:nvPr>
-        </p:nvSpPr>
-        <p:spPr/>
-        <p:txBody>
-          <a:bodyPr/>
-          <a:lstStyle/>
-          <a:p>
-            <a:endParaRPr lang="en-US" dirty="0"/>
-          </a:p>
-        </p:txBody>
-      </p:sp>
     </p:spTree>
     <p:extLst>
       <p:ext uri="{BB962C8B-B14F-4D97-AF65-F5344CB8AC3E}">
-        <p14:creationId xmlns:p14="http://schemas.microsoft.com/office/powerpoint/2010/main" val="2484251496"/>
+        <p14:creationId xmlns:p14="http://schemas.microsoft.com/office/powerpoint/2010/main" val="3317680559"/>
       </p:ext>
     </p:extLst>
   </p:cSld>
@@ -2210,7 +2212,7 @@
     </p:spTree>
     <p:extLst>
       <p:ext uri="{BB962C8B-B14F-4D97-AF65-F5344CB8AC3E}">
-        <p14:creationId xmlns:p14="http://schemas.microsoft.com/office/powerpoint/2010/main" val="2048712254"/>
+        <p14:creationId xmlns:p14="http://schemas.microsoft.com/office/powerpoint/2010/main" val="1021163549"/>
       </p:ext>
     </p:extLst>
   </p:cSld>
@@ -2239,25 +2241,6 @@
       </p:grpSpPr>
       <p:sp>
         <p:nvSpPr>
-          <p:cNvPr id="3" name="Notes Placeholder 2"/>
-          <p:cNvSpPr>
-            <a:spLocks noGrp="1"/>
-          </p:cNvSpPr>
-          <p:nvPr>
-            <p:ph type="body" idx="1"/>
-          </p:nvPr>
-        </p:nvSpPr>
-        <p:spPr/>
-        <p:txBody>
-          <a:bodyPr/>
-          <a:lstStyle/>
-          <a:p>
-            <a:endParaRPr lang="en-US" dirty="0"/>
-          </a:p>
-        </p:txBody>
-      </p:sp>
-      <p:sp>
-        <p:nvSpPr>
           <p:cNvPr id="4" name="Slide Image Placeholder 3"/>
           <p:cNvSpPr>
             <a:spLocks noGrp="1" noRot="1" noChangeAspect="1"/>
@@ -2273,10 +2256,29 @@
           </a:xfrm>
         </p:spPr>
       </p:sp>
+      <p:sp>
+        <p:nvSpPr>
+          <p:cNvPr id="5" name="Notes Placeholder 4"/>
+          <p:cNvSpPr>
+            <a:spLocks noGrp="1"/>
+          </p:cNvSpPr>
+          <p:nvPr>
+            <p:ph type="body" idx="1"/>
+          </p:nvPr>
+        </p:nvSpPr>
+        <p:spPr/>
+        <p:txBody>
+          <a:bodyPr/>
+          <a:lstStyle/>
+          <a:p>
+            <a:endParaRPr lang="en-US" dirty="0"/>
+          </a:p>
+        </p:txBody>
+      </p:sp>
     </p:spTree>
     <p:extLst>
       <p:ext uri="{BB962C8B-B14F-4D97-AF65-F5344CB8AC3E}">
-        <p14:creationId xmlns:p14="http://schemas.microsoft.com/office/powerpoint/2010/main" val="516836388"/>
+        <p14:creationId xmlns:p14="http://schemas.microsoft.com/office/powerpoint/2010/main" val="2484251496"/>
       </p:ext>
     </p:extLst>
   </p:cSld>
@@ -2342,7 +2344,7 @@
     </p:spTree>
     <p:extLst>
       <p:ext uri="{BB962C8B-B14F-4D97-AF65-F5344CB8AC3E}">
-        <p14:creationId xmlns:p14="http://schemas.microsoft.com/office/powerpoint/2010/main" val="1561002140"/>
+        <p14:creationId xmlns:p14="http://schemas.microsoft.com/office/powerpoint/2010/main" val="2048712254"/>
       </p:ext>
     </p:extLst>
   </p:cSld>
@@ -2371,6 +2373,25 @@
       </p:grpSpPr>
       <p:sp>
         <p:nvSpPr>
+          <p:cNvPr id="3" name="Notes Placeholder 2"/>
+          <p:cNvSpPr>
+            <a:spLocks noGrp="1"/>
+          </p:cNvSpPr>
+          <p:nvPr>
+            <p:ph type="body" idx="1"/>
+          </p:nvPr>
+        </p:nvSpPr>
+        <p:spPr/>
+        <p:txBody>
+          <a:bodyPr/>
+          <a:lstStyle/>
+          <a:p>
+            <a:endParaRPr lang="en-US" dirty="0"/>
+          </a:p>
+        </p:txBody>
+      </p:sp>
+      <p:sp>
+        <p:nvSpPr>
           <p:cNvPr id="4" name="Slide Image Placeholder 3"/>
           <p:cNvSpPr>
             <a:spLocks noGrp="1" noRot="1" noChangeAspect="1"/>
@@ -2386,29 +2407,10 @@
           </a:xfrm>
         </p:spPr>
       </p:sp>
-      <p:sp>
-        <p:nvSpPr>
-          <p:cNvPr id="5" name="Notes Placeholder 4"/>
-          <p:cNvSpPr>
-            <a:spLocks noGrp="1"/>
-          </p:cNvSpPr>
-          <p:nvPr>
-            <p:ph type="body" idx="1"/>
-          </p:nvPr>
-        </p:nvSpPr>
-        <p:spPr/>
-        <p:txBody>
-          <a:bodyPr/>
-          <a:lstStyle/>
-          <a:p>
-            <a:endParaRPr lang="en-US" dirty="0"/>
-          </a:p>
-        </p:txBody>
-      </p:sp>
     </p:spTree>
     <p:extLst>
       <p:ext uri="{BB962C8B-B14F-4D97-AF65-F5344CB8AC3E}">
-        <p14:creationId xmlns:p14="http://schemas.microsoft.com/office/powerpoint/2010/main" val="1337360490"/>
+        <p14:creationId xmlns:p14="http://schemas.microsoft.com/office/powerpoint/2010/main" val="2204902671"/>
       </p:ext>
     </p:extLst>
   </p:cSld>
@@ -2474,7 +2476,7 @@
     </p:spTree>
     <p:extLst>
       <p:ext uri="{BB962C8B-B14F-4D97-AF65-F5344CB8AC3E}">
-        <p14:creationId xmlns:p14="http://schemas.microsoft.com/office/powerpoint/2010/main" val="781982154"/>
+        <p14:creationId xmlns:p14="http://schemas.microsoft.com/office/powerpoint/2010/main" val="1561002140"/>
       </p:ext>
     </p:extLst>
   </p:cSld>
@@ -2503,25 +2505,6 @@
       </p:grpSpPr>
       <p:sp>
         <p:nvSpPr>
-          <p:cNvPr id="3" name="Notes Placeholder 2"/>
-          <p:cNvSpPr>
-            <a:spLocks noGrp="1"/>
-          </p:cNvSpPr>
-          <p:nvPr>
-            <p:ph type="body" idx="1"/>
-          </p:nvPr>
-        </p:nvSpPr>
-        <p:spPr/>
-        <p:txBody>
-          <a:bodyPr/>
-          <a:lstStyle/>
-          <a:p>
-            <a:endParaRPr lang="en-US" dirty="0"/>
-          </a:p>
-        </p:txBody>
-      </p:sp>
-      <p:sp>
-        <p:nvSpPr>
           <p:cNvPr id="4" name="Slide Image Placeholder 3"/>
           <p:cNvSpPr>
             <a:spLocks noGrp="1" noRot="1" noChangeAspect="1"/>
@@ -2537,10 +2520,29 @@
           </a:xfrm>
         </p:spPr>
       </p:sp>
+      <p:sp>
+        <p:nvSpPr>
+          <p:cNvPr id="5" name="Notes Placeholder 4"/>
+          <p:cNvSpPr>
+            <a:spLocks noGrp="1"/>
+          </p:cNvSpPr>
+          <p:nvPr>
+            <p:ph type="body" idx="1"/>
+          </p:nvPr>
+        </p:nvSpPr>
+        <p:spPr/>
+        <p:txBody>
+          <a:bodyPr/>
+          <a:lstStyle/>
+          <a:p>
+            <a:endParaRPr lang="en-US" dirty="0"/>
+          </a:p>
+        </p:txBody>
+      </p:sp>
     </p:spTree>
     <p:extLst>
       <p:ext uri="{BB962C8B-B14F-4D97-AF65-F5344CB8AC3E}">
-        <p14:creationId xmlns:p14="http://schemas.microsoft.com/office/powerpoint/2010/main" val="731199849"/>
+        <p14:creationId xmlns:p14="http://schemas.microsoft.com/office/powerpoint/2010/main" val="1337360490"/>
       </p:ext>
     </p:extLst>
   </p:cSld>
@@ -2606,7 +2608,7 @@
     </p:spTree>
     <p:extLst>
       <p:ext uri="{BB962C8B-B14F-4D97-AF65-F5344CB8AC3E}">
-        <p14:creationId xmlns:p14="http://schemas.microsoft.com/office/powerpoint/2010/main" val="1525732035"/>
+        <p14:creationId xmlns:p14="http://schemas.microsoft.com/office/powerpoint/2010/main" val="781982154"/>
       </p:ext>
     </p:extLst>
   </p:cSld>
@@ -2701,6 +2703,138 @@
       </p:grpSpPr>
       <p:sp>
         <p:nvSpPr>
+          <p:cNvPr id="3" name="Notes Placeholder 2"/>
+          <p:cNvSpPr>
+            <a:spLocks noGrp="1"/>
+          </p:cNvSpPr>
+          <p:nvPr>
+            <p:ph type="body" idx="1"/>
+          </p:nvPr>
+        </p:nvSpPr>
+        <p:spPr/>
+        <p:txBody>
+          <a:bodyPr/>
+          <a:lstStyle/>
+          <a:p>
+            <a:endParaRPr lang="en-US" dirty="0"/>
+          </a:p>
+        </p:txBody>
+      </p:sp>
+      <p:sp>
+        <p:nvSpPr>
+          <p:cNvPr id="4" name="Slide Image Placeholder 3"/>
+          <p:cNvSpPr>
+            <a:spLocks noGrp="1" noRot="1" noChangeAspect="1"/>
+          </p:cNvSpPr>
+          <p:nvPr>
+            <p:ph type="sldImg"/>
+          </p:nvPr>
+        </p:nvSpPr>
+        <p:spPr>
+          <a:xfrm>
+            <a:off x="1189038" y="701675"/>
+            <a:ext cx="4676775" cy="3508375"/>
+          </a:xfrm>
+        </p:spPr>
+      </p:sp>
+    </p:spTree>
+    <p:extLst>
+      <p:ext uri="{BB962C8B-B14F-4D97-AF65-F5344CB8AC3E}">
+        <p14:creationId xmlns:p14="http://schemas.microsoft.com/office/powerpoint/2010/main" val="1439072438"/>
+      </p:ext>
+    </p:extLst>
+  </p:cSld>
+  <p:clrMapOvr>
+    <a:masterClrMapping/>
+  </p:clrMapOvr>
+</p:notes>
+</file>
+
+<file path=ppt/notesSlides/notesSlide31.xml><?xml version="1.0" encoding="utf-8"?>
+<p:notes xmlns:a="http://schemas.openxmlformats.org/drawingml/2006/main" xmlns:r="http://schemas.openxmlformats.org/officeDocument/2006/relationships" xmlns:p="http://schemas.openxmlformats.org/presentationml/2006/main">
+  <p:cSld>
+    <p:spTree>
+      <p:nvGrpSpPr>
+        <p:cNvPr id="1" name=""/>
+        <p:cNvGrpSpPr/>
+        <p:nvPr/>
+      </p:nvGrpSpPr>
+      <p:grpSpPr>
+        <a:xfrm>
+          <a:off x="0" y="0"/>
+          <a:ext cx="0" cy="0"/>
+          <a:chOff x="0" y="0"/>
+          <a:chExt cx="0" cy="0"/>
+        </a:xfrm>
+      </p:grpSpPr>
+      <p:sp>
+        <p:nvSpPr>
+          <p:cNvPr id="4" name="Slide Image Placeholder 3"/>
+          <p:cNvSpPr>
+            <a:spLocks noGrp="1" noRot="1" noChangeAspect="1"/>
+          </p:cNvSpPr>
+          <p:nvPr>
+            <p:ph type="sldImg"/>
+          </p:nvPr>
+        </p:nvSpPr>
+        <p:spPr>
+          <a:xfrm>
+            <a:off x="1189038" y="701675"/>
+            <a:ext cx="4676775" cy="3508375"/>
+          </a:xfrm>
+        </p:spPr>
+      </p:sp>
+      <p:sp>
+        <p:nvSpPr>
+          <p:cNvPr id="5" name="Notes Placeholder 4"/>
+          <p:cNvSpPr>
+            <a:spLocks noGrp="1"/>
+          </p:cNvSpPr>
+          <p:nvPr>
+            <p:ph type="body" idx="1"/>
+          </p:nvPr>
+        </p:nvSpPr>
+        <p:spPr/>
+        <p:txBody>
+          <a:bodyPr/>
+          <a:lstStyle/>
+          <a:p>
+            <a:endParaRPr lang="en-US" dirty="0"/>
+          </a:p>
+        </p:txBody>
+      </p:sp>
+    </p:spTree>
+    <p:extLst>
+      <p:ext uri="{BB962C8B-B14F-4D97-AF65-F5344CB8AC3E}">
+        <p14:creationId xmlns:p14="http://schemas.microsoft.com/office/powerpoint/2010/main" val="1525732035"/>
+      </p:ext>
+    </p:extLst>
+  </p:cSld>
+  <p:clrMapOvr>
+    <a:masterClrMapping/>
+  </p:clrMapOvr>
+</p:notes>
+</file>
+
+<file path=ppt/notesSlides/notesSlide32.xml><?xml version="1.0" encoding="utf-8"?>
+<p:notes xmlns:a="http://schemas.openxmlformats.org/drawingml/2006/main" xmlns:r="http://schemas.openxmlformats.org/officeDocument/2006/relationships" xmlns:p="http://schemas.openxmlformats.org/presentationml/2006/main">
+  <p:cSld>
+    <p:spTree>
+      <p:nvGrpSpPr>
+        <p:cNvPr id="1" name=""/>
+        <p:cNvGrpSpPr/>
+        <p:nvPr/>
+      </p:nvGrpSpPr>
+      <p:grpSpPr>
+        <a:xfrm>
+          <a:off x="0" y="0"/>
+          <a:ext cx="0" cy="0"/>
+          <a:chOff x="0" y="0"/>
+          <a:chExt cx="0" cy="0"/>
+        </a:xfrm>
+      </p:grpSpPr>
+      <p:sp>
+        <p:nvSpPr>
           <p:cNvPr id="2" name="Slide Image Placeholder 1"/>
           <p:cNvSpPr>
             <a:spLocks noGrp="1" noRot="1" noChangeAspect="1"/>
@@ -2804,7 +2938,7 @@
     </p:spTree>
     <p:extLst>
       <p:ext uri="{BB962C8B-B14F-4D97-AF65-F5344CB8AC3E}">
-        <p14:creationId xmlns:p14="http://schemas.microsoft.com/office/powerpoint/2010/main" val="421096047"/>
+        <p14:creationId xmlns:p14="http://schemas.microsoft.com/office/powerpoint/2010/main" val="199223477"/>
       </p:ext>
     </p:extLst>
   </p:cSld>
@@ -2833,6 +2967,25 @@
       </p:grpSpPr>
       <p:sp>
         <p:nvSpPr>
+          <p:cNvPr id="3" name="Notes Placeholder 2"/>
+          <p:cNvSpPr>
+            <a:spLocks noGrp="1"/>
+          </p:cNvSpPr>
+          <p:nvPr>
+            <p:ph type="body" idx="1"/>
+          </p:nvPr>
+        </p:nvSpPr>
+        <p:spPr/>
+        <p:txBody>
+          <a:bodyPr/>
+          <a:lstStyle/>
+          <a:p>
+            <a:endParaRPr lang="en-US" dirty="0"/>
+          </a:p>
+        </p:txBody>
+      </p:sp>
+      <p:sp>
+        <p:nvSpPr>
           <p:cNvPr id="4" name="Slide Image Placeholder 3"/>
           <p:cNvSpPr>
             <a:spLocks noGrp="1" noRot="1" noChangeAspect="1"/>
@@ -2848,29 +3001,10 @@
           </a:xfrm>
         </p:spPr>
       </p:sp>
-      <p:sp>
-        <p:nvSpPr>
-          <p:cNvPr id="5" name="Notes Placeholder 4"/>
-          <p:cNvSpPr>
-            <a:spLocks noGrp="1"/>
-          </p:cNvSpPr>
-          <p:nvPr>
-            <p:ph type="body" idx="1"/>
-          </p:nvPr>
-        </p:nvSpPr>
-        <p:spPr/>
-        <p:txBody>
-          <a:bodyPr/>
-          <a:lstStyle/>
-          <a:p>
-            <a:endParaRPr lang="en-US" dirty="0"/>
-          </a:p>
-        </p:txBody>
-      </p:sp>
     </p:spTree>
     <p:extLst>
       <p:ext uri="{BB962C8B-B14F-4D97-AF65-F5344CB8AC3E}">
-        <p14:creationId xmlns:p14="http://schemas.microsoft.com/office/powerpoint/2010/main" val="3973789828"/>
+        <p14:creationId xmlns:p14="http://schemas.microsoft.com/office/powerpoint/2010/main" val="899881410"/>
       </p:ext>
     </p:extLst>
   </p:cSld>
@@ -2936,7 +3070,7 @@
     </p:spTree>
     <p:extLst>
       <p:ext uri="{BB962C8B-B14F-4D97-AF65-F5344CB8AC3E}">
-        <p14:creationId xmlns:p14="http://schemas.microsoft.com/office/powerpoint/2010/main" val="4109709239"/>
+        <p14:creationId xmlns:p14="http://schemas.microsoft.com/office/powerpoint/2010/main" val="421096047"/>
       </p:ext>
     </p:extLst>
   </p:cSld>
@@ -3002,7 +3136,7 @@
     </p:spTree>
     <p:extLst>
       <p:ext uri="{BB962C8B-B14F-4D97-AF65-F5344CB8AC3E}">
-        <p14:creationId xmlns:p14="http://schemas.microsoft.com/office/powerpoint/2010/main" val="756322567"/>
+        <p14:creationId xmlns:p14="http://schemas.microsoft.com/office/powerpoint/2010/main" val="3973789828"/>
       </p:ext>
     </p:extLst>
   </p:cSld>
@@ -3068,7 +3202,7 @@
     </p:spTree>
     <p:extLst>
       <p:ext uri="{BB962C8B-B14F-4D97-AF65-F5344CB8AC3E}">
-        <p14:creationId xmlns:p14="http://schemas.microsoft.com/office/powerpoint/2010/main" val="1820179784"/>
+        <p14:creationId xmlns:p14="http://schemas.microsoft.com/office/powerpoint/2010/main" val="4109709239"/>
       </p:ext>
     </p:extLst>
   </p:cSld>
@@ -3134,7 +3268,7 @@
     </p:spTree>
     <p:extLst>
       <p:ext uri="{BB962C8B-B14F-4D97-AF65-F5344CB8AC3E}">
-        <p14:creationId xmlns:p14="http://schemas.microsoft.com/office/powerpoint/2010/main" val="3342383391"/>
+        <p14:creationId xmlns:p14="http://schemas.microsoft.com/office/powerpoint/2010/main" val="756322567"/>
       </p:ext>
     </p:extLst>
   </p:cSld>
@@ -8267,6 +8401,34 @@
       </p:grpSpPr>
       <p:sp>
         <p:nvSpPr>
+          <p:cNvPr id="3" name="Content Placeholder 2"/>
+          <p:cNvSpPr>
+            <a:spLocks noGrp="1"/>
+          </p:cNvSpPr>
+          <p:nvPr>
+            <p:ph idx="1"/>
+          </p:nvPr>
+        </p:nvSpPr>
+        <p:spPr/>
+        <p:txBody>
+          <a:bodyPr/>
+          <a:lstStyle/>
+          <a:p>
+            <a:r>
+              <a:rPr lang="en-US" dirty="0"/>
+              <a:t>For categorical data, a bar chart is a good option</a:t>
+            </a:r>
+          </a:p>
+          <a:p>
+            <a:pPr marL="0" indent="0">
+              <a:buNone/>
+            </a:pPr>
+            <a:endParaRPr lang="en-US" dirty="0"/>
+          </a:p>
+        </p:txBody>
+      </p:sp>
+      <p:sp>
+        <p:nvSpPr>
           <p:cNvPr id="2" name="Title 1"/>
           <p:cNvSpPr>
             <a:spLocks noGrp="1"/>
@@ -8282,6 +8444,582 @@
           <a:p>
             <a:r>
               <a:rPr lang="en-US" dirty="0"/>
+              <a:t>Bar Chart</a:t>
+            </a:r>
+          </a:p>
+        </p:txBody>
+      </p:sp>
+      <p:sp>
+        <p:nvSpPr>
+          <p:cNvPr id="4" name="TextBox 3">
+            <a:extLst>
+              <a:ext uri="{FF2B5EF4-FFF2-40B4-BE49-F238E27FC236}">
+                <a16:creationId xmlns:a16="http://schemas.microsoft.com/office/drawing/2014/main" id="{989E718B-62F2-BA4F-979C-72BAFF18F2F8}"/>
+              </a:ext>
+            </a:extLst>
+          </p:cNvPr>
+          <p:cNvSpPr txBox="1"/>
+          <p:nvPr/>
+        </p:nvSpPr>
+        <p:spPr>
+          <a:xfrm>
+            <a:off x="929477" y="1659701"/>
+            <a:ext cx="6792676" cy="1169551"/>
+          </a:xfrm>
+          <a:prstGeom prst="rect">
+            <a:avLst/>
+          </a:prstGeom>
+          <a:noFill/>
+          <a:ln w="28575" algn="ctr">
+            <a:solidFill>
+              <a:schemeClr val="accent2">
+                <a:lumMod val="20000"/>
+                <a:lumOff val="80000"/>
+              </a:schemeClr>
+            </a:solidFill>
+            <a:miter lim="800000"/>
+            <a:headEnd/>
+            <a:tailEnd/>
+          </a:ln>
+          <a:effectLst/>
+        </p:spPr>
+        <p:txBody>
+          <a:bodyPr wrap="square">
+            <a:spAutoFit/>
+          </a:bodyPr>
+          <a:lstStyle>
+            <a:defPPr>
+              <a:defRPr lang="en-US"/>
+            </a:defPPr>
+            <a:lvl1pPr marL="0" defTabSz="914400" eaLnBrk="1" latinLnBrk="0" hangingPunct="1">
+              <a:defRPr sz="1400">
+                <a:solidFill>
+                  <a:schemeClr val="tx1"/>
+                </a:solidFill>
+                <a:latin typeface="Courier New" pitchFamily="49" charset="0"/>
+                <a:cs typeface="+mn-cs"/>
+              </a:defRPr>
+            </a:lvl1pPr>
+            <a:lvl2pPr marL="742950" indent="-285750" defTabSz="914400" latinLnBrk="0">
+              <a:defRPr sz="1400">
+                <a:solidFill>
+                  <a:schemeClr val="tx1"/>
+                </a:solidFill>
+                <a:latin typeface="Arial" charset="0"/>
+                <a:cs typeface="+mn-cs"/>
+              </a:defRPr>
+            </a:lvl2pPr>
+            <a:lvl3pPr marL="1143000" indent="-228600" defTabSz="914400" latinLnBrk="0">
+              <a:defRPr sz="1400">
+                <a:solidFill>
+                  <a:schemeClr val="tx1"/>
+                </a:solidFill>
+                <a:latin typeface="Arial" charset="0"/>
+                <a:cs typeface="+mn-cs"/>
+              </a:defRPr>
+            </a:lvl3pPr>
+            <a:lvl4pPr marL="1600200" indent="-228600" defTabSz="914400" latinLnBrk="0">
+              <a:defRPr sz="1400">
+                <a:solidFill>
+                  <a:schemeClr val="tx1"/>
+                </a:solidFill>
+                <a:latin typeface="Arial" charset="0"/>
+                <a:cs typeface="+mn-cs"/>
+              </a:defRPr>
+            </a:lvl4pPr>
+            <a:lvl5pPr marL="2057400" indent="-228600" defTabSz="914400" latinLnBrk="0">
+              <a:defRPr sz="1400">
+                <a:solidFill>
+                  <a:schemeClr val="tx1"/>
+                </a:solidFill>
+                <a:latin typeface="Arial" charset="0"/>
+                <a:cs typeface="+mn-cs"/>
+              </a:defRPr>
+            </a:lvl5pPr>
+            <a:lvl6pPr marL="2514600" indent="-228600" eaLnBrk="0" fontAlgn="base" hangingPunct="0">
+              <a:spcBef>
+                <a:spcPct val="0"/>
+              </a:spcBef>
+              <a:spcAft>
+                <a:spcPct val="0"/>
+              </a:spcAft>
+              <a:defRPr sz="1400">
+                <a:solidFill>
+                  <a:schemeClr val="tx1"/>
+                </a:solidFill>
+                <a:latin typeface="Arial" charset="0"/>
+                <a:cs typeface="+mn-cs"/>
+              </a:defRPr>
+            </a:lvl6pPr>
+            <a:lvl7pPr marL="2971800" indent="-228600" eaLnBrk="0" fontAlgn="base" hangingPunct="0">
+              <a:spcBef>
+                <a:spcPct val="0"/>
+              </a:spcBef>
+              <a:spcAft>
+                <a:spcPct val="0"/>
+              </a:spcAft>
+              <a:defRPr sz="1400">
+                <a:solidFill>
+                  <a:schemeClr val="tx1"/>
+                </a:solidFill>
+                <a:latin typeface="Arial" charset="0"/>
+                <a:cs typeface="+mn-cs"/>
+              </a:defRPr>
+            </a:lvl7pPr>
+            <a:lvl8pPr marL="3429000" indent="-228600" eaLnBrk="0" fontAlgn="base" hangingPunct="0">
+              <a:spcBef>
+                <a:spcPct val="0"/>
+              </a:spcBef>
+              <a:spcAft>
+                <a:spcPct val="0"/>
+              </a:spcAft>
+              <a:defRPr sz="1400">
+                <a:solidFill>
+                  <a:schemeClr val="tx1"/>
+                </a:solidFill>
+                <a:latin typeface="Arial" charset="0"/>
+                <a:cs typeface="+mn-cs"/>
+              </a:defRPr>
+            </a:lvl8pPr>
+            <a:lvl9pPr marL="3886200" indent="-228600" eaLnBrk="0" fontAlgn="base" hangingPunct="0">
+              <a:spcBef>
+                <a:spcPct val="0"/>
+              </a:spcBef>
+              <a:spcAft>
+                <a:spcPct val="0"/>
+              </a:spcAft>
+              <a:defRPr sz="1400">
+                <a:solidFill>
+                  <a:schemeClr val="tx1"/>
+                </a:solidFill>
+                <a:latin typeface="Arial" charset="0"/>
+                <a:cs typeface="+mn-cs"/>
+              </a:defRPr>
+            </a:lvl9pPr>
+          </a:lstStyle>
+          <a:p>
+            <a:r>
+              <a:rPr lang="en-US" b="1" dirty="0"/>
+              <a:t>df = pd.DataFrame([('Male', 10),('Male', 11), ('Female', 11), ('Female', 12), ('Female', 12)], columns=['Gender','Age'])</a:t>
+            </a:r>
+          </a:p>
+          <a:p>
+            <a:r>
+              <a:rPr lang="en-US" b="1" dirty="0"/>
+              <a:t>x = df.groupby('Gender').count()</a:t>
+            </a:r>
+          </a:p>
+          <a:p>
+            <a:r>
+              <a:rPr lang="en-US" b="1" dirty="0"/>
+              <a:t>print (x)</a:t>
+            </a:r>
+          </a:p>
+          <a:p>
+            <a:r>
+              <a:rPr lang="en-US" b="1" dirty="0" err="1"/>
+              <a:t>x.plot</a:t>
+            </a:r>
+            <a:r>
+              <a:rPr lang="en-US" b="1" dirty="0"/>
+              <a:t>(kind='bar')</a:t>
+            </a:r>
+          </a:p>
+        </p:txBody>
+      </p:sp>
+      <p:pic>
+        <p:nvPicPr>
+          <p:cNvPr id="6" name="Picture 5"/>
+          <p:cNvPicPr>
+            <a:picLocks noChangeAspect="1"/>
+          </p:cNvPicPr>
+          <p:nvPr/>
+        </p:nvPicPr>
+        <p:blipFill>
+          <a:blip r:embed="rId3">
+            <a:extLst>
+              <a:ext uri="{28A0092B-C50C-407E-A947-70E740481C1C}">
+                <a14:useLocalDpi xmlns:a14="http://schemas.microsoft.com/office/drawing/2010/main" val="0"/>
+              </a:ext>
+            </a:extLst>
+          </a:blip>
+          <a:stretch>
+            <a:fillRect/>
+          </a:stretch>
+        </p:blipFill>
+        <p:spPr>
+          <a:xfrm>
+            <a:off x="4196993" y="2596994"/>
+            <a:ext cx="4279041" cy="3631236"/>
+          </a:xfrm>
+          <a:prstGeom prst="rect">
+            <a:avLst/>
+          </a:prstGeom>
+          <a:ln>
+            <a:solidFill>
+              <a:schemeClr val="accent3"/>
+            </a:solidFill>
+          </a:ln>
+        </p:spPr>
+      </p:pic>
+    </p:spTree>
+    <p:extLst>
+      <p:ext uri="{BB962C8B-B14F-4D97-AF65-F5344CB8AC3E}">
+        <p14:creationId xmlns:p14="http://schemas.microsoft.com/office/powerpoint/2010/main" val="3840573225"/>
+      </p:ext>
+    </p:extLst>
+  </p:cSld>
+  <p:clrMapOvr>
+    <a:masterClrMapping/>
+  </p:clrMapOvr>
+</p:sld>
+</file>
+
+<file path=ppt/slides/slide11.xml><?xml version="1.0" encoding="utf-8"?>
+<p:sld xmlns:a="http://schemas.openxmlformats.org/drawingml/2006/main" xmlns:r="http://schemas.openxmlformats.org/officeDocument/2006/relationships" xmlns:p="http://schemas.openxmlformats.org/presentationml/2006/main">
+  <p:cSld>
+    <p:spTree>
+      <p:nvGrpSpPr>
+        <p:cNvPr id="1" name=""/>
+        <p:cNvGrpSpPr/>
+        <p:nvPr/>
+      </p:nvGrpSpPr>
+      <p:grpSpPr>
+        <a:xfrm>
+          <a:off x="0" y="0"/>
+          <a:ext cx="0" cy="0"/>
+          <a:chOff x="0" y="0"/>
+          <a:chExt cx="0" cy="0"/>
+        </a:xfrm>
+      </p:grpSpPr>
+      <p:sp>
+        <p:nvSpPr>
+          <p:cNvPr id="3" name="Content Placeholder 2"/>
+          <p:cNvSpPr>
+            <a:spLocks noGrp="1"/>
+          </p:cNvSpPr>
+          <p:nvPr>
+            <p:ph idx="1"/>
+          </p:nvPr>
+        </p:nvSpPr>
+        <p:spPr/>
+        <p:txBody>
+          <a:bodyPr/>
+          <a:lstStyle/>
+          <a:p>
+            <a:r>
+              <a:rPr lang="en-US" dirty="0"/>
+              <a:t>Useful for describing how measurements are distributed in the data</a:t>
+            </a:r>
+          </a:p>
+          <a:p>
+            <a:r>
+              <a:rPr lang="en-US" dirty="0"/>
+              <a:t>The average IQ is 100 and the standard deviation is 15 points</a:t>
+            </a:r>
+          </a:p>
+          <a:p>
+            <a:r>
+              <a:rPr lang="en-US" dirty="0"/>
+              <a:t>A person with an IQ of 115 is one standard deviation above the mean</a:t>
+            </a:r>
+          </a:p>
+          <a:p>
+            <a:r>
+              <a:rPr lang="en-US" dirty="0"/>
+              <a:t>A person with an IQ of 85 is one standard deviation below the mean</a:t>
+            </a:r>
+          </a:p>
+          <a:p>
+            <a:r>
+              <a:rPr lang="en-US" dirty="0"/>
+              <a:t>A person with an IQ of 130 is two standard deviations above the mean</a:t>
+            </a:r>
+          </a:p>
+          <a:p>
+            <a:r>
+              <a:rPr lang="en-US" dirty="0"/>
+              <a:t>By definition, 68% lie within 1 standard deviation, 95% within 2, and 99% within 3</a:t>
+            </a:r>
+          </a:p>
+          <a:p>
+            <a:endParaRPr lang="en-US" dirty="0"/>
+          </a:p>
+          <a:p>
+            <a:pPr marL="0" indent="0">
+              <a:buNone/>
+            </a:pPr>
+            <a:endParaRPr lang="en-US" dirty="0"/>
+          </a:p>
+        </p:txBody>
+      </p:sp>
+      <p:sp>
+        <p:nvSpPr>
+          <p:cNvPr id="2" name="Title 1"/>
+          <p:cNvSpPr>
+            <a:spLocks noGrp="1"/>
+          </p:cNvSpPr>
+          <p:nvPr>
+            <p:ph type="title"/>
+          </p:nvPr>
+        </p:nvSpPr>
+        <p:spPr/>
+        <p:txBody>
+          <a:bodyPr/>
+          <a:lstStyle/>
+          <a:p>
+            <a:r>
+              <a:rPr lang="en-US" dirty="0"/>
+              <a:t>Standard Deviation</a:t>
+            </a:r>
+          </a:p>
+        </p:txBody>
+      </p:sp>
+      <p:pic>
+        <p:nvPicPr>
+          <p:cNvPr id="6" name="Picture 5">
+            <a:extLst>
+              <a:ext uri="{FF2B5EF4-FFF2-40B4-BE49-F238E27FC236}">
+                <a16:creationId xmlns:a16="http://schemas.microsoft.com/office/drawing/2014/main" id="{A5C5CDA1-748C-9348-9F1D-1E524D1A6709}"/>
+              </a:ext>
+            </a:extLst>
+          </p:cNvPr>
+          <p:cNvPicPr>
+            <a:picLocks noChangeAspect="1"/>
+          </p:cNvPicPr>
+          <p:nvPr/>
+        </p:nvPicPr>
+        <p:blipFill>
+          <a:blip r:embed="rId3">
+            <a:extLst>
+              <a:ext uri="{28A0092B-C50C-407E-A947-70E740481C1C}">
+                <a14:useLocalDpi xmlns:a14="http://schemas.microsoft.com/office/drawing/2010/main" val="0"/>
+              </a:ext>
+            </a:extLst>
+          </a:blip>
+          <a:stretch>
+            <a:fillRect/>
+          </a:stretch>
+        </p:blipFill>
+        <p:spPr>
+          <a:xfrm>
+            <a:off x="1905000" y="3945745"/>
+            <a:ext cx="5334000" cy="2400300"/>
+          </a:xfrm>
+          <a:prstGeom prst="rect">
+            <a:avLst/>
+          </a:prstGeom>
+        </p:spPr>
+      </p:pic>
+      <p:sp>
+        <p:nvSpPr>
+          <p:cNvPr id="8" name="TextBox 7">
+            <a:extLst>
+              <a:ext uri="{FF2B5EF4-FFF2-40B4-BE49-F238E27FC236}">
+                <a16:creationId xmlns:a16="http://schemas.microsoft.com/office/drawing/2014/main" id="{11825CCD-B47A-B441-AED9-95DD4BD74BD5}"/>
+              </a:ext>
+            </a:extLst>
+          </p:cNvPr>
+          <p:cNvSpPr txBox="1"/>
+          <p:nvPr/>
+        </p:nvSpPr>
+        <p:spPr>
+          <a:xfrm>
+            <a:off x="5355772" y="3945745"/>
+            <a:ext cx="3245303" cy="523220"/>
+          </a:xfrm>
+          <a:prstGeom prst="rect">
+            <a:avLst/>
+          </a:prstGeom>
+          <a:noFill/>
+          <a:ln w="28575" algn="ctr">
+            <a:solidFill>
+              <a:schemeClr val="accent2">
+                <a:lumMod val="20000"/>
+                <a:lumOff val="80000"/>
+              </a:schemeClr>
+            </a:solidFill>
+            <a:miter lim="800000"/>
+            <a:headEnd/>
+            <a:tailEnd/>
+          </a:ln>
+          <a:effectLst/>
+        </p:spPr>
+        <p:txBody>
+          <a:bodyPr wrap="square">
+            <a:spAutoFit/>
+          </a:bodyPr>
+          <a:lstStyle>
+            <a:defPPr>
+              <a:defRPr lang="en-US"/>
+            </a:defPPr>
+            <a:lvl1pPr marL="0" defTabSz="914400" eaLnBrk="1" latinLnBrk="0" hangingPunct="1">
+              <a:defRPr sz="1400">
+                <a:solidFill>
+                  <a:schemeClr val="tx1"/>
+                </a:solidFill>
+                <a:latin typeface="Courier New" pitchFamily="49" charset="0"/>
+                <a:cs typeface="+mn-cs"/>
+              </a:defRPr>
+            </a:lvl1pPr>
+            <a:lvl2pPr marL="742950" indent="-285750" defTabSz="914400" latinLnBrk="0">
+              <a:defRPr sz="1400">
+                <a:solidFill>
+                  <a:schemeClr val="tx1"/>
+                </a:solidFill>
+                <a:latin typeface="Arial" charset="0"/>
+                <a:cs typeface="+mn-cs"/>
+              </a:defRPr>
+            </a:lvl2pPr>
+            <a:lvl3pPr marL="1143000" indent="-228600" defTabSz="914400" latinLnBrk="0">
+              <a:defRPr sz="1400">
+                <a:solidFill>
+                  <a:schemeClr val="tx1"/>
+                </a:solidFill>
+                <a:latin typeface="Arial" charset="0"/>
+                <a:cs typeface="+mn-cs"/>
+              </a:defRPr>
+            </a:lvl3pPr>
+            <a:lvl4pPr marL="1600200" indent="-228600" defTabSz="914400" latinLnBrk="0">
+              <a:defRPr sz="1400">
+                <a:solidFill>
+                  <a:schemeClr val="tx1"/>
+                </a:solidFill>
+                <a:latin typeface="Arial" charset="0"/>
+                <a:cs typeface="+mn-cs"/>
+              </a:defRPr>
+            </a:lvl4pPr>
+            <a:lvl5pPr marL="2057400" indent="-228600" defTabSz="914400" latinLnBrk="0">
+              <a:defRPr sz="1400">
+                <a:solidFill>
+                  <a:schemeClr val="tx1"/>
+                </a:solidFill>
+                <a:latin typeface="Arial" charset="0"/>
+                <a:cs typeface="+mn-cs"/>
+              </a:defRPr>
+            </a:lvl5pPr>
+            <a:lvl6pPr marL="2514600" indent="-228600" eaLnBrk="0" fontAlgn="base" hangingPunct="0">
+              <a:spcBef>
+                <a:spcPct val="0"/>
+              </a:spcBef>
+              <a:spcAft>
+                <a:spcPct val="0"/>
+              </a:spcAft>
+              <a:defRPr sz="1400">
+                <a:solidFill>
+                  <a:schemeClr val="tx1"/>
+                </a:solidFill>
+                <a:latin typeface="Arial" charset="0"/>
+                <a:cs typeface="+mn-cs"/>
+              </a:defRPr>
+            </a:lvl6pPr>
+            <a:lvl7pPr marL="2971800" indent="-228600" eaLnBrk="0" fontAlgn="base" hangingPunct="0">
+              <a:spcBef>
+                <a:spcPct val="0"/>
+              </a:spcBef>
+              <a:spcAft>
+                <a:spcPct val="0"/>
+              </a:spcAft>
+              <a:defRPr sz="1400">
+                <a:solidFill>
+                  <a:schemeClr val="tx1"/>
+                </a:solidFill>
+                <a:latin typeface="Arial" charset="0"/>
+                <a:cs typeface="+mn-cs"/>
+              </a:defRPr>
+            </a:lvl7pPr>
+            <a:lvl8pPr marL="3429000" indent="-228600" eaLnBrk="0" fontAlgn="base" hangingPunct="0">
+              <a:spcBef>
+                <a:spcPct val="0"/>
+              </a:spcBef>
+              <a:spcAft>
+                <a:spcPct val="0"/>
+              </a:spcAft>
+              <a:defRPr sz="1400">
+                <a:solidFill>
+                  <a:schemeClr val="tx1"/>
+                </a:solidFill>
+                <a:latin typeface="Arial" charset="0"/>
+                <a:cs typeface="+mn-cs"/>
+              </a:defRPr>
+            </a:lvl8pPr>
+            <a:lvl9pPr marL="3886200" indent="-228600" eaLnBrk="0" fontAlgn="base" hangingPunct="0">
+              <a:spcBef>
+                <a:spcPct val="0"/>
+              </a:spcBef>
+              <a:spcAft>
+                <a:spcPct val="0"/>
+              </a:spcAft>
+              <a:defRPr sz="1400">
+                <a:solidFill>
+                  <a:schemeClr val="tx1"/>
+                </a:solidFill>
+                <a:latin typeface="Arial" charset="0"/>
+                <a:cs typeface="+mn-cs"/>
+              </a:defRPr>
+            </a:lvl9pPr>
+          </a:lstStyle>
+          <a:p>
+            <a:r>
+              <a:rPr lang="en-US" b="1" dirty="0"/>
+              <a:t>print (df.std(), df.mean())</a:t>
+            </a:r>
+          </a:p>
+          <a:p>
+            <a:r>
+              <a:rPr lang="en-US" dirty="0"/>
+              <a:t>1.437336, 11.714286</a:t>
+            </a:r>
+          </a:p>
+        </p:txBody>
+      </p:sp>
+    </p:spTree>
+    <p:extLst>
+      <p:ext uri="{BB962C8B-B14F-4D97-AF65-F5344CB8AC3E}">
+        <p14:creationId xmlns:p14="http://schemas.microsoft.com/office/powerpoint/2010/main" val="1040177751"/>
+      </p:ext>
+    </p:extLst>
+  </p:cSld>
+  <p:clrMapOvr>
+    <a:masterClrMapping/>
+  </p:clrMapOvr>
+</p:sld>
+</file>
+
+<file path=ppt/slides/slide12.xml><?xml version="1.0" encoding="utf-8"?>
+<p:sld xmlns:a="http://schemas.openxmlformats.org/drawingml/2006/main" xmlns:r="http://schemas.openxmlformats.org/officeDocument/2006/relationships" xmlns:p="http://schemas.openxmlformats.org/presentationml/2006/main">
+  <p:cSld>
+    <p:spTree>
+      <p:nvGrpSpPr>
+        <p:cNvPr id="1" name=""/>
+        <p:cNvGrpSpPr/>
+        <p:nvPr/>
+      </p:nvGrpSpPr>
+      <p:grpSpPr>
+        <a:xfrm>
+          <a:off x="0" y="0"/>
+          <a:ext cx="0" cy="0"/>
+          <a:chOff x="0" y="0"/>
+          <a:chExt cx="0" cy="0"/>
+        </a:xfrm>
+      </p:grpSpPr>
+      <p:sp>
+        <p:nvSpPr>
+          <p:cNvPr id="2" name="Title 1"/>
+          <p:cNvSpPr>
+            <a:spLocks noGrp="1"/>
+          </p:cNvSpPr>
+          <p:nvPr>
+            <p:ph type="title"/>
+          </p:nvPr>
+        </p:nvSpPr>
+        <p:spPr/>
+        <p:txBody>
+          <a:bodyPr/>
+          <a:lstStyle/>
+          <a:p>
+            <a:r>
+              <a:rPr lang="en-US" dirty="0"/>
               <a:t>Chapter Concepts</a:t>
             </a:r>
           </a:p>
@@ -8289,10 +9027,10 @@
       </p:sp>
       <p:graphicFrame>
         <p:nvGraphicFramePr>
-          <p:cNvPr id="9" name="Table 8">
+          <p:cNvPr id="8" name="Table 7">
             <a:extLst>
               <a:ext uri="{FF2B5EF4-FFF2-40B4-BE49-F238E27FC236}">
-                <a16:creationId xmlns:a16="http://schemas.microsoft.com/office/drawing/2014/main" id="{4D2C4DEA-1653-4D9C-955B-0FCEAEAFFEEF}"/>
+                <a16:creationId xmlns:a16="http://schemas.microsoft.com/office/drawing/2014/main" id="{500A32C4-D4D6-4957-AFB2-C2E212A61071}"/>
               </a:ext>
             </a:extLst>
           </p:cNvPr>
@@ -8302,14 +9040,14 @@
           <p:nvPr>
             <p:extLst>
               <p:ext uri="{D42A27DB-BD31-4B8C-83A1-F6EECF244321}">
-                <p14:modId xmlns:p14="http://schemas.microsoft.com/office/powerpoint/2010/main" val="3543407761"/>
+                <p14:modId xmlns:p14="http://schemas.microsoft.com/office/powerpoint/2010/main" val="4155109023"/>
               </p:ext>
             </p:extLst>
           </p:nvPr>
         </p:nvGraphicFramePr>
         <p:xfrm>
           <a:off x="2880360" y="1447543"/>
-          <a:ext cx="3383280" cy="2743200"/>
+          <a:ext cx="3383280" cy="3291840"/>
         </p:xfrm>
         <a:graphic>
           <a:graphicData uri="http://schemas.openxmlformats.org/drawingml/2006/table">
@@ -8341,11 +9079,59 @@
                         </a:spcAft>
                       </a:pPr>
                       <a:r>
+                        <a:rPr lang="en-US" sz="2000" b="0" dirty="0" err="1">
+                          <a:solidFill>
+                            <a:schemeClr val="bg2"/>
+                          </a:solidFill>
+                        </a:rPr>
+                        <a:t>Pandasql</a:t>
+                      </a:r>
+                      <a:endParaRPr lang="en-US" sz="2000" b="0" dirty="0">
+                        <a:solidFill>
+                          <a:schemeClr val="bg2"/>
+                        </a:solidFill>
+                      </a:endParaRPr>
+                    </a:p>
+                  </a:txBody>
+                  <a:tcPr anchor="ctr">
+                    <a:lnB w="12700" cap="flat" cmpd="sng" algn="ctr">
+                      <a:solidFill>
+                        <a:schemeClr val="bg1">
+                          <a:lumMod val="65000"/>
+                        </a:schemeClr>
+                      </a:solidFill>
+                      <a:prstDash val="solid"/>
+                      <a:round/>
+                      <a:headEnd type="none" w="med" len="med"/>
+                      <a:tailEnd type="none" w="med" len="med"/>
+                    </a:lnB>
+                    <a:noFill/>
+                  </a:tcPr>
+                </a:tc>
+                <a:extLst>
+                  <a:ext uri="{0D108BD9-81ED-4DB2-BD59-A6C34878D82A}">
+                    <a16:rowId xmlns:a16="http://schemas.microsoft.com/office/drawing/2014/main" val="2552317535"/>
+                  </a:ext>
+                </a:extLst>
+              </a:tr>
+              <a:tr h="548640">
+                <a:tc>
+                  <a:txBody>
+                    <a:bodyPr/>
+                    <a:lstStyle/>
+                    <a:p>
+                      <a:pPr>
+                        <a:lnSpc>
+                          <a:spcPct val="100000"/>
+                        </a:lnSpc>
+                        <a:spcAft>
+                          <a:spcPts val="0"/>
+                        </a:spcAft>
+                      </a:pPr>
+                      <a:r>
                         <a:rPr lang="en-US" sz="2000" b="0" dirty="0">
                           <a:solidFill>
-                            <a:schemeClr val="bg1">
-                              <a:lumMod val="65000"/>
-                            </a:schemeClr>
+                            <a:schemeClr val="bg2"/>
                           </a:solidFill>
                         </a:rPr>
                         <a:t>Statistics Primer</a:t>
@@ -8353,6 +9139,17 @@
                     </a:p>
                   </a:txBody>
                   <a:tcPr anchor="ctr">
+                    <a:lnT w="12700" cap="flat" cmpd="sng" algn="ctr">
+                      <a:solidFill>
+                        <a:schemeClr val="bg1">
+                          <a:lumMod val="65000"/>
+                        </a:schemeClr>
+                      </a:solidFill>
+                      <a:prstDash val="solid"/>
+                      <a:round/>
+                      <a:headEnd type="none" w="med" len="med"/>
+                      <a:tailEnd type="none" w="med" len="med"/>
+                    </a:lnT>
                     <a:lnB w="12700" cap="flat" cmpd="sng" algn="ctr">
                       <a:solidFill>
                         <a:schemeClr val="bg1">
@@ -8610,7 +9407,7 @@
     </p:spTree>
     <p:extLst>
       <p:ext uri="{BB962C8B-B14F-4D97-AF65-F5344CB8AC3E}">
-        <p14:creationId xmlns:p14="http://schemas.microsoft.com/office/powerpoint/2010/main" val="3873422267"/>
+        <p14:creationId xmlns:p14="http://schemas.microsoft.com/office/powerpoint/2010/main" val="76464217"/>
       </p:ext>
     </p:extLst>
   </p:cSld>
@@ -8620,7 +9417,7 @@
 </p:sld>
 </file>
 
-<file path=ppt/slides/slide11.xml><?xml version="1.0" encoding="utf-8"?>
+<file path=ppt/slides/slide13.xml><?xml version="1.0" encoding="utf-8"?>
 <p:sld xmlns:a="http://schemas.openxmlformats.org/drawingml/2006/main" xmlns:r="http://schemas.openxmlformats.org/officeDocument/2006/relationships" xmlns:p="http://schemas.openxmlformats.org/presentationml/2006/main">
   <p:cSld>
     <p:spTree>
@@ -8840,7 +9637,7 @@
 </p:sld>
 </file>
 
-<file path=ppt/slides/slide12.xml><?xml version="1.0" encoding="utf-8"?>
+<file path=ppt/slides/slide14.xml><?xml version="1.0" encoding="utf-8"?>
 <p:sld xmlns:a="http://schemas.openxmlformats.org/drawingml/2006/main" xmlns:r="http://schemas.openxmlformats.org/officeDocument/2006/relationships" xmlns:p="http://schemas.openxmlformats.org/presentationml/2006/main">
   <p:cSld>
     <p:spTree>
@@ -9199,7 +9996,7 @@
 </p:sld>
 </file>
 
-<file path=ppt/slides/slide13.xml><?xml version="1.0" encoding="utf-8"?>
+<file path=ppt/slides/slide15.xml><?xml version="1.0" encoding="utf-8"?>
 <p:sld xmlns:a="http://schemas.openxmlformats.org/drawingml/2006/main" xmlns:r="http://schemas.openxmlformats.org/officeDocument/2006/relationships" xmlns:p="http://schemas.openxmlformats.org/presentationml/2006/main">
   <p:cSld>
     <p:spTree>
@@ -9526,7 +10323,7 @@
 </p:sld>
 </file>
 
-<file path=ppt/slides/slide14.xml><?xml version="1.0" encoding="utf-8"?>
+<file path=ppt/slides/slide16.xml><?xml version="1.0" encoding="utf-8"?>
 <p:sld xmlns:a="http://schemas.openxmlformats.org/drawingml/2006/main" xmlns:r="http://schemas.openxmlformats.org/officeDocument/2006/relationships" xmlns:p="http://schemas.openxmlformats.org/presentationml/2006/main">
   <p:cSld>
     <p:spTree>
@@ -9896,7 +10693,7 @@
 </p:sld>
 </file>
 
-<file path=ppt/slides/slide15.xml><?xml version="1.0" encoding="utf-8"?>
+<file path=ppt/slides/slide17.xml><?xml version="1.0" encoding="utf-8"?>
 <p:sld xmlns:a="http://schemas.openxmlformats.org/drawingml/2006/main" xmlns:r="http://schemas.openxmlformats.org/officeDocument/2006/relationships" xmlns:p="http://schemas.openxmlformats.org/presentationml/2006/main">
   <p:cSld>
     <p:spTree>
@@ -10223,7 +11020,7 @@
 </p:sld>
 </file>
 
-<file path=ppt/slides/slide16.xml><?xml version="1.0" encoding="utf-8"?>
+<file path=ppt/slides/slide18.xml><?xml version="1.0" encoding="utf-8"?>
 <p:sld xmlns:a="http://schemas.openxmlformats.org/drawingml/2006/main" xmlns:r="http://schemas.openxmlformats.org/officeDocument/2006/relationships" xmlns:p="http://schemas.openxmlformats.org/presentationml/2006/main">
   <p:cSld>
     <p:spTree>
@@ -10519,7 +11316,7 @@
 </p:sld>
 </file>
 
-<file path=ppt/slides/slide17.xml><?xml version="1.0" encoding="utf-8"?>
+<file path=ppt/slides/slide19.xml><?xml version="1.0" encoding="utf-8"?>
 <p:sld xmlns:a="http://schemas.openxmlformats.org/drawingml/2006/main" xmlns:r="http://schemas.openxmlformats.org/officeDocument/2006/relationships" xmlns:p="http://schemas.openxmlformats.org/presentationml/2006/main">
   <p:cSld>
     <p:spTree>
@@ -10813,7 +11610,130 @@
 </p:sld>
 </file>
 
-<file path=ppt/slides/slide18.xml><?xml version="1.0" encoding="utf-8"?>
+<file path=ppt/slides/slide2.xml><?xml version="1.0" encoding="utf-8"?>
+<p:sld xmlns:a="http://schemas.openxmlformats.org/drawingml/2006/main" xmlns:r="http://schemas.openxmlformats.org/officeDocument/2006/relationships" xmlns:p="http://schemas.openxmlformats.org/presentationml/2006/main">
+  <p:cSld>
+    <p:spTree>
+      <p:nvGrpSpPr>
+        <p:cNvPr id="1" name=""/>
+        <p:cNvGrpSpPr/>
+        <p:nvPr/>
+      </p:nvGrpSpPr>
+      <p:grpSpPr>
+        <a:xfrm>
+          <a:off x="0" y="0"/>
+          <a:ext cx="0" cy="0"/>
+          <a:chOff x="0" y="0"/>
+          <a:chExt cx="0" cy="0"/>
+        </a:xfrm>
+      </p:grpSpPr>
+      <p:sp>
+        <p:nvSpPr>
+          <p:cNvPr id="5" name="Content Placeholder 4"/>
+          <p:cNvSpPr>
+            <a:spLocks noGrp="1"/>
+          </p:cNvSpPr>
+          <p:nvPr>
+            <p:ph idx="1"/>
+          </p:nvPr>
+        </p:nvSpPr>
+        <p:spPr/>
+        <p:txBody>
+          <a:bodyPr/>
+          <a:lstStyle/>
+          <a:p>
+            <a:pPr marL="0" indent="0">
+              <a:buNone/>
+            </a:pPr>
+            <a:r>
+              <a:rPr lang="en-US" dirty="0"/>
+              <a:t>In this chapter, we will introduce:</a:t>
+            </a:r>
+          </a:p>
+          <a:p>
+            <a:r>
+              <a:rPr lang="en-US" dirty="0" err="1"/>
+              <a:t>Pandasql</a:t>
+            </a:r>
+            <a:endParaRPr lang="en-US" dirty="0"/>
+          </a:p>
+          <a:p>
+            <a:r>
+              <a:rPr lang="en-US" dirty="0"/>
+              <a:t>A basic refresher on statistics</a:t>
+            </a:r>
+          </a:p>
+          <a:p>
+            <a:r>
+              <a:rPr lang="en-US" dirty="0"/>
+              <a:t>Basic ETL (extract, transform, and load) and reshaping data for modeling</a:t>
+            </a:r>
+          </a:p>
+          <a:p>
+            <a:r>
+              <a:rPr lang="en-US" dirty="0"/>
+              <a:t>Splitting data into training and testing sets</a:t>
+            </a:r>
+          </a:p>
+          <a:p>
+            <a:r>
+              <a:rPr lang="en-US" dirty="0"/>
+              <a:t>Free-form text</a:t>
+            </a:r>
+          </a:p>
+          <a:p>
+            <a:pPr marL="0" indent="0">
+              <a:buNone/>
+            </a:pPr>
+            <a:endParaRPr lang="en-US" dirty="0"/>
+          </a:p>
+          <a:p>
+            <a:endParaRPr lang="en-US" dirty="0"/>
+          </a:p>
+          <a:p>
+            <a:pPr marL="0" indent="0">
+              <a:buNone/>
+            </a:pPr>
+            <a:endParaRPr lang="en-US" dirty="0"/>
+          </a:p>
+        </p:txBody>
+      </p:sp>
+      <p:sp>
+        <p:nvSpPr>
+          <p:cNvPr id="4" name="Title 3"/>
+          <p:cNvSpPr>
+            <a:spLocks noGrp="1"/>
+          </p:cNvSpPr>
+          <p:nvPr>
+            <p:ph type="title"/>
+          </p:nvPr>
+        </p:nvSpPr>
+        <p:spPr/>
+        <p:txBody>
+          <a:bodyPr/>
+          <a:lstStyle/>
+          <a:p>
+            <a:r>
+              <a:rPr lang="en-US" dirty="0"/>
+              <a:t>Chapter Objectives</a:t>
+            </a:r>
+          </a:p>
+        </p:txBody>
+      </p:sp>
+    </p:spTree>
+    <p:extLst>
+      <p:ext uri="{BB962C8B-B14F-4D97-AF65-F5344CB8AC3E}">
+        <p14:creationId xmlns:p14="http://schemas.microsoft.com/office/powerpoint/2010/main" val="1685483045"/>
+      </p:ext>
+    </p:extLst>
+  </p:cSld>
+  <p:clrMapOvr>
+    <a:masterClrMapping/>
+  </p:clrMapOvr>
+</p:sld>
+</file>
+
+<file path=ppt/slides/slide20.xml><?xml version="1.0" encoding="utf-8"?>
 <p:sld xmlns:a="http://schemas.openxmlformats.org/drawingml/2006/main" xmlns:r="http://schemas.openxmlformats.org/officeDocument/2006/relationships" xmlns:p="http://schemas.openxmlformats.org/presentationml/2006/main">
   <p:cSld>
     <p:spTree>
@@ -11128,7 +12048,7 @@
 </p:sld>
 </file>
 
-<file path=ppt/slides/slide19.xml><?xml version="1.0" encoding="utf-8"?>
+<file path=ppt/slides/slide21.xml><?xml version="1.0" encoding="utf-8"?>
 <p:sld xmlns:a="http://schemas.openxmlformats.org/drawingml/2006/main" xmlns:r="http://schemas.openxmlformats.org/officeDocument/2006/relationships" xmlns:p="http://schemas.openxmlformats.org/presentationml/2006/main">
   <p:cSld>
     <p:spTree>
@@ -11542,7 +12462,7 @@
 </p:sld>
 </file>
 
-<file path=ppt/slides/slide2.xml><?xml version="1.0" encoding="utf-8"?>
+<file path=ppt/slides/slide22.xml><?xml version="1.0" encoding="utf-8"?>
 <p:sld xmlns:a="http://schemas.openxmlformats.org/drawingml/2006/main" xmlns:r="http://schemas.openxmlformats.org/officeDocument/2006/relationships" xmlns:p="http://schemas.openxmlformats.org/presentationml/2006/main">
   <p:cSld>
     <p:spTree>
@@ -11561,122 +12481,6 @@
       </p:grpSpPr>
       <p:sp>
         <p:nvSpPr>
-          <p:cNvPr id="5" name="Content Placeholder 4"/>
-          <p:cNvSpPr>
-            <a:spLocks noGrp="1"/>
-          </p:cNvSpPr>
-          <p:nvPr>
-            <p:ph idx="1"/>
-          </p:nvPr>
-        </p:nvSpPr>
-        <p:spPr/>
-        <p:txBody>
-          <a:bodyPr/>
-          <a:lstStyle/>
-          <a:p>
-            <a:pPr marL="0" indent="0">
-              <a:buNone/>
-            </a:pPr>
-            <a:r>
-              <a:rPr lang="en-US" dirty="0"/>
-              <a:t>In this chapter, we will introduce:</a:t>
-            </a:r>
-          </a:p>
-          <a:p>
-            <a:r>
-              <a:rPr lang="en-US" dirty="0"/>
-              <a:t>A basic refresher on statistics</a:t>
-            </a:r>
-          </a:p>
-          <a:p>
-            <a:r>
-              <a:rPr lang="en-US" dirty="0"/>
-              <a:t>Basic ETL (extract, transform, and load) and reshaping data for modeling</a:t>
-            </a:r>
-          </a:p>
-          <a:p>
-            <a:r>
-              <a:rPr lang="en-US" dirty="0"/>
-              <a:t>Splitting data into training and testing sets</a:t>
-            </a:r>
-          </a:p>
-          <a:p>
-            <a:r>
-              <a:rPr lang="en-US" dirty="0"/>
-              <a:t>Free-form text</a:t>
-            </a:r>
-          </a:p>
-          <a:p>
-            <a:pPr marL="0" indent="0">
-              <a:buNone/>
-            </a:pPr>
-            <a:endParaRPr lang="en-US" dirty="0"/>
-          </a:p>
-          <a:p>
-            <a:endParaRPr lang="en-US" dirty="0"/>
-          </a:p>
-          <a:p>
-            <a:pPr marL="0" indent="0">
-              <a:buNone/>
-            </a:pPr>
-            <a:endParaRPr lang="en-US" dirty="0"/>
-          </a:p>
-        </p:txBody>
-      </p:sp>
-      <p:sp>
-        <p:nvSpPr>
-          <p:cNvPr id="4" name="Title 3"/>
-          <p:cNvSpPr>
-            <a:spLocks noGrp="1"/>
-          </p:cNvSpPr>
-          <p:nvPr>
-            <p:ph type="title"/>
-          </p:nvPr>
-        </p:nvSpPr>
-        <p:spPr/>
-        <p:txBody>
-          <a:bodyPr/>
-          <a:lstStyle/>
-          <a:p>
-            <a:r>
-              <a:rPr lang="en-US" dirty="0"/>
-              <a:t>Chapter Objectives</a:t>
-            </a:r>
-          </a:p>
-        </p:txBody>
-      </p:sp>
-    </p:spTree>
-    <p:extLst>
-      <p:ext uri="{BB962C8B-B14F-4D97-AF65-F5344CB8AC3E}">
-        <p14:creationId xmlns:p14="http://schemas.microsoft.com/office/powerpoint/2010/main" val="1685483045"/>
-      </p:ext>
-    </p:extLst>
-  </p:cSld>
-  <p:clrMapOvr>
-    <a:masterClrMapping/>
-  </p:clrMapOvr>
-</p:sld>
-</file>
-
-<file path=ppt/slides/slide20.xml><?xml version="1.0" encoding="utf-8"?>
-<p:sld xmlns:a="http://schemas.openxmlformats.org/drawingml/2006/main" xmlns:r="http://schemas.openxmlformats.org/officeDocument/2006/relationships" xmlns:p="http://schemas.openxmlformats.org/presentationml/2006/main">
-  <p:cSld>
-    <p:spTree>
-      <p:nvGrpSpPr>
-        <p:cNvPr id="1" name=""/>
-        <p:cNvGrpSpPr/>
-        <p:nvPr/>
-      </p:nvGrpSpPr>
-      <p:grpSpPr>
-        <a:xfrm>
-          <a:off x="0" y="0"/>
-          <a:ext cx="0" cy="0"/>
-          <a:chOff x="0" y="0"/>
-          <a:chExt cx="0" cy="0"/>
-        </a:xfrm>
-      </p:grpSpPr>
-      <p:sp>
-        <p:nvSpPr>
           <p:cNvPr id="2" name="Title 1"/>
           <p:cNvSpPr>
             <a:spLocks noGrp="1"/>
@@ -11699,10 +12503,10 @@
       </p:sp>
       <p:graphicFrame>
         <p:nvGraphicFramePr>
-          <p:cNvPr id="9" name="Table 8">
+          <p:cNvPr id="8" name="Table 7">
             <a:extLst>
               <a:ext uri="{FF2B5EF4-FFF2-40B4-BE49-F238E27FC236}">
-                <a16:creationId xmlns:a16="http://schemas.microsoft.com/office/drawing/2014/main" id="{2361001A-5DBC-47D9-B608-B15AA1CD9DA1}"/>
+                <a16:creationId xmlns:a16="http://schemas.microsoft.com/office/drawing/2014/main" id="{500A32C4-D4D6-4957-AFB2-C2E212A61071}"/>
               </a:ext>
             </a:extLst>
           </p:cNvPr>
@@ -11712,14 +12516,14 @@
           <p:nvPr>
             <p:extLst>
               <p:ext uri="{D42A27DB-BD31-4B8C-83A1-F6EECF244321}">
-                <p14:modId xmlns:p14="http://schemas.microsoft.com/office/powerpoint/2010/main" val="1557471655"/>
+                <p14:modId xmlns:p14="http://schemas.microsoft.com/office/powerpoint/2010/main" val="923841272"/>
               </p:ext>
             </p:extLst>
           </p:nvPr>
         </p:nvGraphicFramePr>
         <p:xfrm>
           <a:off x="2880360" y="1447543"/>
-          <a:ext cx="3383280" cy="2743200"/>
+          <a:ext cx="3383280" cy="3291840"/>
         </p:xfrm>
         <a:graphic>
           <a:graphicData uri="http://schemas.openxmlformats.org/drawingml/2006/table">
@@ -11751,11 +12555,59 @@
                         </a:spcAft>
                       </a:pPr>
                       <a:r>
+                        <a:rPr lang="en-US" sz="2000" b="0" dirty="0" err="1">
+                          <a:solidFill>
+                            <a:schemeClr val="bg2"/>
+                          </a:solidFill>
+                        </a:rPr>
+                        <a:t>Pandasql</a:t>
+                      </a:r>
+                      <a:endParaRPr lang="en-US" sz="2000" b="0" dirty="0">
+                        <a:solidFill>
+                          <a:schemeClr val="bg2"/>
+                        </a:solidFill>
+                      </a:endParaRPr>
+                    </a:p>
+                  </a:txBody>
+                  <a:tcPr anchor="ctr">
+                    <a:lnB w="12700" cap="flat" cmpd="sng" algn="ctr">
+                      <a:solidFill>
+                        <a:schemeClr val="bg1">
+                          <a:lumMod val="65000"/>
+                        </a:schemeClr>
+                      </a:solidFill>
+                      <a:prstDash val="solid"/>
+                      <a:round/>
+                      <a:headEnd type="none" w="med" len="med"/>
+                      <a:tailEnd type="none" w="med" len="med"/>
+                    </a:lnB>
+                    <a:noFill/>
+                  </a:tcPr>
+                </a:tc>
+                <a:extLst>
+                  <a:ext uri="{0D108BD9-81ED-4DB2-BD59-A6C34878D82A}">
+                    <a16:rowId xmlns:a16="http://schemas.microsoft.com/office/drawing/2014/main" val="2552317535"/>
+                  </a:ext>
+                </a:extLst>
+              </a:tr>
+              <a:tr h="548640">
+                <a:tc>
+                  <a:txBody>
+                    <a:bodyPr/>
+                    <a:lstStyle/>
+                    <a:p>
+                      <a:pPr>
+                        <a:lnSpc>
+                          <a:spcPct val="100000"/>
+                        </a:lnSpc>
+                        <a:spcAft>
+                          <a:spcPts val="0"/>
+                        </a:spcAft>
+                      </a:pPr>
+                      <a:r>
                         <a:rPr lang="en-US" sz="2000" b="0" dirty="0">
                           <a:solidFill>
-                            <a:schemeClr val="bg1">
-                              <a:lumMod val="65000"/>
-                            </a:schemeClr>
+                            <a:schemeClr val="bg2"/>
                           </a:solidFill>
                         </a:rPr>
                         <a:t>Statistics Primer</a:t>
@@ -11763,6 +12615,17 @@
                     </a:p>
                   </a:txBody>
                   <a:tcPr anchor="ctr">
+                    <a:lnT w="12700" cap="flat" cmpd="sng" algn="ctr">
+                      <a:solidFill>
+                        <a:schemeClr val="bg1">
+                          <a:lumMod val="65000"/>
+                        </a:schemeClr>
+                      </a:solidFill>
+                      <a:prstDash val="solid"/>
+                      <a:round/>
+                      <a:headEnd type="none" w="med" len="med"/>
+                      <a:tailEnd type="none" w="med" len="med"/>
+                    </a:lnT>
                     <a:lnB w="12700" cap="flat" cmpd="sng" algn="ctr">
                       <a:solidFill>
                         <a:schemeClr val="bg1">
@@ -11798,11 +12661,9 @@
                         </a:spcAft>
                       </a:pPr>
                       <a:r>
-                        <a:rPr lang="en-US" sz="2000" dirty="0">
+                        <a:rPr lang="en-US" sz="2000" b="0" dirty="0">
                           <a:solidFill>
-                            <a:schemeClr val="bg1">
-                              <a:lumMod val="65000"/>
-                            </a:schemeClr>
+                            <a:schemeClr val="bg2"/>
                           </a:solidFill>
                         </a:rPr>
                         <a:t>Basic ETL and Reshaping</a:t>
@@ -12020,7 +12881,7 @@
     </p:spTree>
     <p:extLst>
       <p:ext uri="{BB962C8B-B14F-4D97-AF65-F5344CB8AC3E}">
-        <p14:creationId xmlns:p14="http://schemas.microsoft.com/office/powerpoint/2010/main" val="1325081918"/>
+        <p14:creationId xmlns:p14="http://schemas.microsoft.com/office/powerpoint/2010/main" val="2158651350"/>
       </p:ext>
     </p:extLst>
   </p:cSld>
@@ -12030,7 +12891,7 @@
 </p:sld>
 </file>
 
-<file path=ppt/slides/slide21.xml><?xml version="1.0" encoding="utf-8"?>
+<file path=ppt/slides/slide23.xml><?xml version="1.0" encoding="utf-8"?>
 <p:sld xmlns:a="http://schemas.openxmlformats.org/drawingml/2006/main" xmlns:r="http://schemas.openxmlformats.org/officeDocument/2006/relationships" xmlns:p="http://schemas.openxmlformats.org/presentationml/2006/main">
   <p:cSld>
     <p:spTree>
@@ -12156,7 +13017,7 @@
 </p:sld>
 </file>
 
-<file path=ppt/slides/slide22.xml><?xml version="1.0" encoding="utf-8"?>
+<file path=ppt/slides/slide24.xml><?xml version="1.0" encoding="utf-8"?>
 <p:sld xmlns:a="http://schemas.openxmlformats.org/drawingml/2006/main" xmlns:r="http://schemas.openxmlformats.org/officeDocument/2006/relationships" xmlns:p="http://schemas.openxmlformats.org/presentationml/2006/main">
   <p:cSld>
     <p:spTree>
@@ -12517,7 +13378,7 @@
 </p:sld>
 </file>
 
-<file path=ppt/slides/slide23.xml><?xml version="1.0" encoding="utf-8"?>
+<file path=ppt/slides/slide25.xml><?xml version="1.0" encoding="utf-8"?>
 <p:sld xmlns:a="http://schemas.openxmlformats.org/drawingml/2006/main" xmlns:r="http://schemas.openxmlformats.org/officeDocument/2006/relationships" xmlns:p="http://schemas.openxmlformats.org/presentationml/2006/main">
   <p:cSld>
     <p:spTree>
@@ -12882,7 +13743,7 @@
 </p:sld>
 </file>
 
-<file path=ppt/slides/slide24.xml><?xml version="1.0" encoding="utf-8"?>
+<file path=ppt/slides/slide26.xml><?xml version="1.0" encoding="utf-8"?>
 <p:sld xmlns:a="http://schemas.openxmlformats.org/drawingml/2006/main" xmlns:r="http://schemas.openxmlformats.org/officeDocument/2006/relationships" xmlns:p="http://schemas.openxmlformats.org/presentationml/2006/main">
   <p:cSld>
     <p:spTree>
@@ -12923,10 +13784,10 @@
       </p:sp>
       <p:graphicFrame>
         <p:nvGraphicFramePr>
-          <p:cNvPr id="9" name="Table 8">
+          <p:cNvPr id="8" name="Table 7">
             <a:extLst>
               <a:ext uri="{FF2B5EF4-FFF2-40B4-BE49-F238E27FC236}">
-                <a16:creationId xmlns:a16="http://schemas.microsoft.com/office/drawing/2014/main" id="{E977BF55-7035-42E5-935D-CC05BDA5C6C5}"/>
+                <a16:creationId xmlns:a16="http://schemas.microsoft.com/office/drawing/2014/main" id="{500A32C4-D4D6-4957-AFB2-C2E212A61071}"/>
               </a:ext>
             </a:extLst>
           </p:cNvPr>
@@ -12936,14 +13797,14 @@
           <p:nvPr>
             <p:extLst>
               <p:ext uri="{D42A27DB-BD31-4B8C-83A1-F6EECF244321}">
-                <p14:modId xmlns:p14="http://schemas.microsoft.com/office/powerpoint/2010/main" val="2526134994"/>
+                <p14:modId xmlns:p14="http://schemas.microsoft.com/office/powerpoint/2010/main" val="3458737145"/>
               </p:ext>
             </p:extLst>
           </p:nvPr>
         </p:nvGraphicFramePr>
         <p:xfrm>
           <a:off x="2880360" y="1447543"/>
-          <a:ext cx="3383280" cy="2743200"/>
+          <a:ext cx="3383280" cy="3291840"/>
         </p:xfrm>
         <a:graphic>
           <a:graphicData uri="http://schemas.openxmlformats.org/drawingml/2006/table">
@@ -12975,11 +13836,59 @@
                         </a:spcAft>
                       </a:pPr>
                       <a:r>
+                        <a:rPr lang="en-US" sz="2000" b="0" dirty="0" err="1">
+                          <a:solidFill>
+                            <a:schemeClr val="bg2"/>
+                          </a:solidFill>
+                        </a:rPr>
+                        <a:t>Pandasql</a:t>
+                      </a:r>
+                      <a:endParaRPr lang="en-US" sz="2000" b="0" dirty="0">
+                        <a:solidFill>
+                          <a:schemeClr val="bg2"/>
+                        </a:solidFill>
+                      </a:endParaRPr>
+                    </a:p>
+                  </a:txBody>
+                  <a:tcPr anchor="ctr">
+                    <a:lnB w="12700" cap="flat" cmpd="sng" algn="ctr">
+                      <a:solidFill>
+                        <a:schemeClr val="bg1">
+                          <a:lumMod val="65000"/>
+                        </a:schemeClr>
+                      </a:solidFill>
+                      <a:prstDash val="solid"/>
+                      <a:round/>
+                      <a:headEnd type="none" w="med" len="med"/>
+                      <a:tailEnd type="none" w="med" len="med"/>
+                    </a:lnB>
+                    <a:noFill/>
+                  </a:tcPr>
+                </a:tc>
+                <a:extLst>
+                  <a:ext uri="{0D108BD9-81ED-4DB2-BD59-A6C34878D82A}">
+                    <a16:rowId xmlns:a16="http://schemas.microsoft.com/office/drawing/2014/main" val="2552317535"/>
+                  </a:ext>
+                </a:extLst>
+              </a:tr>
+              <a:tr h="548640">
+                <a:tc>
+                  <a:txBody>
+                    <a:bodyPr/>
+                    <a:lstStyle/>
+                    <a:p>
+                      <a:pPr>
+                        <a:lnSpc>
+                          <a:spcPct val="100000"/>
+                        </a:lnSpc>
+                        <a:spcAft>
+                          <a:spcPts val="0"/>
+                        </a:spcAft>
+                      </a:pPr>
+                      <a:r>
                         <a:rPr lang="en-US" sz="2000" b="0" dirty="0">
                           <a:solidFill>
-                            <a:schemeClr val="bg1">
-                              <a:lumMod val="65000"/>
-                            </a:schemeClr>
+                            <a:schemeClr val="bg2"/>
                           </a:solidFill>
                         </a:rPr>
                         <a:t>Statistics Primer</a:t>
@@ -12987,6 +13896,17 @@
                     </a:p>
                   </a:txBody>
                   <a:tcPr anchor="ctr">
+                    <a:lnT w="12700" cap="flat" cmpd="sng" algn="ctr">
+                      <a:solidFill>
+                        <a:schemeClr val="bg1">
+                          <a:lumMod val="65000"/>
+                        </a:schemeClr>
+                      </a:solidFill>
+                      <a:prstDash val="solid"/>
+                      <a:round/>
+                      <a:headEnd type="none" w="med" len="med"/>
+                      <a:tailEnd type="none" w="med" len="med"/>
+                    </a:lnT>
                     <a:lnB w="12700" cap="flat" cmpd="sng" algn="ctr">
                       <a:solidFill>
                         <a:schemeClr val="bg1">
@@ -13022,11 +13942,9 @@
                         </a:spcAft>
                       </a:pPr>
                       <a:r>
-                        <a:rPr lang="en-US" sz="2000" dirty="0">
+                        <a:rPr lang="en-US" sz="2000" b="0" dirty="0">
                           <a:solidFill>
-                            <a:schemeClr val="bg1">
-                              <a:lumMod val="65000"/>
-                            </a:schemeClr>
+                            <a:schemeClr val="bg2"/>
                           </a:solidFill>
                         </a:rPr>
                         <a:t>Basic ETL and Reshaping</a:t>
@@ -13080,11 +13998,9 @@
                         </a:spcAft>
                       </a:pPr>
                       <a:r>
-                        <a:rPr lang="en-US" sz="2000" dirty="0">
+                        <a:rPr lang="en-US" sz="2000" b="0" dirty="0">
                           <a:solidFill>
-                            <a:schemeClr val="bg1">
-                              <a:lumMod val="65000"/>
-                            </a:schemeClr>
+                            <a:schemeClr val="bg2"/>
                           </a:solidFill>
                         </a:rPr>
                         <a:t>Splitting Data</a:t>
@@ -13244,7 +14160,7 @@
     </p:spTree>
     <p:extLst>
       <p:ext uri="{BB962C8B-B14F-4D97-AF65-F5344CB8AC3E}">
-        <p14:creationId xmlns:p14="http://schemas.microsoft.com/office/powerpoint/2010/main" val="1294669827"/>
+        <p14:creationId xmlns:p14="http://schemas.microsoft.com/office/powerpoint/2010/main" val="85782904"/>
       </p:ext>
     </p:extLst>
   </p:cSld>
@@ -13254,7 +14170,7 @@
 </p:sld>
 </file>
 
-<file path=ppt/slides/slide25.xml><?xml version="1.0" encoding="utf-8"?>
+<file path=ppt/slides/slide27.xml><?xml version="1.0" encoding="utf-8"?>
 <p:sld xmlns:a="http://schemas.openxmlformats.org/drawingml/2006/main" xmlns:r="http://schemas.openxmlformats.org/officeDocument/2006/relationships" xmlns:p="http://schemas.openxmlformats.org/presentationml/2006/main">
   <p:cSld>
     <p:spTree>
@@ -13409,7 +14325,7 @@
 </p:sld>
 </file>
 
-<file path=ppt/slides/slide26.xml><?xml version="1.0" encoding="utf-8"?>
+<file path=ppt/slides/slide28.xml><?xml version="1.0" encoding="utf-8"?>
 <p:sld xmlns:a="http://schemas.openxmlformats.org/drawingml/2006/main" xmlns:r="http://schemas.openxmlformats.org/officeDocument/2006/relationships" xmlns:p="http://schemas.openxmlformats.org/presentationml/2006/main">
   <p:cSld>
     <p:spTree>
@@ -13523,7 +14439,7 @@
 </p:sld>
 </file>
 
-<file path=ppt/slides/slide27.xml><?xml version="1.0" encoding="utf-8"?>
+<file path=ppt/slides/slide29.xml><?xml version="1.0" encoding="utf-8"?>
 <p:sld xmlns:a="http://schemas.openxmlformats.org/drawingml/2006/main" xmlns:r="http://schemas.openxmlformats.org/officeDocument/2006/relationships" xmlns:p="http://schemas.openxmlformats.org/presentationml/2006/main">
   <p:cSld>
     <p:spTree>
@@ -13865,7 +14781,7 @@
 </p:sld>
 </file>
 
-<file path=ppt/slides/slide28.xml><?xml version="1.0" encoding="utf-8"?>
+<file path=ppt/slides/slide3.xml><?xml version="1.0" encoding="utf-8"?>
 <p:sld xmlns:a="http://schemas.openxmlformats.org/drawingml/2006/main" xmlns:r="http://schemas.openxmlformats.org/officeDocument/2006/relationships" xmlns:p="http://schemas.openxmlformats.org/presentationml/2006/main">
   <p:cSld>
     <p:spTree>
@@ -13906,10 +14822,10 @@
       </p:sp>
       <p:graphicFrame>
         <p:nvGraphicFramePr>
-          <p:cNvPr id="9" name="Table 8">
+          <p:cNvPr id="8" name="Table 7">
             <a:extLst>
               <a:ext uri="{FF2B5EF4-FFF2-40B4-BE49-F238E27FC236}">
-                <a16:creationId xmlns:a16="http://schemas.microsoft.com/office/drawing/2014/main" id="{95FCD529-E5A8-43A4-8F33-2326E2A40775}"/>
+                <a16:creationId xmlns:a16="http://schemas.microsoft.com/office/drawing/2014/main" id="{500A32C4-D4D6-4957-AFB2-C2E212A61071}"/>
               </a:ext>
             </a:extLst>
           </p:cNvPr>
@@ -13919,14 +14835,14 @@
           <p:nvPr>
             <p:extLst>
               <p:ext uri="{D42A27DB-BD31-4B8C-83A1-F6EECF244321}">
-                <p14:modId xmlns:p14="http://schemas.microsoft.com/office/powerpoint/2010/main" val="3739973039"/>
+                <p14:modId xmlns:p14="http://schemas.microsoft.com/office/powerpoint/2010/main" val="3573118810"/>
               </p:ext>
             </p:extLst>
           </p:nvPr>
         </p:nvGraphicFramePr>
         <p:xfrm>
           <a:off x="2880360" y="1447543"/>
-          <a:ext cx="3383280" cy="2743200"/>
+          <a:ext cx="3383280" cy="3291840"/>
         </p:xfrm>
         <a:graphic>
           <a:graphicData uri="http://schemas.openxmlformats.org/drawingml/2006/table">
@@ -13958,15 +14874,18 @@
                         </a:spcAft>
                       </a:pPr>
                       <a:r>
-                        <a:rPr lang="en-US" sz="2000" b="0" dirty="0">
+                        <a:rPr lang="en-US" sz="2000" b="1" dirty="0" err="1">
                           <a:solidFill>
-                            <a:schemeClr val="bg1">
-                              <a:lumMod val="65000"/>
-                            </a:schemeClr>
+                            <a:schemeClr val="tx1"/>
                           </a:solidFill>
                         </a:rPr>
-                        <a:t>Statistics Primer</a:t>
+                        <a:t>Pandasql</a:t>
                       </a:r>
+                      <a:endParaRPr lang="en-US" sz="2000" b="1" dirty="0">
+                        <a:solidFill>
+                          <a:schemeClr val="tx1"/>
+                        </a:solidFill>
+                      </a:endParaRPr>
                     </a:p>
                   </a:txBody>
                   <a:tcPr anchor="ctr">
@@ -13986,7 +14905,7 @@
                 </a:tc>
                 <a:extLst>
                   <a:ext uri="{0D108BD9-81ED-4DB2-BD59-A6C34878D82A}">
-                    <a16:rowId xmlns:a16="http://schemas.microsoft.com/office/drawing/2014/main" val="2307098774"/>
+                    <a16:rowId xmlns:a16="http://schemas.microsoft.com/office/drawing/2014/main" val="2552317535"/>
                   </a:ext>
                 </a:extLst>
               </a:tr>
@@ -14005,14 +14924,12 @@
                         </a:spcAft>
                       </a:pPr>
                       <a:r>
-                        <a:rPr lang="en-US" sz="2000" dirty="0">
+                        <a:rPr lang="en-US" sz="2000" b="0" dirty="0">
                           <a:solidFill>
-                            <a:schemeClr val="bg1">
-                              <a:lumMod val="65000"/>
-                            </a:schemeClr>
+                            <a:schemeClr val="bg2"/>
                           </a:solidFill>
                         </a:rPr>
-                        <a:t>Basic ETL and Reshaping</a:t>
+                        <a:t>Statistics Primer</a:t>
                       </a:r>
                     </a:p>
                   </a:txBody>
@@ -14028,458 +14945,6 @@
                       <a:headEnd type="none" w="med" len="med"/>
                       <a:tailEnd type="none" w="med" len="med"/>
                     </a:lnT>
-                    <a:lnB w="12700" cap="flat" cmpd="sng" algn="ctr">
-                      <a:solidFill>
-                        <a:schemeClr val="bg1">
-                          <a:lumMod val="65000"/>
-                        </a:schemeClr>
-                      </a:solidFill>
-                      <a:prstDash val="solid"/>
-                      <a:round/>
-                      <a:headEnd type="none" w="med" len="med"/>
-                      <a:tailEnd type="none" w="med" len="med"/>
-                    </a:lnB>
-                    <a:noFill/>
-                  </a:tcPr>
-                </a:tc>
-                <a:extLst>
-                  <a:ext uri="{0D108BD9-81ED-4DB2-BD59-A6C34878D82A}">
-                    <a16:rowId xmlns:a16="http://schemas.microsoft.com/office/drawing/2014/main" val="1466711860"/>
-                  </a:ext>
-                </a:extLst>
-              </a:tr>
-              <a:tr h="548640">
-                <a:tc>
-                  <a:txBody>
-                    <a:bodyPr/>
-                    <a:lstStyle/>
-                    <a:p>
-                      <a:pPr>
-                        <a:lnSpc>
-                          <a:spcPct val="100000"/>
-                        </a:lnSpc>
-                        <a:spcAft>
-                          <a:spcPts val="0"/>
-                        </a:spcAft>
-                      </a:pPr>
-                      <a:r>
-                        <a:rPr lang="en-US" sz="2000" dirty="0">
-                          <a:solidFill>
-                            <a:schemeClr val="bg1">
-                              <a:lumMod val="65000"/>
-                            </a:schemeClr>
-                          </a:solidFill>
-                        </a:rPr>
-                        <a:t>Splitting Data</a:t>
-                      </a:r>
-                    </a:p>
-                  </a:txBody>
-                  <a:tcPr anchor="ctr">
-                    <a:lnT w="12700" cap="flat" cmpd="sng" algn="ctr">
-                      <a:solidFill>
-                        <a:schemeClr val="bg1">
-                          <a:lumMod val="65000"/>
-                        </a:schemeClr>
-                      </a:solidFill>
-                      <a:prstDash val="solid"/>
-                      <a:round/>
-                      <a:headEnd type="none" w="med" len="med"/>
-                      <a:tailEnd type="none" w="med" len="med"/>
-                    </a:lnT>
-                    <a:lnB w="12700" cap="flat" cmpd="sng" algn="ctr">
-                      <a:solidFill>
-                        <a:schemeClr val="bg1">
-                          <a:lumMod val="65000"/>
-                        </a:schemeClr>
-                      </a:solidFill>
-                      <a:prstDash val="solid"/>
-                      <a:round/>
-                      <a:headEnd type="none" w="med" len="med"/>
-                      <a:tailEnd type="none" w="med" len="med"/>
-                    </a:lnB>
-                    <a:noFill/>
-                  </a:tcPr>
-                </a:tc>
-                <a:extLst>
-                  <a:ext uri="{0D108BD9-81ED-4DB2-BD59-A6C34878D82A}">
-                    <a16:rowId xmlns:a16="http://schemas.microsoft.com/office/drawing/2014/main" val="1924402624"/>
-                  </a:ext>
-                </a:extLst>
-              </a:tr>
-              <a:tr h="548640">
-                <a:tc>
-                  <a:txBody>
-                    <a:bodyPr/>
-                    <a:lstStyle/>
-                    <a:p>
-                      <a:pPr>
-                        <a:lnSpc>
-                          <a:spcPct val="100000"/>
-                        </a:lnSpc>
-                        <a:spcAft>
-                          <a:spcPts val="0"/>
-                        </a:spcAft>
-                      </a:pPr>
-                      <a:r>
-                        <a:rPr lang="en-US" sz="2000" dirty="0">
-                          <a:solidFill>
-                            <a:schemeClr val="bg1">
-                              <a:lumMod val="65000"/>
-                            </a:schemeClr>
-                          </a:solidFill>
-                        </a:rPr>
-                        <a:t>Free-Form Text</a:t>
-                      </a:r>
-                    </a:p>
-                  </a:txBody>
-                  <a:tcPr anchor="ctr">
-                    <a:lnT w="12700" cap="flat" cmpd="sng" algn="ctr">
-                      <a:solidFill>
-                        <a:schemeClr val="bg1">
-                          <a:lumMod val="65000"/>
-                        </a:schemeClr>
-                      </a:solidFill>
-                      <a:prstDash val="solid"/>
-                      <a:round/>
-                      <a:headEnd type="none" w="med" len="med"/>
-                      <a:tailEnd type="none" w="med" len="med"/>
-                    </a:lnT>
-                    <a:lnB w="12700" cap="flat" cmpd="sng" algn="ctr">
-                      <a:solidFill>
-                        <a:schemeClr val="bg1">
-                          <a:lumMod val="65000"/>
-                        </a:schemeClr>
-                      </a:solidFill>
-                      <a:prstDash val="solid"/>
-                      <a:round/>
-                      <a:headEnd type="none" w="med" len="med"/>
-                      <a:tailEnd type="none" w="med" len="med"/>
-                    </a:lnB>
-                    <a:noFill/>
-                  </a:tcPr>
-                </a:tc>
-                <a:extLst>
-                  <a:ext uri="{0D108BD9-81ED-4DB2-BD59-A6C34878D82A}">
-                    <a16:rowId xmlns:a16="http://schemas.microsoft.com/office/drawing/2014/main" val="2634114360"/>
-                  </a:ext>
-                </a:extLst>
-              </a:tr>
-              <a:tr h="548640">
-                <a:tc>
-                  <a:txBody>
-                    <a:bodyPr/>
-                    <a:lstStyle/>
-                    <a:p>
-                      <a:pPr>
-                        <a:lnSpc>
-                          <a:spcPct val="100000"/>
-                        </a:lnSpc>
-                        <a:spcAft>
-                          <a:spcPts val="0"/>
-                        </a:spcAft>
-                      </a:pPr>
-                      <a:r>
-                        <a:rPr lang="en-US" sz="2000" b="1" dirty="0">
-                          <a:solidFill>
-                            <a:schemeClr val="tx1"/>
-                          </a:solidFill>
-                        </a:rPr>
-                        <a:t>Chapter Summary</a:t>
-                      </a:r>
-                    </a:p>
-                  </a:txBody>
-                  <a:tcPr anchor="ctr">
-                    <a:lnT w="12700" cap="flat" cmpd="sng" algn="ctr">
-                      <a:solidFill>
-                        <a:schemeClr val="bg1">
-                          <a:lumMod val="65000"/>
-                        </a:schemeClr>
-                      </a:solidFill>
-                      <a:prstDash val="solid"/>
-                      <a:round/>
-                      <a:headEnd type="none" w="med" len="med"/>
-                      <a:tailEnd type="none" w="med" len="med"/>
-                    </a:lnT>
-                    <a:lnB w="12700" cap="flat" cmpd="sng" algn="ctr">
-                      <a:solidFill>
-                        <a:schemeClr val="bg1">
-                          <a:lumMod val="65000"/>
-                        </a:schemeClr>
-                      </a:solidFill>
-                      <a:prstDash val="solid"/>
-                      <a:round/>
-                      <a:headEnd type="none" w="med" len="med"/>
-                      <a:tailEnd type="none" w="med" len="med"/>
-                    </a:lnB>
-                    <a:noFill/>
-                  </a:tcPr>
-                </a:tc>
-                <a:extLst>
-                  <a:ext uri="{0D108BD9-81ED-4DB2-BD59-A6C34878D82A}">
-                    <a16:rowId xmlns:a16="http://schemas.microsoft.com/office/drawing/2014/main" val="376303497"/>
-                  </a:ext>
-                </a:extLst>
-              </a:tr>
-            </a:tbl>
-          </a:graphicData>
-        </a:graphic>
-      </p:graphicFrame>
-    </p:spTree>
-    <p:extLst>
-      <p:ext uri="{BB962C8B-B14F-4D97-AF65-F5344CB8AC3E}">
-        <p14:creationId xmlns:p14="http://schemas.microsoft.com/office/powerpoint/2010/main" val="3451225526"/>
-      </p:ext>
-    </p:extLst>
-  </p:cSld>
-  <p:clrMapOvr>
-    <a:masterClrMapping/>
-  </p:clrMapOvr>
-</p:sld>
-</file>
-
-<file path=ppt/slides/slide29.xml><?xml version="1.0" encoding="utf-8"?>
-<p:sld xmlns:a="http://schemas.openxmlformats.org/drawingml/2006/main" xmlns:r="http://schemas.openxmlformats.org/officeDocument/2006/relationships" xmlns:p="http://schemas.openxmlformats.org/presentationml/2006/main">
-  <p:cSld>
-    <p:spTree>
-      <p:nvGrpSpPr>
-        <p:cNvPr id="1" name=""/>
-        <p:cNvGrpSpPr/>
-        <p:nvPr/>
-      </p:nvGrpSpPr>
-      <p:grpSpPr>
-        <a:xfrm>
-          <a:off x="0" y="0"/>
-          <a:ext cx="0" cy="0"/>
-          <a:chOff x="0" y="0"/>
-          <a:chExt cx="0" cy="0"/>
-        </a:xfrm>
-      </p:grpSpPr>
-      <p:sp>
-        <p:nvSpPr>
-          <p:cNvPr id="3" name="Content Placeholder 2"/>
-          <p:cNvSpPr>
-            <a:spLocks noGrp="1"/>
-          </p:cNvSpPr>
-          <p:nvPr>
-            <p:ph idx="1"/>
-          </p:nvPr>
-        </p:nvSpPr>
-        <p:spPr/>
-        <p:txBody>
-          <a:bodyPr/>
-          <a:lstStyle/>
-          <a:p>
-            <a:r>
-              <a:rPr lang="en-US" dirty="0"/>
-              <a:t>ETL can be done at so many levels</a:t>
-            </a:r>
-          </a:p>
-          <a:p>
-            <a:pPr lvl="1"/>
-            <a:r>
-              <a:rPr lang="en-US" dirty="0"/>
-              <a:t>At the source of the data using SQL</a:t>
-            </a:r>
-          </a:p>
-          <a:p>
-            <a:pPr lvl="1"/>
-            <a:r>
-              <a:rPr lang="en-US" dirty="0"/>
-              <a:t>There are many ETL tools besides Python</a:t>
-            </a:r>
-          </a:p>
-          <a:p>
-            <a:r>
-              <a:rPr lang="en-US" dirty="0"/>
-              <a:t>Explore the different ways to rescale and normalize data</a:t>
-            </a:r>
-          </a:p>
-          <a:p>
-            <a:r>
-              <a:rPr lang="en-US" dirty="0"/>
-              <a:t>Text processing has so much more to it than just Document Term Matrix</a:t>
-            </a:r>
-          </a:p>
-          <a:p>
-            <a:pPr lvl="1"/>
-            <a:r>
-              <a:rPr lang="en-US" dirty="0"/>
-              <a:t>Sentiment analysis</a:t>
-            </a:r>
-          </a:p>
-          <a:p>
-            <a:pPr lvl="1"/>
-            <a:r>
-              <a:rPr lang="en-US" dirty="0"/>
-              <a:t>Word clouds</a:t>
-            </a:r>
-          </a:p>
-          <a:p>
-            <a:pPr lvl="1"/>
-            <a:r>
-              <a:rPr lang="en-US" dirty="0"/>
-              <a:t>Term frequency-inverse document frequency</a:t>
-            </a:r>
-          </a:p>
-          <a:p>
-            <a:r>
-              <a:rPr lang="en-US" dirty="0"/>
-              <a:t>Even binary data like images and sound can be turned into numeric data that can be run through models</a:t>
-            </a:r>
-          </a:p>
-          <a:p>
-            <a:pPr lvl="1"/>
-            <a:r>
-              <a:rPr lang="en-US" dirty="0"/>
-              <a:t>Look for APIs to do things like image and facial recognition</a:t>
-            </a:r>
-          </a:p>
-          <a:p>
-            <a:pPr marL="0" indent="0">
-              <a:buNone/>
-            </a:pPr>
-            <a:endParaRPr lang="en-US" dirty="0"/>
-          </a:p>
-        </p:txBody>
-      </p:sp>
-      <p:sp>
-        <p:nvSpPr>
-          <p:cNvPr id="2" name="Title 1"/>
-          <p:cNvSpPr>
-            <a:spLocks noGrp="1"/>
-          </p:cNvSpPr>
-          <p:nvPr>
-            <p:ph type="title"/>
-          </p:nvPr>
-        </p:nvSpPr>
-        <p:spPr/>
-        <p:txBody>
-          <a:bodyPr/>
-          <a:lstStyle/>
-          <a:p>
-            <a:r>
-              <a:rPr lang="en-US" dirty="0"/>
-              <a:t>Next Steps</a:t>
-            </a:r>
-          </a:p>
-        </p:txBody>
-      </p:sp>
-    </p:spTree>
-    <p:extLst>
-      <p:ext uri="{BB962C8B-B14F-4D97-AF65-F5344CB8AC3E}">
-        <p14:creationId xmlns:p14="http://schemas.microsoft.com/office/powerpoint/2010/main" val="1948759376"/>
-      </p:ext>
-    </p:extLst>
-  </p:cSld>
-  <p:clrMapOvr>
-    <a:masterClrMapping/>
-  </p:clrMapOvr>
-</p:sld>
-</file>
-
-<file path=ppt/slides/slide3.xml><?xml version="1.0" encoding="utf-8"?>
-<p:sld xmlns:a="http://schemas.openxmlformats.org/drawingml/2006/main" xmlns:r="http://schemas.openxmlformats.org/officeDocument/2006/relationships" xmlns:p="http://schemas.openxmlformats.org/presentationml/2006/main">
-  <p:cSld>
-    <p:spTree>
-      <p:nvGrpSpPr>
-        <p:cNvPr id="1" name=""/>
-        <p:cNvGrpSpPr/>
-        <p:nvPr/>
-      </p:nvGrpSpPr>
-      <p:grpSpPr>
-        <a:xfrm>
-          <a:off x="0" y="0"/>
-          <a:ext cx="0" cy="0"/>
-          <a:chOff x="0" y="0"/>
-          <a:chExt cx="0" cy="0"/>
-        </a:xfrm>
-      </p:grpSpPr>
-      <p:sp>
-        <p:nvSpPr>
-          <p:cNvPr id="2" name="Title 1"/>
-          <p:cNvSpPr>
-            <a:spLocks noGrp="1"/>
-          </p:cNvSpPr>
-          <p:nvPr>
-            <p:ph type="title"/>
-          </p:nvPr>
-        </p:nvSpPr>
-        <p:spPr/>
-        <p:txBody>
-          <a:bodyPr/>
-          <a:lstStyle/>
-          <a:p>
-            <a:r>
-              <a:rPr lang="en-US" dirty="0"/>
-              <a:t>Chapter Concepts</a:t>
-            </a:r>
-          </a:p>
-        </p:txBody>
-      </p:sp>
-      <p:graphicFrame>
-        <p:nvGraphicFramePr>
-          <p:cNvPr id="8" name="Table 7">
-            <a:extLst>
-              <a:ext uri="{FF2B5EF4-FFF2-40B4-BE49-F238E27FC236}">
-                <a16:creationId xmlns:a16="http://schemas.microsoft.com/office/drawing/2014/main" id="{500A32C4-D4D6-4957-AFB2-C2E212A61071}"/>
-              </a:ext>
-            </a:extLst>
-          </p:cNvPr>
-          <p:cNvGraphicFramePr>
-            <a:graphicFrameLocks noGrp="1"/>
-          </p:cNvGraphicFramePr>
-          <p:nvPr>
-            <p:extLst>
-              <p:ext uri="{D42A27DB-BD31-4B8C-83A1-F6EECF244321}">
-                <p14:modId xmlns:p14="http://schemas.microsoft.com/office/powerpoint/2010/main" val="3587702103"/>
-              </p:ext>
-            </p:extLst>
-          </p:nvPr>
-        </p:nvGraphicFramePr>
-        <p:xfrm>
-          <a:off x="2880360" y="1447543"/>
-          <a:ext cx="3383280" cy="2743200"/>
-        </p:xfrm>
-        <a:graphic>
-          <a:graphicData uri="http://schemas.openxmlformats.org/drawingml/2006/table">
-            <a:tbl>
-              <a:tblPr>
-                <a:tableStyleId>{00A15C55-8517-42AA-B614-E9B94910E393}</a:tableStyleId>
-              </a:tblPr>
-              <a:tblGrid>
-                <a:gridCol w="3383280">
-                  <a:extLst>
-                    <a:ext uri="{9D8B030D-6E8A-4147-A177-3AD203B41FA5}">
-                      <a16:colId xmlns:a16="http://schemas.microsoft.com/office/drawing/2014/main" val="1695728431"/>
-                    </a:ext>
-                  </a:extLst>
-                </a:gridCol>
-              </a:tblGrid>
-              <a:tr h="548640">
-                <a:tc>
-                  <a:txBody>
-                    <a:bodyPr/>
-                    <a:lstStyle/>
-                    <a:p>
-                      <a:pPr>
-                        <a:lnSpc>
-                          <a:spcPct val="100000"/>
-                        </a:lnSpc>
-                        <a:spcAft>
-                          <a:spcPts val="0"/>
-                        </a:spcAft>
-                      </a:pPr>
-                      <a:r>
-                        <a:rPr lang="en-US" sz="2000" b="1" dirty="0">
-                          <a:solidFill>
-                            <a:schemeClr val="tx1"/>
-                          </a:solidFill>
-                        </a:rPr>
-                        <a:t>Statistics Primer</a:t>
-                      </a:r>
-                    </a:p>
-                  </a:txBody>
-                  <a:tcPr anchor="ctr">
                     <a:lnB w="12700" cap="flat" cmpd="sng" algn="ctr">
                       <a:solidFill>
                         <a:schemeClr val="bg1">
@@ -14768,6 +15233,571 @@
       </p:grpSpPr>
       <p:sp>
         <p:nvSpPr>
+          <p:cNvPr id="2" name="Title 1"/>
+          <p:cNvSpPr>
+            <a:spLocks noGrp="1"/>
+          </p:cNvSpPr>
+          <p:nvPr>
+            <p:ph type="title"/>
+          </p:nvPr>
+        </p:nvSpPr>
+        <p:spPr/>
+        <p:txBody>
+          <a:bodyPr/>
+          <a:lstStyle/>
+          <a:p>
+            <a:r>
+              <a:rPr lang="en-US" dirty="0"/>
+              <a:t>Chapter Concepts</a:t>
+            </a:r>
+          </a:p>
+        </p:txBody>
+      </p:sp>
+      <p:graphicFrame>
+        <p:nvGraphicFramePr>
+          <p:cNvPr id="8" name="Table 7">
+            <a:extLst>
+              <a:ext uri="{FF2B5EF4-FFF2-40B4-BE49-F238E27FC236}">
+                <a16:creationId xmlns:a16="http://schemas.microsoft.com/office/drawing/2014/main" id="{500A32C4-D4D6-4957-AFB2-C2E212A61071}"/>
+              </a:ext>
+            </a:extLst>
+          </p:cNvPr>
+          <p:cNvGraphicFramePr>
+            <a:graphicFrameLocks noGrp="1"/>
+          </p:cNvGraphicFramePr>
+          <p:nvPr>
+            <p:extLst>
+              <p:ext uri="{D42A27DB-BD31-4B8C-83A1-F6EECF244321}">
+                <p14:modId xmlns:p14="http://schemas.microsoft.com/office/powerpoint/2010/main" val="1257013184"/>
+              </p:ext>
+            </p:extLst>
+          </p:nvPr>
+        </p:nvGraphicFramePr>
+        <p:xfrm>
+          <a:off x="2880360" y="1447543"/>
+          <a:ext cx="3383280" cy="3291840"/>
+        </p:xfrm>
+        <a:graphic>
+          <a:graphicData uri="http://schemas.openxmlformats.org/drawingml/2006/table">
+            <a:tbl>
+              <a:tblPr>
+                <a:tableStyleId>{00A15C55-8517-42AA-B614-E9B94910E393}</a:tableStyleId>
+              </a:tblPr>
+              <a:tblGrid>
+                <a:gridCol w="3383280">
+                  <a:extLst>
+                    <a:ext uri="{9D8B030D-6E8A-4147-A177-3AD203B41FA5}">
+                      <a16:colId xmlns:a16="http://schemas.microsoft.com/office/drawing/2014/main" val="1695728431"/>
+                    </a:ext>
+                  </a:extLst>
+                </a:gridCol>
+              </a:tblGrid>
+              <a:tr h="548640">
+                <a:tc>
+                  <a:txBody>
+                    <a:bodyPr/>
+                    <a:lstStyle/>
+                    <a:p>
+                      <a:pPr>
+                        <a:lnSpc>
+                          <a:spcPct val="100000"/>
+                        </a:lnSpc>
+                        <a:spcAft>
+                          <a:spcPts val="0"/>
+                        </a:spcAft>
+                      </a:pPr>
+                      <a:r>
+                        <a:rPr lang="en-US" sz="2000" b="0" dirty="0" err="1">
+                          <a:solidFill>
+                            <a:schemeClr val="bg2"/>
+                          </a:solidFill>
+                        </a:rPr>
+                        <a:t>Pandasql</a:t>
+                      </a:r>
+                      <a:endParaRPr lang="en-US" sz="2000" b="0" dirty="0">
+                        <a:solidFill>
+                          <a:schemeClr val="bg2"/>
+                        </a:solidFill>
+                      </a:endParaRPr>
+                    </a:p>
+                  </a:txBody>
+                  <a:tcPr anchor="ctr">
+                    <a:lnB w="12700" cap="flat" cmpd="sng" algn="ctr">
+                      <a:solidFill>
+                        <a:schemeClr val="bg1">
+                          <a:lumMod val="65000"/>
+                        </a:schemeClr>
+                      </a:solidFill>
+                      <a:prstDash val="solid"/>
+                      <a:round/>
+                      <a:headEnd type="none" w="med" len="med"/>
+                      <a:tailEnd type="none" w="med" len="med"/>
+                    </a:lnB>
+                    <a:noFill/>
+                  </a:tcPr>
+                </a:tc>
+                <a:extLst>
+                  <a:ext uri="{0D108BD9-81ED-4DB2-BD59-A6C34878D82A}">
+                    <a16:rowId xmlns:a16="http://schemas.microsoft.com/office/drawing/2014/main" val="2552317535"/>
+                  </a:ext>
+                </a:extLst>
+              </a:tr>
+              <a:tr h="548640">
+                <a:tc>
+                  <a:txBody>
+                    <a:bodyPr/>
+                    <a:lstStyle/>
+                    <a:p>
+                      <a:pPr>
+                        <a:lnSpc>
+                          <a:spcPct val="100000"/>
+                        </a:lnSpc>
+                        <a:spcAft>
+                          <a:spcPts val="0"/>
+                        </a:spcAft>
+                      </a:pPr>
+                      <a:r>
+                        <a:rPr lang="en-US" sz="2000" b="0" dirty="0">
+                          <a:solidFill>
+                            <a:schemeClr val="bg2"/>
+                          </a:solidFill>
+                        </a:rPr>
+                        <a:t>Statistics Primer</a:t>
+                      </a:r>
+                    </a:p>
+                  </a:txBody>
+                  <a:tcPr anchor="ctr">
+                    <a:lnT w="12700" cap="flat" cmpd="sng" algn="ctr">
+                      <a:solidFill>
+                        <a:schemeClr val="bg1">
+                          <a:lumMod val="65000"/>
+                        </a:schemeClr>
+                      </a:solidFill>
+                      <a:prstDash val="solid"/>
+                      <a:round/>
+                      <a:headEnd type="none" w="med" len="med"/>
+                      <a:tailEnd type="none" w="med" len="med"/>
+                    </a:lnT>
+                    <a:lnB w="12700" cap="flat" cmpd="sng" algn="ctr">
+                      <a:solidFill>
+                        <a:schemeClr val="bg1">
+                          <a:lumMod val="65000"/>
+                        </a:schemeClr>
+                      </a:solidFill>
+                      <a:prstDash val="solid"/>
+                      <a:round/>
+                      <a:headEnd type="none" w="med" len="med"/>
+                      <a:tailEnd type="none" w="med" len="med"/>
+                    </a:lnB>
+                    <a:noFill/>
+                  </a:tcPr>
+                </a:tc>
+                <a:extLst>
+                  <a:ext uri="{0D108BD9-81ED-4DB2-BD59-A6C34878D82A}">
+                    <a16:rowId xmlns:a16="http://schemas.microsoft.com/office/drawing/2014/main" val="2307098774"/>
+                  </a:ext>
+                </a:extLst>
+              </a:tr>
+              <a:tr h="548640">
+                <a:tc>
+                  <a:txBody>
+                    <a:bodyPr/>
+                    <a:lstStyle/>
+                    <a:p>
+                      <a:pPr>
+                        <a:lnSpc>
+                          <a:spcPct val="100000"/>
+                        </a:lnSpc>
+                        <a:spcAft>
+                          <a:spcPts val="0"/>
+                        </a:spcAft>
+                      </a:pPr>
+                      <a:r>
+                        <a:rPr lang="en-US" sz="2000" b="0" dirty="0">
+                          <a:solidFill>
+                            <a:schemeClr val="bg2"/>
+                          </a:solidFill>
+                        </a:rPr>
+                        <a:t>Basic ETL and Reshaping</a:t>
+                      </a:r>
+                    </a:p>
+                  </a:txBody>
+                  <a:tcPr anchor="ctr">
+                    <a:lnT w="12700" cap="flat" cmpd="sng" algn="ctr">
+                      <a:solidFill>
+                        <a:schemeClr val="bg1">
+                          <a:lumMod val="65000"/>
+                        </a:schemeClr>
+                      </a:solidFill>
+                      <a:prstDash val="solid"/>
+                      <a:round/>
+                      <a:headEnd type="none" w="med" len="med"/>
+                      <a:tailEnd type="none" w="med" len="med"/>
+                    </a:lnT>
+                    <a:lnB w="12700" cap="flat" cmpd="sng" algn="ctr">
+                      <a:solidFill>
+                        <a:schemeClr val="bg1">
+                          <a:lumMod val="65000"/>
+                        </a:schemeClr>
+                      </a:solidFill>
+                      <a:prstDash val="solid"/>
+                      <a:round/>
+                      <a:headEnd type="none" w="med" len="med"/>
+                      <a:tailEnd type="none" w="med" len="med"/>
+                    </a:lnB>
+                    <a:noFill/>
+                  </a:tcPr>
+                </a:tc>
+                <a:extLst>
+                  <a:ext uri="{0D108BD9-81ED-4DB2-BD59-A6C34878D82A}">
+                    <a16:rowId xmlns:a16="http://schemas.microsoft.com/office/drawing/2014/main" val="1466711860"/>
+                  </a:ext>
+                </a:extLst>
+              </a:tr>
+              <a:tr h="548640">
+                <a:tc>
+                  <a:txBody>
+                    <a:bodyPr/>
+                    <a:lstStyle/>
+                    <a:p>
+                      <a:pPr>
+                        <a:lnSpc>
+                          <a:spcPct val="100000"/>
+                        </a:lnSpc>
+                        <a:spcAft>
+                          <a:spcPts val="0"/>
+                        </a:spcAft>
+                      </a:pPr>
+                      <a:r>
+                        <a:rPr lang="en-US" sz="2000" b="0" dirty="0">
+                          <a:solidFill>
+                            <a:schemeClr val="bg2"/>
+                          </a:solidFill>
+                        </a:rPr>
+                        <a:t>Splitting Data</a:t>
+                      </a:r>
+                    </a:p>
+                  </a:txBody>
+                  <a:tcPr anchor="ctr">
+                    <a:lnT w="12700" cap="flat" cmpd="sng" algn="ctr">
+                      <a:solidFill>
+                        <a:schemeClr val="bg1">
+                          <a:lumMod val="65000"/>
+                        </a:schemeClr>
+                      </a:solidFill>
+                      <a:prstDash val="solid"/>
+                      <a:round/>
+                      <a:headEnd type="none" w="med" len="med"/>
+                      <a:tailEnd type="none" w="med" len="med"/>
+                    </a:lnT>
+                    <a:lnB w="12700" cap="flat" cmpd="sng" algn="ctr">
+                      <a:solidFill>
+                        <a:schemeClr val="bg1">
+                          <a:lumMod val="65000"/>
+                        </a:schemeClr>
+                      </a:solidFill>
+                      <a:prstDash val="solid"/>
+                      <a:round/>
+                      <a:headEnd type="none" w="med" len="med"/>
+                      <a:tailEnd type="none" w="med" len="med"/>
+                    </a:lnB>
+                    <a:noFill/>
+                  </a:tcPr>
+                </a:tc>
+                <a:extLst>
+                  <a:ext uri="{0D108BD9-81ED-4DB2-BD59-A6C34878D82A}">
+                    <a16:rowId xmlns:a16="http://schemas.microsoft.com/office/drawing/2014/main" val="1924402624"/>
+                  </a:ext>
+                </a:extLst>
+              </a:tr>
+              <a:tr h="548640">
+                <a:tc>
+                  <a:txBody>
+                    <a:bodyPr/>
+                    <a:lstStyle/>
+                    <a:p>
+                      <a:pPr>
+                        <a:lnSpc>
+                          <a:spcPct val="100000"/>
+                        </a:lnSpc>
+                        <a:spcAft>
+                          <a:spcPts val="0"/>
+                        </a:spcAft>
+                      </a:pPr>
+                      <a:r>
+                        <a:rPr lang="en-US" sz="2000" b="0" dirty="0">
+                          <a:solidFill>
+                            <a:schemeClr val="bg2"/>
+                          </a:solidFill>
+                        </a:rPr>
+                        <a:t>Free-Form Text</a:t>
+                      </a:r>
+                    </a:p>
+                  </a:txBody>
+                  <a:tcPr anchor="ctr">
+                    <a:lnT w="12700" cap="flat" cmpd="sng" algn="ctr">
+                      <a:solidFill>
+                        <a:schemeClr val="bg1">
+                          <a:lumMod val="65000"/>
+                        </a:schemeClr>
+                      </a:solidFill>
+                      <a:prstDash val="solid"/>
+                      <a:round/>
+                      <a:headEnd type="none" w="med" len="med"/>
+                      <a:tailEnd type="none" w="med" len="med"/>
+                    </a:lnT>
+                    <a:lnB w="12700" cap="flat" cmpd="sng" algn="ctr">
+                      <a:solidFill>
+                        <a:schemeClr val="bg1">
+                          <a:lumMod val="65000"/>
+                        </a:schemeClr>
+                      </a:solidFill>
+                      <a:prstDash val="solid"/>
+                      <a:round/>
+                      <a:headEnd type="none" w="med" len="med"/>
+                      <a:tailEnd type="none" w="med" len="med"/>
+                    </a:lnB>
+                    <a:noFill/>
+                  </a:tcPr>
+                </a:tc>
+                <a:extLst>
+                  <a:ext uri="{0D108BD9-81ED-4DB2-BD59-A6C34878D82A}">
+                    <a16:rowId xmlns:a16="http://schemas.microsoft.com/office/drawing/2014/main" val="2634114360"/>
+                  </a:ext>
+                </a:extLst>
+              </a:tr>
+              <a:tr h="548640">
+                <a:tc>
+                  <a:txBody>
+                    <a:bodyPr/>
+                    <a:lstStyle/>
+                    <a:p>
+                      <a:pPr>
+                        <a:lnSpc>
+                          <a:spcPct val="100000"/>
+                        </a:lnSpc>
+                        <a:spcAft>
+                          <a:spcPts val="0"/>
+                        </a:spcAft>
+                      </a:pPr>
+                      <a:r>
+                        <a:rPr lang="en-US" sz="2000" b="1" dirty="0">
+                          <a:solidFill>
+                            <a:schemeClr val="tx1"/>
+                          </a:solidFill>
+                        </a:rPr>
+                        <a:t>Chapter Summary</a:t>
+                      </a:r>
+                    </a:p>
+                  </a:txBody>
+                  <a:tcPr anchor="ctr">
+                    <a:lnT w="12700" cap="flat" cmpd="sng" algn="ctr">
+                      <a:solidFill>
+                        <a:schemeClr val="bg1">
+                          <a:lumMod val="65000"/>
+                        </a:schemeClr>
+                      </a:solidFill>
+                      <a:prstDash val="solid"/>
+                      <a:round/>
+                      <a:headEnd type="none" w="med" len="med"/>
+                      <a:tailEnd type="none" w="med" len="med"/>
+                    </a:lnT>
+                    <a:lnB w="12700" cap="flat" cmpd="sng" algn="ctr">
+                      <a:solidFill>
+                        <a:schemeClr val="bg1">
+                          <a:lumMod val="65000"/>
+                        </a:schemeClr>
+                      </a:solidFill>
+                      <a:prstDash val="solid"/>
+                      <a:round/>
+                      <a:headEnd type="none" w="med" len="med"/>
+                      <a:tailEnd type="none" w="med" len="med"/>
+                    </a:lnB>
+                    <a:noFill/>
+                  </a:tcPr>
+                </a:tc>
+                <a:extLst>
+                  <a:ext uri="{0D108BD9-81ED-4DB2-BD59-A6C34878D82A}">
+                    <a16:rowId xmlns:a16="http://schemas.microsoft.com/office/drawing/2014/main" val="376303497"/>
+                  </a:ext>
+                </a:extLst>
+              </a:tr>
+            </a:tbl>
+          </a:graphicData>
+        </a:graphic>
+      </p:graphicFrame>
+    </p:spTree>
+    <p:extLst>
+      <p:ext uri="{BB962C8B-B14F-4D97-AF65-F5344CB8AC3E}">
+        <p14:creationId xmlns:p14="http://schemas.microsoft.com/office/powerpoint/2010/main" val="505374806"/>
+      </p:ext>
+    </p:extLst>
+  </p:cSld>
+  <p:clrMapOvr>
+    <a:masterClrMapping/>
+  </p:clrMapOvr>
+</p:sld>
+</file>
+
+<file path=ppt/slides/slide31.xml><?xml version="1.0" encoding="utf-8"?>
+<p:sld xmlns:a="http://schemas.openxmlformats.org/drawingml/2006/main" xmlns:r="http://schemas.openxmlformats.org/officeDocument/2006/relationships" xmlns:p="http://schemas.openxmlformats.org/presentationml/2006/main">
+  <p:cSld>
+    <p:spTree>
+      <p:nvGrpSpPr>
+        <p:cNvPr id="1" name=""/>
+        <p:cNvGrpSpPr/>
+        <p:nvPr/>
+      </p:nvGrpSpPr>
+      <p:grpSpPr>
+        <a:xfrm>
+          <a:off x="0" y="0"/>
+          <a:ext cx="0" cy="0"/>
+          <a:chOff x="0" y="0"/>
+          <a:chExt cx="0" cy="0"/>
+        </a:xfrm>
+      </p:grpSpPr>
+      <p:sp>
+        <p:nvSpPr>
+          <p:cNvPr id="3" name="Content Placeholder 2"/>
+          <p:cNvSpPr>
+            <a:spLocks noGrp="1"/>
+          </p:cNvSpPr>
+          <p:nvPr>
+            <p:ph idx="1"/>
+          </p:nvPr>
+        </p:nvSpPr>
+        <p:spPr/>
+        <p:txBody>
+          <a:bodyPr/>
+          <a:lstStyle/>
+          <a:p>
+            <a:r>
+              <a:rPr lang="en-US" dirty="0"/>
+              <a:t>ETL can be done at so many levels</a:t>
+            </a:r>
+          </a:p>
+          <a:p>
+            <a:pPr lvl="1"/>
+            <a:r>
+              <a:rPr lang="en-US" dirty="0"/>
+              <a:t>At the source of the data using SQL</a:t>
+            </a:r>
+          </a:p>
+          <a:p>
+            <a:pPr lvl="1"/>
+            <a:r>
+              <a:rPr lang="en-US" dirty="0"/>
+              <a:t>There are many ETL tools besides Python</a:t>
+            </a:r>
+          </a:p>
+          <a:p>
+            <a:r>
+              <a:rPr lang="en-US" dirty="0"/>
+              <a:t>Explore the different ways to rescale and normalize data</a:t>
+            </a:r>
+          </a:p>
+          <a:p>
+            <a:r>
+              <a:rPr lang="en-US" dirty="0"/>
+              <a:t>Text processing has so much more to it than just Document Term Matrix</a:t>
+            </a:r>
+          </a:p>
+          <a:p>
+            <a:pPr lvl="1"/>
+            <a:r>
+              <a:rPr lang="en-US" dirty="0"/>
+              <a:t>Sentiment analysis</a:t>
+            </a:r>
+          </a:p>
+          <a:p>
+            <a:pPr lvl="1"/>
+            <a:r>
+              <a:rPr lang="en-US" dirty="0"/>
+              <a:t>Word clouds</a:t>
+            </a:r>
+          </a:p>
+          <a:p>
+            <a:pPr lvl="1"/>
+            <a:r>
+              <a:rPr lang="en-US" dirty="0"/>
+              <a:t>Term frequency-inverse document frequency</a:t>
+            </a:r>
+          </a:p>
+          <a:p>
+            <a:r>
+              <a:rPr lang="en-US" dirty="0"/>
+              <a:t>Even binary data like images and sound can be turned into numeric data that can be run through models</a:t>
+            </a:r>
+          </a:p>
+          <a:p>
+            <a:pPr lvl="1"/>
+            <a:r>
+              <a:rPr lang="en-US" dirty="0"/>
+              <a:t>Look for APIs to do things like image and facial recognition</a:t>
+            </a:r>
+          </a:p>
+          <a:p>
+            <a:pPr marL="0" indent="0">
+              <a:buNone/>
+            </a:pPr>
+            <a:endParaRPr lang="en-US" dirty="0"/>
+          </a:p>
+        </p:txBody>
+      </p:sp>
+      <p:sp>
+        <p:nvSpPr>
+          <p:cNvPr id="2" name="Title 1"/>
+          <p:cNvSpPr>
+            <a:spLocks noGrp="1"/>
+          </p:cNvSpPr>
+          <p:nvPr>
+            <p:ph type="title"/>
+          </p:nvPr>
+        </p:nvSpPr>
+        <p:spPr/>
+        <p:txBody>
+          <a:bodyPr/>
+          <a:lstStyle/>
+          <a:p>
+            <a:r>
+              <a:rPr lang="en-US" dirty="0"/>
+              <a:t>Next Steps</a:t>
+            </a:r>
+          </a:p>
+        </p:txBody>
+      </p:sp>
+    </p:spTree>
+    <p:extLst>
+      <p:ext uri="{BB962C8B-B14F-4D97-AF65-F5344CB8AC3E}">
+        <p14:creationId xmlns:p14="http://schemas.microsoft.com/office/powerpoint/2010/main" val="1948759376"/>
+      </p:ext>
+    </p:extLst>
+  </p:cSld>
+  <p:clrMapOvr>
+    <a:masterClrMapping/>
+  </p:clrMapOvr>
+</p:sld>
+</file>
+
+<file path=ppt/slides/slide32.xml><?xml version="1.0" encoding="utf-8"?>
+<p:sld xmlns:a="http://schemas.openxmlformats.org/drawingml/2006/main" xmlns:r="http://schemas.openxmlformats.org/officeDocument/2006/relationships" xmlns:p="http://schemas.openxmlformats.org/presentationml/2006/main">
+  <p:cSld>
+    <p:spTree>
+      <p:nvGrpSpPr>
+        <p:cNvPr id="1" name=""/>
+        <p:cNvGrpSpPr/>
+        <p:nvPr/>
+      </p:nvGrpSpPr>
+      <p:grpSpPr>
+        <a:xfrm>
+          <a:off x="0" y="0"/>
+          <a:ext cx="0" cy="0"/>
+          <a:chOff x="0" y="0"/>
+          <a:chExt cx="0" cy="0"/>
+        </a:xfrm>
+      </p:grpSpPr>
+      <p:sp>
+        <p:nvSpPr>
           <p:cNvPr id="5" name="Content Placeholder 4"/>
           <p:cNvSpPr>
             <a:spLocks noGrp="1"/>
@@ -14898,6 +15928,868 @@
           <a:lstStyle/>
           <a:p>
             <a:r>
+              <a:rPr lang="en-US" dirty="0" err="1"/>
+              <a:t>Pandasql</a:t>
+            </a:r>
+            <a:r>
+              <a:rPr lang="en-US" dirty="0"/>
+              <a:t> is a convenient add on to Pandas that lets you use standard SQL queries instead of complex Pandas commands</a:t>
+            </a:r>
+          </a:p>
+          <a:p>
+            <a:r>
+              <a:rPr lang="en-US" dirty="0"/>
+              <a:t>If you know how to solve a problem with SQL already, it is sometimes a better choice</a:t>
+            </a:r>
+          </a:p>
+          <a:p>
+            <a:r>
+              <a:rPr lang="en-US" dirty="0"/>
+              <a:t>Once installed and imported, you can basically refer to a variable that holds a Pandas </a:t>
+            </a:r>
+            <a:r>
+              <a:rPr lang="en-US" dirty="0" err="1"/>
+              <a:t>DataFrame</a:t>
+            </a:r>
+            <a:r>
+              <a:rPr lang="en-US" dirty="0"/>
+              <a:t> as if it were a virtual table</a:t>
+            </a:r>
+          </a:p>
+          <a:p>
+            <a:pPr lvl="1"/>
+            <a:endParaRPr lang="en-US" dirty="0"/>
+          </a:p>
+          <a:p>
+            <a:pPr marL="0" indent="0">
+              <a:buNone/>
+            </a:pPr>
+            <a:endParaRPr lang="en-US" dirty="0"/>
+          </a:p>
+        </p:txBody>
+      </p:sp>
+      <p:sp>
+        <p:nvSpPr>
+          <p:cNvPr id="2" name="Title 1"/>
+          <p:cNvSpPr>
+            <a:spLocks noGrp="1"/>
+          </p:cNvSpPr>
+          <p:nvPr>
+            <p:ph type="title"/>
+          </p:nvPr>
+        </p:nvSpPr>
+        <p:spPr/>
+        <p:txBody>
+          <a:bodyPr/>
+          <a:lstStyle/>
+          <a:p>
+            <a:r>
+              <a:rPr lang="en-US" dirty="0" err="1"/>
+              <a:t>Pandasql</a:t>
+            </a:r>
+            <a:endParaRPr lang="en-US" dirty="0"/>
+          </a:p>
+        </p:txBody>
+      </p:sp>
+      <p:sp>
+        <p:nvSpPr>
+          <p:cNvPr id="4" name="TextBox 3">
+            <a:extLst>
+              <a:ext uri="{FF2B5EF4-FFF2-40B4-BE49-F238E27FC236}">
+                <a16:creationId xmlns:a16="http://schemas.microsoft.com/office/drawing/2014/main" id="{FA323E9D-7075-D84F-8E91-A620331F677F}"/>
+              </a:ext>
+            </a:extLst>
+          </p:cNvPr>
+          <p:cNvSpPr txBox="1"/>
+          <p:nvPr/>
+        </p:nvSpPr>
+        <p:spPr>
+          <a:xfrm>
+            <a:off x="642937" y="3228422"/>
+            <a:ext cx="7818437" cy="3108543"/>
+          </a:xfrm>
+          <a:prstGeom prst="rect">
+            <a:avLst/>
+          </a:prstGeom>
+          <a:noFill/>
+          <a:ln w="28575" algn="ctr">
+            <a:solidFill>
+              <a:schemeClr val="accent2">
+                <a:lumMod val="20000"/>
+                <a:lumOff val="80000"/>
+              </a:schemeClr>
+            </a:solidFill>
+            <a:miter lim="800000"/>
+            <a:headEnd/>
+            <a:tailEnd/>
+          </a:ln>
+          <a:effectLst/>
+        </p:spPr>
+        <p:txBody>
+          <a:bodyPr wrap="square">
+            <a:spAutoFit/>
+          </a:bodyPr>
+          <a:lstStyle>
+            <a:defPPr>
+              <a:defRPr lang="en-US"/>
+            </a:defPPr>
+            <a:lvl1pPr marL="0" defTabSz="914400" eaLnBrk="1" latinLnBrk="0" hangingPunct="1">
+              <a:defRPr sz="1400">
+                <a:solidFill>
+                  <a:schemeClr val="tx1"/>
+                </a:solidFill>
+                <a:latin typeface="Courier New" pitchFamily="49" charset="0"/>
+                <a:cs typeface="+mn-cs"/>
+              </a:defRPr>
+            </a:lvl1pPr>
+            <a:lvl2pPr marL="742950" indent="-285750" defTabSz="914400" latinLnBrk="0">
+              <a:defRPr sz="1400">
+                <a:solidFill>
+                  <a:schemeClr val="tx1"/>
+                </a:solidFill>
+                <a:latin typeface="Arial" charset="0"/>
+                <a:cs typeface="+mn-cs"/>
+              </a:defRPr>
+            </a:lvl2pPr>
+            <a:lvl3pPr marL="1143000" indent="-228600" defTabSz="914400" latinLnBrk="0">
+              <a:defRPr sz="1400">
+                <a:solidFill>
+                  <a:schemeClr val="tx1"/>
+                </a:solidFill>
+                <a:latin typeface="Arial" charset="0"/>
+                <a:cs typeface="+mn-cs"/>
+              </a:defRPr>
+            </a:lvl3pPr>
+            <a:lvl4pPr marL="1600200" indent="-228600" defTabSz="914400" latinLnBrk="0">
+              <a:defRPr sz="1400">
+                <a:solidFill>
+                  <a:schemeClr val="tx1"/>
+                </a:solidFill>
+                <a:latin typeface="Arial" charset="0"/>
+                <a:cs typeface="+mn-cs"/>
+              </a:defRPr>
+            </a:lvl4pPr>
+            <a:lvl5pPr marL="2057400" indent="-228600" defTabSz="914400" latinLnBrk="0">
+              <a:defRPr sz="1400">
+                <a:solidFill>
+                  <a:schemeClr val="tx1"/>
+                </a:solidFill>
+                <a:latin typeface="Arial" charset="0"/>
+                <a:cs typeface="+mn-cs"/>
+              </a:defRPr>
+            </a:lvl5pPr>
+            <a:lvl6pPr marL="2514600" indent="-228600" eaLnBrk="0" fontAlgn="base" hangingPunct="0">
+              <a:spcBef>
+                <a:spcPct val="0"/>
+              </a:spcBef>
+              <a:spcAft>
+                <a:spcPct val="0"/>
+              </a:spcAft>
+              <a:defRPr sz="1400">
+                <a:solidFill>
+                  <a:schemeClr val="tx1"/>
+                </a:solidFill>
+                <a:latin typeface="Arial" charset="0"/>
+                <a:cs typeface="+mn-cs"/>
+              </a:defRPr>
+            </a:lvl6pPr>
+            <a:lvl7pPr marL="2971800" indent="-228600" eaLnBrk="0" fontAlgn="base" hangingPunct="0">
+              <a:spcBef>
+                <a:spcPct val="0"/>
+              </a:spcBef>
+              <a:spcAft>
+                <a:spcPct val="0"/>
+              </a:spcAft>
+              <a:defRPr sz="1400">
+                <a:solidFill>
+                  <a:schemeClr val="tx1"/>
+                </a:solidFill>
+                <a:latin typeface="Arial" charset="0"/>
+                <a:cs typeface="+mn-cs"/>
+              </a:defRPr>
+            </a:lvl7pPr>
+            <a:lvl8pPr marL="3429000" indent="-228600" eaLnBrk="0" fontAlgn="base" hangingPunct="0">
+              <a:spcBef>
+                <a:spcPct val="0"/>
+              </a:spcBef>
+              <a:spcAft>
+                <a:spcPct val="0"/>
+              </a:spcAft>
+              <a:defRPr sz="1400">
+                <a:solidFill>
+                  <a:schemeClr val="tx1"/>
+                </a:solidFill>
+                <a:latin typeface="Arial" charset="0"/>
+                <a:cs typeface="+mn-cs"/>
+              </a:defRPr>
+            </a:lvl8pPr>
+            <a:lvl9pPr marL="3886200" indent="-228600" eaLnBrk="0" fontAlgn="base" hangingPunct="0">
+              <a:spcBef>
+                <a:spcPct val="0"/>
+              </a:spcBef>
+              <a:spcAft>
+                <a:spcPct val="0"/>
+              </a:spcAft>
+              <a:defRPr sz="1400">
+                <a:solidFill>
+                  <a:schemeClr val="tx1"/>
+                </a:solidFill>
+                <a:latin typeface="Arial" charset="0"/>
+                <a:cs typeface="+mn-cs"/>
+              </a:defRPr>
+            </a:lvl9pPr>
+          </a:lstStyle>
+          <a:p>
+            <a:r>
+              <a:rPr lang="en-US" b="1" dirty="0"/>
+              <a:t>pip install </a:t>
+            </a:r>
+            <a:r>
+              <a:rPr lang="en-US" b="1" dirty="0" err="1"/>
+              <a:t>pandasql</a:t>
+            </a:r>
+            <a:endParaRPr lang="en-US" b="1" dirty="0"/>
+          </a:p>
+          <a:p>
+            <a:endParaRPr lang="en-US" b="1" dirty="0"/>
+          </a:p>
+          <a:p>
+            <a:r>
+              <a:rPr lang="en-US" dirty="0"/>
+              <a:t>import pandas as </a:t>
+            </a:r>
+            <a:r>
+              <a:rPr lang="en-US" dirty="0" err="1"/>
+              <a:t>pd</a:t>
+            </a:r>
+            <a:endParaRPr lang="en-US" dirty="0"/>
+          </a:p>
+          <a:p>
+            <a:r>
+              <a:rPr lang="en-US" dirty="0"/>
+              <a:t>from </a:t>
+            </a:r>
+            <a:r>
+              <a:rPr lang="en-US" dirty="0" err="1"/>
+              <a:t>pandasql</a:t>
+            </a:r>
+            <a:r>
+              <a:rPr lang="en-US" dirty="0"/>
+              <a:t> import </a:t>
+            </a:r>
+            <a:r>
+              <a:rPr lang="en-US" dirty="0" err="1"/>
+              <a:t>sqldf</a:t>
+            </a:r>
+            <a:endParaRPr lang="en-US" dirty="0"/>
+          </a:p>
+          <a:p>
+            <a:r>
+              <a:rPr lang="en-US" dirty="0" err="1"/>
+              <a:t>pysqldf</a:t>
+            </a:r>
+            <a:r>
+              <a:rPr lang="en-US" dirty="0"/>
+              <a:t> = lambda q: </a:t>
+            </a:r>
+            <a:r>
+              <a:rPr lang="en-US" dirty="0" err="1"/>
+              <a:t>sqldf</a:t>
+            </a:r>
+            <a:r>
+              <a:rPr lang="en-US" dirty="0"/>
+              <a:t>(q, </a:t>
+            </a:r>
+            <a:r>
+              <a:rPr lang="en-US" dirty="0" err="1"/>
+              <a:t>globals</a:t>
+            </a:r>
+            <a:r>
+              <a:rPr lang="en-US" dirty="0"/>
+              <a:t>())</a:t>
+            </a:r>
+          </a:p>
+          <a:p>
+            <a:endParaRPr lang="en-US" dirty="0"/>
+          </a:p>
+          <a:p>
+            <a:r>
+              <a:rPr lang="en-US" dirty="0"/>
+              <a:t>iris = </a:t>
+            </a:r>
+            <a:r>
+              <a:rPr lang="en-US" dirty="0" err="1"/>
+              <a:t>pd.read_csv</a:t>
+            </a:r>
+            <a:r>
+              <a:rPr lang="en-US" dirty="0"/>
+              <a:t>('../Day3-Pandas/iris-data-index-</a:t>
+            </a:r>
+            <a:r>
+              <a:rPr lang="en-US" dirty="0" err="1"/>
+              <a:t>column.csv</a:t>
+            </a:r>
+            <a:r>
+              <a:rPr lang="en-US" dirty="0"/>
+              <a:t>', </a:t>
+            </a:r>
+            <a:r>
+              <a:rPr lang="en-US" dirty="0" err="1"/>
+              <a:t>index_col</a:t>
+            </a:r>
+            <a:r>
+              <a:rPr lang="en-US" dirty="0"/>
+              <a:t>=0, header=0)</a:t>
+            </a:r>
+          </a:p>
+          <a:p>
+            <a:r>
+              <a:rPr lang="en-US" dirty="0"/>
+              <a:t>display(iris)</a:t>
+            </a:r>
+          </a:p>
+          <a:p>
+            <a:endParaRPr lang="en-US" dirty="0"/>
+          </a:p>
+          <a:p>
+            <a:r>
+              <a:rPr lang="en-US" dirty="0"/>
+              <a:t>query = 'select upper(Class) as Class, </a:t>
+            </a:r>
+            <a:r>
+              <a:rPr lang="en-US" dirty="0" err="1"/>
+              <a:t>Sepal_Length</a:t>
+            </a:r>
+            <a:r>
+              <a:rPr lang="en-US" dirty="0"/>
+              <a:t> * 10 as </a:t>
+            </a:r>
+            <a:r>
+              <a:rPr lang="en-US" dirty="0" err="1"/>
+              <a:t>S_Length</a:t>
+            </a:r>
+            <a:r>
+              <a:rPr lang="en-US" dirty="0"/>
+              <a:t>, </a:t>
+            </a:r>
+            <a:r>
+              <a:rPr lang="en-US" dirty="0" err="1"/>
+              <a:t>Sepal_Width</a:t>
+            </a:r>
+            <a:r>
+              <a:rPr lang="en-US" dirty="0"/>
+              <a:t> / 10 as </a:t>
+            </a:r>
+            <a:r>
+              <a:rPr lang="en-US" dirty="0" err="1"/>
+              <a:t>S_Width</a:t>
+            </a:r>
+            <a:r>
+              <a:rPr lang="en-US" dirty="0"/>
+              <a:t> from iris'</a:t>
+            </a:r>
+          </a:p>
+          <a:p>
+            <a:r>
+              <a:rPr lang="en-US" dirty="0"/>
+              <a:t>iris2 = </a:t>
+            </a:r>
+            <a:r>
+              <a:rPr lang="en-US" dirty="0" err="1"/>
+              <a:t>pysqldf</a:t>
+            </a:r>
+            <a:r>
+              <a:rPr lang="en-US" dirty="0"/>
+              <a:t>(query)</a:t>
+            </a:r>
+          </a:p>
+          <a:p>
+            <a:r>
+              <a:rPr lang="en-US" dirty="0"/>
+              <a:t>display(iris2)</a:t>
+            </a:r>
+          </a:p>
+        </p:txBody>
+      </p:sp>
+    </p:spTree>
+    <p:extLst>
+      <p:ext uri="{BB962C8B-B14F-4D97-AF65-F5344CB8AC3E}">
+        <p14:creationId xmlns:p14="http://schemas.microsoft.com/office/powerpoint/2010/main" val="2015035392"/>
+      </p:ext>
+    </p:extLst>
+  </p:cSld>
+  <p:clrMapOvr>
+    <a:masterClrMapping/>
+  </p:clrMapOvr>
+</p:sld>
+</file>
+
+<file path=ppt/slides/slide5.xml><?xml version="1.0" encoding="utf-8"?>
+<p:sld xmlns:a="http://schemas.openxmlformats.org/drawingml/2006/main" xmlns:r="http://schemas.openxmlformats.org/officeDocument/2006/relationships" xmlns:p="http://schemas.openxmlformats.org/presentationml/2006/main">
+  <p:cSld>
+    <p:spTree>
+      <p:nvGrpSpPr>
+        <p:cNvPr id="1" name=""/>
+        <p:cNvGrpSpPr/>
+        <p:nvPr/>
+      </p:nvGrpSpPr>
+      <p:grpSpPr>
+        <a:xfrm>
+          <a:off x="0" y="0"/>
+          <a:ext cx="0" cy="0"/>
+          <a:chOff x="0" y="0"/>
+          <a:chExt cx="0" cy="0"/>
+        </a:xfrm>
+      </p:grpSpPr>
+      <p:sp>
+        <p:nvSpPr>
+          <p:cNvPr id="2" name="Title 1"/>
+          <p:cNvSpPr>
+            <a:spLocks noGrp="1"/>
+          </p:cNvSpPr>
+          <p:nvPr>
+            <p:ph type="title"/>
+          </p:nvPr>
+        </p:nvSpPr>
+        <p:spPr/>
+        <p:txBody>
+          <a:bodyPr/>
+          <a:lstStyle/>
+          <a:p>
+            <a:r>
+              <a:rPr lang="en-US" dirty="0"/>
+              <a:t>Chapter Concepts</a:t>
+            </a:r>
+          </a:p>
+        </p:txBody>
+      </p:sp>
+      <p:graphicFrame>
+        <p:nvGraphicFramePr>
+          <p:cNvPr id="8" name="Table 7">
+            <a:extLst>
+              <a:ext uri="{FF2B5EF4-FFF2-40B4-BE49-F238E27FC236}">
+                <a16:creationId xmlns:a16="http://schemas.microsoft.com/office/drawing/2014/main" id="{500A32C4-D4D6-4957-AFB2-C2E212A61071}"/>
+              </a:ext>
+            </a:extLst>
+          </p:cNvPr>
+          <p:cNvGraphicFramePr>
+            <a:graphicFrameLocks noGrp="1"/>
+          </p:cNvGraphicFramePr>
+          <p:nvPr>
+            <p:extLst>
+              <p:ext uri="{D42A27DB-BD31-4B8C-83A1-F6EECF244321}">
+                <p14:modId xmlns:p14="http://schemas.microsoft.com/office/powerpoint/2010/main" val="2601448057"/>
+              </p:ext>
+            </p:extLst>
+          </p:nvPr>
+        </p:nvGraphicFramePr>
+        <p:xfrm>
+          <a:off x="2880360" y="1447543"/>
+          <a:ext cx="3383280" cy="3291840"/>
+        </p:xfrm>
+        <a:graphic>
+          <a:graphicData uri="http://schemas.openxmlformats.org/drawingml/2006/table">
+            <a:tbl>
+              <a:tblPr>
+                <a:tableStyleId>{00A15C55-8517-42AA-B614-E9B94910E393}</a:tableStyleId>
+              </a:tblPr>
+              <a:tblGrid>
+                <a:gridCol w="3383280">
+                  <a:extLst>
+                    <a:ext uri="{9D8B030D-6E8A-4147-A177-3AD203B41FA5}">
+                      <a16:colId xmlns:a16="http://schemas.microsoft.com/office/drawing/2014/main" val="1695728431"/>
+                    </a:ext>
+                  </a:extLst>
+                </a:gridCol>
+              </a:tblGrid>
+              <a:tr h="548640">
+                <a:tc>
+                  <a:txBody>
+                    <a:bodyPr/>
+                    <a:lstStyle/>
+                    <a:p>
+                      <a:pPr>
+                        <a:lnSpc>
+                          <a:spcPct val="100000"/>
+                        </a:lnSpc>
+                        <a:spcAft>
+                          <a:spcPts val="0"/>
+                        </a:spcAft>
+                      </a:pPr>
+                      <a:r>
+                        <a:rPr lang="en-US" sz="2000" b="0" dirty="0" err="1">
+                          <a:solidFill>
+                            <a:schemeClr val="bg2"/>
+                          </a:solidFill>
+                        </a:rPr>
+                        <a:t>Pandasql</a:t>
+                      </a:r>
+                      <a:endParaRPr lang="en-US" sz="2000" b="0" dirty="0">
+                        <a:solidFill>
+                          <a:schemeClr val="bg2"/>
+                        </a:solidFill>
+                      </a:endParaRPr>
+                    </a:p>
+                  </a:txBody>
+                  <a:tcPr anchor="ctr">
+                    <a:lnB w="12700" cap="flat" cmpd="sng" algn="ctr">
+                      <a:solidFill>
+                        <a:schemeClr val="bg1">
+                          <a:lumMod val="65000"/>
+                        </a:schemeClr>
+                      </a:solidFill>
+                      <a:prstDash val="solid"/>
+                      <a:round/>
+                      <a:headEnd type="none" w="med" len="med"/>
+                      <a:tailEnd type="none" w="med" len="med"/>
+                    </a:lnB>
+                    <a:noFill/>
+                  </a:tcPr>
+                </a:tc>
+                <a:extLst>
+                  <a:ext uri="{0D108BD9-81ED-4DB2-BD59-A6C34878D82A}">
+                    <a16:rowId xmlns:a16="http://schemas.microsoft.com/office/drawing/2014/main" val="2552317535"/>
+                  </a:ext>
+                </a:extLst>
+              </a:tr>
+              <a:tr h="548640">
+                <a:tc>
+                  <a:txBody>
+                    <a:bodyPr/>
+                    <a:lstStyle/>
+                    <a:p>
+                      <a:pPr>
+                        <a:lnSpc>
+                          <a:spcPct val="100000"/>
+                        </a:lnSpc>
+                        <a:spcAft>
+                          <a:spcPts val="0"/>
+                        </a:spcAft>
+                      </a:pPr>
+                      <a:r>
+                        <a:rPr lang="en-US" sz="2000" b="1" dirty="0">
+                          <a:solidFill>
+                            <a:schemeClr val="tx1"/>
+                          </a:solidFill>
+                        </a:rPr>
+                        <a:t>Statistics Primer</a:t>
+                      </a:r>
+                    </a:p>
+                  </a:txBody>
+                  <a:tcPr anchor="ctr">
+                    <a:lnT w="12700" cap="flat" cmpd="sng" algn="ctr">
+                      <a:solidFill>
+                        <a:schemeClr val="bg1">
+                          <a:lumMod val="65000"/>
+                        </a:schemeClr>
+                      </a:solidFill>
+                      <a:prstDash val="solid"/>
+                      <a:round/>
+                      <a:headEnd type="none" w="med" len="med"/>
+                      <a:tailEnd type="none" w="med" len="med"/>
+                    </a:lnT>
+                    <a:lnB w="12700" cap="flat" cmpd="sng" algn="ctr">
+                      <a:solidFill>
+                        <a:schemeClr val="bg1">
+                          <a:lumMod val="65000"/>
+                        </a:schemeClr>
+                      </a:solidFill>
+                      <a:prstDash val="solid"/>
+                      <a:round/>
+                      <a:headEnd type="none" w="med" len="med"/>
+                      <a:tailEnd type="none" w="med" len="med"/>
+                    </a:lnB>
+                    <a:noFill/>
+                  </a:tcPr>
+                </a:tc>
+                <a:extLst>
+                  <a:ext uri="{0D108BD9-81ED-4DB2-BD59-A6C34878D82A}">
+                    <a16:rowId xmlns:a16="http://schemas.microsoft.com/office/drawing/2014/main" val="2307098774"/>
+                  </a:ext>
+                </a:extLst>
+              </a:tr>
+              <a:tr h="548640">
+                <a:tc>
+                  <a:txBody>
+                    <a:bodyPr/>
+                    <a:lstStyle/>
+                    <a:p>
+                      <a:pPr>
+                        <a:lnSpc>
+                          <a:spcPct val="100000"/>
+                        </a:lnSpc>
+                        <a:spcAft>
+                          <a:spcPts val="0"/>
+                        </a:spcAft>
+                      </a:pPr>
+                      <a:r>
+                        <a:rPr lang="en-US" sz="2000" dirty="0">
+                          <a:solidFill>
+                            <a:schemeClr val="bg1">
+                              <a:lumMod val="65000"/>
+                            </a:schemeClr>
+                          </a:solidFill>
+                        </a:rPr>
+                        <a:t>Basic ETL and Reshaping</a:t>
+                      </a:r>
+                    </a:p>
+                  </a:txBody>
+                  <a:tcPr anchor="ctr">
+                    <a:lnT w="12700" cap="flat" cmpd="sng" algn="ctr">
+                      <a:solidFill>
+                        <a:schemeClr val="bg1">
+                          <a:lumMod val="65000"/>
+                        </a:schemeClr>
+                      </a:solidFill>
+                      <a:prstDash val="solid"/>
+                      <a:round/>
+                      <a:headEnd type="none" w="med" len="med"/>
+                      <a:tailEnd type="none" w="med" len="med"/>
+                    </a:lnT>
+                    <a:lnB w="12700" cap="flat" cmpd="sng" algn="ctr">
+                      <a:solidFill>
+                        <a:schemeClr val="bg1">
+                          <a:lumMod val="65000"/>
+                        </a:schemeClr>
+                      </a:solidFill>
+                      <a:prstDash val="solid"/>
+                      <a:round/>
+                      <a:headEnd type="none" w="med" len="med"/>
+                      <a:tailEnd type="none" w="med" len="med"/>
+                    </a:lnB>
+                    <a:noFill/>
+                  </a:tcPr>
+                </a:tc>
+                <a:extLst>
+                  <a:ext uri="{0D108BD9-81ED-4DB2-BD59-A6C34878D82A}">
+                    <a16:rowId xmlns:a16="http://schemas.microsoft.com/office/drawing/2014/main" val="1466711860"/>
+                  </a:ext>
+                </a:extLst>
+              </a:tr>
+              <a:tr h="548640">
+                <a:tc>
+                  <a:txBody>
+                    <a:bodyPr/>
+                    <a:lstStyle/>
+                    <a:p>
+                      <a:pPr>
+                        <a:lnSpc>
+                          <a:spcPct val="100000"/>
+                        </a:lnSpc>
+                        <a:spcAft>
+                          <a:spcPts val="0"/>
+                        </a:spcAft>
+                      </a:pPr>
+                      <a:r>
+                        <a:rPr lang="en-US" sz="2000" dirty="0">
+                          <a:solidFill>
+                            <a:schemeClr val="bg1">
+                              <a:lumMod val="65000"/>
+                            </a:schemeClr>
+                          </a:solidFill>
+                        </a:rPr>
+                        <a:t>Splitting Data</a:t>
+                      </a:r>
+                    </a:p>
+                  </a:txBody>
+                  <a:tcPr anchor="ctr">
+                    <a:lnT w="12700" cap="flat" cmpd="sng" algn="ctr">
+                      <a:solidFill>
+                        <a:schemeClr val="bg1">
+                          <a:lumMod val="65000"/>
+                        </a:schemeClr>
+                      </a:solidFill>
+                      <a:prstDash val="solid"/>
+                      <a:round/>
+                      <a:headEnd type="none" w="med" len="med"/>
+                      <a:tailEnd type="none" w="med" len="med"/>
+                    </a:lnT>
+                    <a:lnB w="12700" cap="flat" cmpd="sng" algn="ctr">
+                      <a:solidFill>
+                        <a:schemeClr val="bg1">
+                          <a:lumMod val="65000"/>
+                        </a:schemeClr>
+                      </a:solidFill>
+                      <a:prstDash val="solid"/>
+                      <a:round/>
+                      <a:headEnd type="none" w="med" len="med"/>
+                      <a:tailEnd type="none" w="med" len="med"/>
+                    </a:lnB>
+                    <a:noFill/>
+                  </a:tcPr>
+                </a:tc>
+                <a:extLst>
+                  <a:ext uri="{0D108BD9-81ED-4DB2-BD59-A6C34878D82A}">
+                    <a16:rowId xmlns:a16="http://schemas.microsoft.com/office/drawing/2014/main" val="1924402624"/>
+                  </a:ext>
+                </a:extLst>
+              </a:tr>
+              <a:tr h="548640">
+                <a:tc>
+                  <a:txBody>
+                    <a:bodyPr/>
+                    <a:lstStyle/>
+                    <a:p>
+                      <a:pPr>
+                        <a:lnSpc>
+                          <a:spcPct val="100000"/>
+                        </a:lnSpc>
+                        <a:spcAft>
+                          <a:spcPts val="0"/>
+                        </a:spcAft>
+                      </a:pPr>
+                      <a:r>
+                        <a:rPr lang="en-US" sz="2000" dirty="0">
+                          <a:solidFill>
+                            <a:schemeClr val="bg1">
+                              <a:lumMod val="65000"/>
+                            </a:schemeClr>
+                          </a:solidFill>
+                        </a:rPr>
+                        <a:t>Free-Form Text</a:t>
+                      </a:r>
+                    </a:p>
+                  </a:txBody>
+                  <a:tcPr anchor="ctr">
+                    <a:lnT w="12700" cap="flat" cmpd="sng" algn="ctr">
+                      <a:solidFill>
+                        <a:schemeClr val="bg1">
+                          <a:lumMod val="65000"/>
+                        </a:schemeClr>
+                      </a:solidFill>
+                      <a:prstDash val="solid"/>
+                      <a:round/>
+                      <a:headEnd type="none" w="med" len="med"/>
+                      <a:tailEnd type="none" w="med" len="med"/>
+                    </a:lnT>
+                    <a:lnB w="12700" cap="flat" cmpd="sng" algn="ctr">
+                      <a:solidFill>
+                        <a:schemeClr val="bg1">
+                          <a:lumMod val="65000"/>
+                        </a:schemeClr>
+                      </a:solidFill>
+                      <a:prstDash val="solid"/>
+                      <a:round/>
+                      <a:headEnd type="none" w="med" len="med"/>
+                      <a:tailEnd type="none" w="med" len="med"/>
+                    </a:lnB>
+                    <a:noFill/>
+                  </a:tcPr>
+                </a:tc>
+                <a:extLst>
+                  <a:ext uri="{0D108BD9-81ED-4DB2-BD59-A6C34878D82A}">
+                    <a16:rowId xmlns:a16="http://schemas.microsoft.com/office/drawing/2014/main" val="2634114360"/>
+                  </a:ext>
+                </a:extLst>
+              </a:tr>
+              <a:tr h="548640">
+                <a:tc>
+                  <a:txBody>
+                    <a:bodyPr/>
+                    <a:lstStyle/>
+                    <a:p>
+                      <a:pPr>
+                        <a:lnSpc>
+                          <a:spcPct val="100000"/>
+                        </a:lnSpc>
+                        <a:spcAft>
+                          <a:spcPts val="0"/>
+                        </a:spcAft>
+                      </a:pPr>
+                      <a:r>
+                        <a:rPr lang="en-US" sz="2000" dirty="0">
+                          <a:solidFill>
+                            <a:schemeClr val="bg1">
+                              <a:lumMod val="65000"/>
+                            </a:schemeClr>
+                          </a:solidFill>
+                        </a:rPr>
+                        <a:t>Chapter Summary</a:t>
+                      </a:r>
+                    </a:p>
+                  </a:txBody>
+                  <a:tcPr anchor="ctr">
+                    <a:lnT w="12700" cap="flat" cmpd="sng" algn="ctr">
+                      <a:solidFill>
+                        <a:schemeClr val="bg1">
+                          <a:lumMod val="65000"/>
+                        </a:schemeClr>
+                      </a:solidFill>
+                      <a:prstDash val="solid"/>
+                      <a:round/>
+                      <a:headEnd type="none" w="med" len="med"/>
+                      <a:tailEnd type="none" w="med" len="med"/>
+                    </a:lnT>
+                    <a:lnB w="12700" cap="flat" cmpd="sng" algn="ctr">
+                      <a:solidFill>
+                        <a:schemeClr val="bg1">
+                          <a:lumMod val="65000"/>
+                        </a:schemeClr>
+                      </a:solidFill>
+                      <a:prstDash val="solid"/>
+                      <a:round/>
+                      <a:headEnd type="none" w="med" len="med"/>
+                      <a:tailEnd type="none" w="med" len="med"/>
+                    </a:lnB>
+                    <a:noFill/>
+                  </a:tcPr>
+                </a:tc>
+                <a:extLst>
+                  <a:ext uri="{0D108BD9-81ED-4DB2-BD59-A6C34878D82A}">
+                    <a16:rowId xmlns:a16="http://schemas.microsoft.com/office/drawing/2014/main" val="376303497"/>
+                  </a:ext>
+                </a:extLst>
+              </a:tr>
+            </a:tbl>
+          </a:graphicData>
+        </a:graphic>
+      </p:graphicFrame>
+    </p:spTree>
+    <p:extLst>
+      <p:ext uri="{BB962C8B-B14F-4D97-AF65-F5344CB8AC3E}">
+        <p14:creationId xmlns:p14="http://schemas.microsoft.com/office/powerpoint/2010/main" val="103083531"/>
+      </p:ext>
+    </p:extLst>
+  </p:cSld>
+  <p:clrMapOvr>
+    <a:masterClrMapping/>
+  </p:clrMapOvr>
+</p:sld>
+</file>
+
+<file path=ppt/slides/slide6.xml><?xml version="1.0" encoding="utf-8"?>
+<p:sld xmlns:a="http://schemas.openxmlformats.org/drawingml/2006/main" xmlns:r="http://schemas.openxmlformats.org/officeDocument/2006/relationships" xmlns:p="http://schemas.openxmlformats.org/presentationml/2006/main">
+  <p:cSld>
+    <p:spTree>
+      <p:nvGrpSpPr>
+        <p:cNvPr id="1" name=""/>
+        <p:cNvGrpSpPr/>
+        <p:nvPr/>
+      </p:nvGrpSpPr>
+      <p:grpSpPr>
+        <a:xfrm>
+          <a:off x="0" y="0"/>
+          <a:ext cx="0" cy="0"/>
+          <a:chOff x="0" y="0"/>
+          <a:chExt cx="0" cy="0"/>
+        </a:xfrm>
+      </p:grpSpPr>
+      <p:sp>
+        <p:nvSpPr>
+          <p:cNvPr id="3" name="Content Placeholder 2"/>
+          <p:cNvSpPr>
+            <a:spLocks noGrp="1"/>
+          </p:cNvSpPr>
+          <p:nvPr>
+            <p:ph idx="1"/>
+          </p:nvPr>
+        </p:nvSpPr>
+        <p:spPr/>
+        <p:txBody>
+          <a:bodyPr/>
+          <a:lstStyle/>
+          <a:p>
+            <a:r>
               <a:rPr lang="en-US" dirty="0"/>
               <a:t>Statistics is a branch of mathematics that deals with collecting, organizing, analyzing, interpreting, and presenting data</a:t>
             </a:r>
@@ -14996,7 +16888,7 @@
 </p:sld>
 </file>
 
-<file path=ppt/slides/slide5.xml><?xml version="1.0" encoding="utf-8"?>
+<file path=ppt/slides/slide7.xml><?xml version="1.0" encoding="utf-8"?>
 <p:sld xmlns:a="http://schemas.openxmlformats.org/drawingml/2006/main" xmlns:r="http://schemas.openxmlformats.org/officeDocument/2006/relationships" xmlns:p="http://schemas.openxmlformats.org/presentationml/2006/main">
   <p:cSld>
     <p:spTree>
@@ -15352,7 +17244,7 @@
 </p:sld>
 </file>
 
-<file path=ppt/slides/slide6.xml><?xml version="1.0" encoding="utf-8"?>
+<file path=ppt/slides/slide8.xml><?xml version="1.0" encoding="utf-8"?>
 <p:sld xmlns:a="http://schemas.openxmlformats.org/drawingml/2006/main" xmlns:r="http://schemas.openxmlformats.org/officeDocument/2006/relationships" xmlns:p="http://schemas.openxmlformats.org/presentationml/2006/main">
   <p:cSld>
     <p:spTree>
@@ -15642,7 +17534,7 @@
 </p:sld>
 </file>
 
-<file path=ppt/slides/slide7.xml><?xml version="1.0" encoding="utf-8"?>
+<file path=ppt/slides/slide9.xml><?xml version="1.0" encoding="utf-8"?>
 <p:sld xmlns:a="http://schemas.openxmlformats.org/drawingml/2006/main" xmlns:r="http://schemas.openxmlformats.org/officeDocument/2006/relationships" xmlns:p="http://schemas.openxmlformats.org/presentationml/2006/main">
   <p:cSld>
     <p:spTree>
@@ -15917,610 +17809,6 @@
     <p:extLst>
       <p:ext uri="{BB962C8B-B14F-4D97-AF65-F5344CB8AC3E}">
         <p14:creationId xmlns:p14="http://schemas.microsoft.com/office/powerpoint/2010/main" val="4278808639"/>
-      </p:ext>
-    </p:extLst>
-  </p:cSld>
-  <p:clrMapOvr>
-    <a:masterClrMapping/>
-  </p:clrMapOvr>
-</p:sld>
-</file>
-
-<file path=ppt/slides/slide8.xml><?xml version="1.0" encoding="utf-8"?>
-<p:sld xmlns:a="http://schemas.openxmlformats.org/drawingml/2006/main" xmlns:r="http://schemas.openxmlformats.org/officeDocument/2006/relationships" xmlns:p="http://schemas.openxmlformats.org/presentationml/2006/main">
-  <p:cSld>
-    <p:spTree>
-      <p:nvGrpSpPr>
-        <p:cNvPr id="1" name=""/>
-        <p:cNvGrpSpPr/>
-        <p:nvPr/>
-      </p:nvGrpSpPr>
-      <p:grpSpPr>
-        <a:xfrm>
-          <a:off x="0" y="0"/>
-          <a:ext cx="0" cy="0"/>
-          <a:chOff x="0" y="0"/>
-          <a:chExt cx="0" cy="0"/>
-        </a:xfrm>
-      </p:grpSpPr>
-      <p:sp>
-        <p:nvSpPr>
-          <p:cNvPr id="3" name="Content Placeholder 2"/>
-          <p:cNvSpPr>
-            <a:spLocks noGrp="1"/>
-          </p:cNvSpPr>
-          <p:nvPr>
-            <p:ph idx="1"/>
-          </p:nvPr>
-        </p:nvSpPr>
-        <p:spPr/>
-        <p:txBody>
-          <a:bodyPr/>
-          <a:lstStyle/>
-          <a:p>
-            <a:r>
-              <a:rPr lang="en-US" dirty="0"/>
-              <a:t>For categorical data, a bar chart is a good option</a:t>
-            </a:r>
-          </a:p>
-          <a:p>
-            <a:pPr marL="0" indent="0">
-              <a:buNone/>
-            </a:pPr>
-            <a:endParaRPr lang="en-US" dirty="0"/>
-          </a:p>
-        </p:txBody>
-      </p:sp>
-      <p:sp>
-        <p:nvSpPr>
-          <p:cNvPr id="2" name="Title 1"/>
-          <p:cNvSpPr>
-            <a:spLocks noGrp="1"/>
-          </p:cNvSpPr>
-          <p:nvPr>
-            <p:ph type="title"/>
-          </p:nvPr>
-        </p:nvSpPr>
-        <p:spPr/>
-        <p:txBody>
-          <a:bodyPr/>
-          <a:lstStyle/>
-          <a:p>
-            <a:r>
-              <a:rPr lang="en-US" dirty="0"/>
-              <a:t>Bar Chart</a:t>
-            </a:r>
-          </a:p>
-        </p:txBody>
-      </p:sp>
-      <p:sp>
-        <p:nvSpPr>
-          <p:cNvPr id="4" name="TextBox 3">
-            <a:extLst>
-              <a:ext uri="{FF2B5EF4-FFF2-40B4-BE49-F238E27FC236}">
-                <a16:creationId xmlns:a16="http://schemas.microsoft.com/office/drawing/2014/main" id="{989E718B-62F2-BA4F-979C-72BAFF18F2F8}"/>
-              </a:ext>
-            </a:extLst>
-          </p:cNvPr>
-          <p:cNvSpPr txBox="1"/>
-          <p:nvPr/>
-        </p:nvSpPr>
-        <p:spPr>
-          <a:xfrm>
-            <a:off x="929477" y="1659701"/>
-            <a:ext cx="6792676" cy="1169551"/>
-          </a:xfrm>
-          <a:prstGeom prst="rect">
-            <a:avLst/>
-          </a:prstGeom>
-          <a:noFill/>
-          <a:ln w="28575" algn="ctr">
-            <a:solidFill>
-              <a:schemeClr val="accent2">
-                <a:lumMod val="20000"/>
-                <a:lumOff val="80000"/>
-              </a:schemeClr>
-            </a:solidFill>
-            <a:miter lim="800000"/>
-            <a:headEnd/>
-            <a:tailEnd/>
-          </a:ln>
-          <a:effectLst/>
-        </p:spPr>
-        <p:txBody>
-          <a:bodyPr wrap="square">
-            <a:spAutoFit/>
-          </a:bodyPr>
-          <a:lstStyle>
-            <a:defPPr>
-              <a:defRPr lang="en-US"/>
-            </a:defPPr>
-            <a:lvl1pPr marL="0" defTabSz="914400" eaLnBrk="1" latinLnBrk="0" hangingPunct="1">
-              <a:defRPr sz="1400">
-                <a:solidFill>
-                  <a:schemeClr val="tx1"/>
-                </a:solidFill>
-                <a:latin typeface="Courier New" pitchFamily="49" charset="0"/>
-                <a:cs typeface="+mn-cs"/>
-              </a:defRPr>
-            </a:lvl1pPr>
-            <a:lvl2pPr marL="742950" indent="-285750" defTabSz="914400" latinLnBrk="0">
-              <a:defRPr sz="1400">
-                <a:solidFill>
-                  <a:schemeClr val="tx1"/>
-                </a:solidFill>
-                <a:latin typeface="Arial" charset="0"/>
-                <a:cs typeface="+mn-cs"/>
-              </a:defRPr>
-            </a:lvl2pPr>
-            <a:lvl3pPr marL="1143000" indent="-228600" defTabSz="914400" latinLnBrk="0">
-              <a:defRPr sz="1400">
-                <a:solidFill>
-                  <a:schemeClr val="tx1"/>
-                </a:solidFill>
-                <a:latin typeface="Arial" charset="0"/>
-                <a:cs typeface="+mn-cs"/>
-              </a:defRPr>
-            </a:lvl3pPr>
-            <a:lvl4pPr marL="1600200" indent="-228600" defTabSz="914400" latinLnBrk="0">
-              <a:defRPr sz="1400">
-                <a:solidFill>
-                  <a:schemeClr val="tx1"/>
-                </a:solidFill>
-                <a:latin typeface="Arial" charset="0"/>
-                <a:cs typeface="+mn-cs"/>
-              </a:defRPr>
-            </a:lvl4pPr>
-            <a:lvl5pPr marL="2057400" indent="-228600" defTabSz="914400" latinLnBrk="0">
-              <a:defRPr sz="1400">
-                <a:solidFill>
-                  <a:schemeClr val="tx1"/>
-                </a:solidFill>
-                <a:latin typeface="Arial" charset="0"/>
-                <a:cs typeface="+mn-cs"/>
-              </a:defRPr>
-            </a:lvl5pPr>
-            <a:lvl6pPr marL="2514600" indent="-228600" eaLnBrk="0" fontAlgn="base" hangingPunct="0">
-              <a:spcBef>
-                <a:spcPct val="0"/>
-              </a:spcBef>
-              <a:spcAft>
-                <a:spcPct val="0"/>
-              </a:spcAft>
-              <a:defRPr sz="1400">
-                <a:solidFill>
-                  <a:schemeClr val="tx1"/>
-                </a:solidFill>
-                <a:latin typeface="Arial" charset="0"/>
-                <a:cs typeface="+mn-cs"/>
-              </a:defRPr>
-            </a:lvl6pPr>
-            <a:lvl7pPr marL="2971800" indent="-228600" eaLnBrk="0" fontAlgn="base" hangingPunct="0">
-              <a:spcBef>
-                <a:spcPct val="0"/>
-              </a:spcBef>
-              <a:spcAft>
-                <a:spcPct val="0"/>
-              </a:spcAft>
-              <a:defRPr sz="1400">
-                <a:solidFill>
-                  <a:schemeClr val="tx1"/>
-                </a:solidFill>
-                <a:latin typeface="Arial" charset="0"/>
-                <a:cs typeface="+mn-cs"/>
-              </a:defRPr>
-            </a:lvl7pPr>
-            <a:lvl8pPr marL="3429000" indent="-228600" eaLnBrk="0" fontAlgn="base" hangingPunct="0">
-              <a:spcBef>
-                <a:spcPct val="0"/>
-              </a:spcBef>
-              <a:spcAft>
-                <a:spcPct val="0"/>
-              </a:spcAft>
-              <a:defRPr sz="1400">
-                <a:solidFill>
-                  <a:schemeClr val="tx1"/>
-                </a:solidFill>
-                <a:latin typeface="Arial" charset="0"/>
-                <a:cs typeface="+mn-cs"/>
-              </a:defRPr>
-            </a:lvl8pPr>
-            <a:lvl9pPr marL="3886200" indent="-228600" eaLnBrk="0" fontAlgn="base" hangingPunct="0">
-              <a:spcBef>
-                <a:spcPct val="0"/>
-              </a:spcBef>
-              <a:spcAft>
-                <a:spcPct val="0"/>
-              </a:spcAft>
-              <a:defRPr sz="1400">
-                <a:solidFill>
-                  <a:schemeClr val="tx1"/>
-                </a:solidFill>
-                <a:latin typeface="Arial" charset="0"/>
-                <a:cs typeface="+mn-cs"/>
-              </a:defRPr>
-            </a:lvl9pPr>
-          </a:lstStyle>
-          <a:p>
-            <a:r>
-              <a:rPr lang="en-US" b="1" dirty="0"/>
-              <a:t>df = pd.DataFrame([('Male', 10),('Male', 11), ('Female', 11), ('Female', 12), ('Female', 12)], columns=['Gender','Age'])</a:t>
-            </a:r>
-          </a:p>
-          <a:p>
-            <a:r>
-              <a:rPr lang="en-US" b="1" dirty="0"/>
-              <a:t>x = df.groupby('Gender').count()</a:t>
-            </a:r>
-          </a:p>
-          <a:p>
-            <a:r>
-              <a:rPr lang="en-US" b="1" dirty="0"/>
-              <a:t>print (x)</a:t>
-            </a:r>
-          </a:p>
-          <a:p>
-            <a:r>
-              <a:rPr lang="en-US" b="1" dirty="0" err="1"/>
-              <a:t>x.plot</a:t>
-            </a:r>
-            <a:r>
-              <a:rPr lang="en-US" b="1" dirty="0"/>
-              <a:t>(kind='bar')</a:t>
-            </a:r>
-          </a:p>
-        </p:txBody>
-      </p:sp>
-      <p:pic>
-        <p:nvPicPr>
-          <p:cNvPr id="6" name="Picture 5"/>
-          <p:cNvPicPr>
-            <a:picLocks noChangeAspect="1"/>
-          </p:cNvPicPr>
-          <p:nvPr/>
-        </p:nvPicPr>
-        <p:blipFill>
-          <a:blip r:embed="rId3">
-            <a:extLst>
-              <a:ext uri="{28A0092B-C50C-407E-A947-70E740481C1C}">
-                <a14:useLocalDpi xmlns:a14="http://schemas.microsoft.com/office/drawing/2010/main" val="0"/>
-              </a:ext>
-            </a:extLst>
-          </a:blip>
-          <a:stretch>
-            <a:fillRect/>
-          </a:stretch>
-        </p:blipFill>
-        <p:spPr>
-          <a:xfrm>
-            <a:off x="4196993" y="2596994"/>
-            <a:ext cx="4279041" cy="3631236"/>
-          </a:xfrm>
-          <a:prstGeom prst="rect">
-            <a:avLst/>
-          </a:prstGeom>
-          <a:ln>
-            <a:solidFill>
-              <a:schemeClr val="accent3"/>
-            </a:solidFill>
-          </a:ln>
-        </p:spPr>
-      </p:pic>
-    </p:spTree>
-    <p:extLst>
-      <p:ext uri="{BB962C8B-B14F-4D97-AF65-F5344CB8AC3E}">
-        <p14:creationId xmlns:p14="http://schemas.microsoft.com/office/powerpoint/2010/main" val="3840573225"/>
-      </p:ext>
-    </p:extLst>
-  </p:cSld>
-  <p:clrMapOvr>
-    <a:masterClrMapping/>
-  </p:clrMapOvr>
-</p:sld>
-</file>
-
-<file path=ppt/slides/slide9.xml><?xml version="1.0" encoding="utf-8"?>
-<p:sld xmlns:a="http://schemas.openxmlformats.org/drawingml/2006/main" xmlns:r="http://schemas.openxmlformats.org/officeDocument/2006/relationships" xmlns:p="http://schemas.openxmlformats.org/presentationml/2006/main">
-  <p:cSld>
-    <p:spTree>
-      <p:nvGrpSpPr>
-        <p:cNvPr id="1" name=""/>
-        <p:cNvGrpSpPr/>
-        <p:nvPr/>
-      </p:nvGrpSpPr>
-      <p:grpSpPr>
-        <a:xfrm>
-          <a:off x="0" y="0"/>
-          <a:ext cx="0" cy="0"/>
-          <a:chOff x="0" y="0"/>
-          <a:chExt cx="0" cy="0"/>
-        </a:xfrm>
-      </p:grpSpPr>
-      <p:sp>
-        <p:nvSpPr>
-          <p:cNvPr id="3" name="Content Placeholder 2"/>
-          <p:cNvSpPr>
-            <a:spLocks noGrp="1"/>
-          </p:cNvSpPr>
-          <p:nvPr>
-            <p:ph idx="1"/>
-          </p:nvPr>
-        </p:nvSpPr>
-        <p:spPr/>
-        <p:txBody>
-          <a:bodyPr/>
-          <a:lstStyle/>
-          <a:p>
-            <a:r>
-              <a:rPr lang="en-US" dirty="0"/>
-              <a:t>Useful for describing how measurements are distributed in the data</a:t>
-            </a:r>
-          </a:p>
-          <a:p>
-            <a:r>
-              <a:rPr lang="en-US" dirty="0"/>
-              <a:t>The average IQ is 100 and the standard deviation is 15 points</a:t>
-            </a:r>
-          </a:p>
-          <a:p>
-            <a:r>
-              <a:rPr lang="en-US" dirty="0"/>
-              <a:t>A person with an IQ of 115 is one standard deviation above the mean</a:t>
-            </a:r>
-          </a:p>
-          <a:p>
-            <a:r>
-              <a:rPr lang="en-US" dirty="0"/>
-              <a:t>A person with an IQ of 85 is one standard deviation below the mean</a:t>
-            </a:r>
-          </a:p>
-          <a:p>
-            <a:r>
-              <a:rPr lang="en-US" dirty="0"/>
-              <a:t>A person with an IQ of 130 is two standard deviations above the mean</a:t>
-            </a:r>
-          </a:p>
-          <a:p>
-            <a:r>
-              <a:rPr lang="en-US" dirty="0"/>
-              <a:t>By definition, 68% lie within 1 standard deviation, 95% within 2, and 99% within 3</a:t>
-            </a:r>
-          </a:p>
-          <a:p>
-            <a:endParaRPr lang="en-US" dirty="0"/>
-          </a:p>
-          <a:p>
-            <a:pPr marL="0" indent="0">
-              <a:buNone/>
-            </a:pPr>
-            <a:endParaRPr lang="en-US" dirty="0"/>
-          </a:p>
-        </p:txBody>
-      </p:sp>
-      <p:sp>
-        <p:nvSpPr>
-          <p:cNvPr id="2" name="Title 1"/>
-          <p:cNvSpPr>
-            <a:spLocks noGrp="1"/>
-          </p:cNvSpPr>
-          <p:nvPr>
-            <p:ph type="title"/>
-          </p:nvPr>
-        </p:nvSpPr>
-        <p:spPr/>
-        <p:txBody>
-          <a:bodyPr/>
-          <a:lstStyle/>
-          <a:p>
-            <a:r>
-              <a:rPr lang="en-US" dirty="0"/>
-              <a:t>Standard Deviation</a:t>
-            </a:r>
-          </a:p>
-        </p:txBody>
-      </p:sp>
-      <p:pic>
-        <p:nvPicPr>
-          <p:cNvPr id="6" name="Picture 5">
-            <a:extLst>
-              <a:ext uri="{FF2B5EF4-FFF2-40B4-BE49-F238E27FC236}">
-                <a16:creationId xmlns:a16="http://schemas.microsoft.com/office/drawing/2014/main" id="{A5C5CDA1-748C-9348-9F1D-1E524D1A6709}"/>
-              </a:ext>
-            </a:extLst>
-          </p:cNvPr>
-          <p:cNvPicPr>
-            <a:picLocks noChangeAspect="1"/>
-          </p:cNvPicPr>
-          <p:nvPr/>
-        </p:nvPicPr>
-        <p:blipFill>
-          <a:blip r:embed="rId3">
-            <a:extLst>
-              <a:ext uri="{28A0092B-C50C-407E-A947-70E740481C1C}">
-                <a14:useLocalDpi xmlns:a14="http://schemas.microsoft.com/office/drawing/2010/main" val="0"/>
-              </a:ext>
-            </a:extLst>
-          </a:blip>
-          <a:stretch>
-            <a:fillRect/>
-          </a:stretch>
-        </p:blipFill>
-        <p:spPr>
-          <a:xfrm>
-            <a:off x="1905000" y="3945745"/>
-            <a:ext cx="5334000" cy="2400300"/>
-          </a:xfrm>
-          <a:prstGeom prst="rect">
-            <a:avLst/>
-          </a:prstGeom>
-        </p:spPr>
-      </p:pic>
-      <p:sp>
-        <p:nvSpPr>
-          <p:cNvPr id="8" name="TextBox 7">
-            <a:extLst>
-              <a:ext uri="{FF2B5EF4-FFF2-40B4-BE49-F238E27FC236}">
-                <a16:creationId xmlns:a16="http://schemas.microsoft.com/office/drawing/2014/main" id="{11825CCD-B47A-B441-AED9-95DD4BD74BD5}"/>
-              </a:ext>
-            </a:extLst>
-          </p:cNvPr>
-          <p:cNvSpPr txBox="1"/>
-          <p:nvPr/>
-        </p:nvSpPr>
-        <p:spPr>
-          <a:xfrm>
-            <a:off x="5355772" y="3945745"/>
-            <a:ext cx="3245303" cy="523220"/>
-          </a:xfrm>
-          <a:prstGeom prst="rect">
-            <a:avLst/>
-          </a:prstGeom>
-          <a:noFill/>
-          <a:ln w="28575" algn="ctr">
-            <a:solidFill>
-              <a:schemeClr val="accent2">
-                <a:lumMod val="20000"/>
-                <a:lumOff val="80000"/>
-              </a:schemeClr>
-            </a:solidFill>
-            <a:miter lim="800000"/>
-            <a:headEnd/>
-            <a:tailEnd/>
-          </a:ln>
-          <a:effectLst/>
-        </p:spPr>
-        <p:txBody>
-          <a:bodyPr wrap="square">
-            <a:spAutoFit/>
-          </a:bodyPr>
-          <a:lstStyle>
-            <a:defPPr>
-              <a:defRPr lang="en-US"/>
-            </a:defPPr>
-            <a:lvl1pPr marL="0" defTabSz="914400" eaLnBrk="1" latinLnBrk="0" hangingPunct="1">
-              <a:defRPr sz="1400">
-                <a:solidFill>
-                  <a:schemeClr val="tx1"/>
-                </a:solidFill>
-                <a:latin typeface="Courier New" pitchFamily="49" charset="0"/>
-                <a:cs typeface="+mn-cs"/>
-              </a:defRPr>
-            </a:lvl1pPr>
-            <a:lvl2pPr marL="742950" indent="-285750" defTabSz="914400" latinLnBrk="0">
-              <a:defRPr sz="1400">
-                <a:solidFill>
-                  <a:schemeClr val="tx1"/>
-                </a:solidFill>
-                <a:latin typeface="Arial" charset="0"/>
-                <a:cs typeface="+mn-cs"/>
-              </a:defRPr>
-            </a:lvl2pPr>
-            <a:lvl3pPr marL="1143000" indent="-228600" defTabSz="914400" latinLnBrk="0">
-              <a:defRPr sz="1400">
-                <a:solidFill>
-                  <a:schemeClr val="tx1"/>
-                </a:solidFill>
-                <a:latin typeface="Arial" charset="0"/>
-                <a:cs typeface="+mn-cs"/>
-              </a:defRPr>
-            </a:lvl3pPr>
-            <a:lvl4pPr marL="1600200" indent="-228600" defTabSz="914400" latinLnBrk="0">
-              <a:defRPr sz="1400">
-                <a:solidFill>
-                  <a:schemeClr val="tx1"/>
-                </a:solidFill>
-                <a:latin typeface="Arial" charset="0"/>
-                <a:cs typeface="+mn-cs"/>
-              </a:defRPr>
-            </a:lvl4pPr>
-            <a:lvl5pPr marL="2057400" indent="-228600" defTabSz="914400" latinLnBrk="0">
-              <a:defRPr sz="1400">
-                <a:solidFill>
-                  <a:schemeClr val="tx1"/>
-                </a:solidFill>
-                <a:latin typeface="Arial" charset="0"/>
-                <a:cs typeface="+mn-cs"/>
-              </a:defRPr>
-            </a:lvl5pPr>
-            <a:lvl6pPr marL="2514600" indent="-228600" eaLnBrk="0" fontAlgn="base" hangingPunct="0">
-              <a:spcBef>
-                <a:spcPct val="0"/>
-              </a:spcBef>
-              <a:spcAft>
-                <a:spcPct val="0"/>
-              </a:spcAft>
-              <a:defRPr sz="1400">
-                <a:solidFill>
-                  <a:schemeClr val="tx1"/>
-                </a:solidFill>
-                <a:latin typeface="Arial" charset="0"/>
-                <a:cs typeface="+mn-cs"/>
-              </a:defRPr>
-            </a:lvl6pPr>
-            <a:lvl7pPr marL="2971800" indent="-228600" eaLnBrk="0" fontAlgn="base" hangingPunct="0">
-              <a:spcBef>
-                <a:spcPct val="0"/>
-              </a:spcBef>
-              <a:spcAft>
-                <a:spcPct val="0"/>
-              </a:spcAft>
-              <a:defRPr sz="1400">
-                <a:solidFill>
-                  <a:schemeClr val="tx1"/>
-                </a:solidFill>
-                <a:latin typeface="Arial" charset="0"/>
-                <a:cs typeface="+mn-cs"/>
-              </a:defRPr>
-            </a:lvl7pPr>
-            <a:lvl8pPr marL="3429000" indent="-228600" eaLnBrk="0" fontAlgn="base" hangingPunct="0">
-              <a:spcBef>
-                <a:spcPct val="0"/>
-              </a:spcBef>
-              <a:spcAft>
-                <a:spcPct val="0"/>
-              </a:spcAft>
-              <a:defRPr sz="1400">
-                <a:solidFill>
-                  <a:schemeClr val="tx1"/>
-                </a:solidFill>
-                <a:latin typeface="Arial" charset="0"/>
-                <a:cs typeface="+mn-cs"/>
-              </a:defRPr>
-            </a:lvl8pPr>
-            <a:lvl9pPr marL="3886200" indent="-228600" eaLnBrk="0" fontAlgn="base" hangingPunct="0">
-              <a:spcBef>
-                <a:spcPct val="0"/>
-              </a:spcBef>
-              <a:spcAft>
-                <a:spcPct val="0"/>
-              </a:spcAft>
-              <a:defRPr sz="1400">
-                <a:solidFill>
-                  <a:schemeClr val="tx1"/>
-                </a:solidFill>
-                <a:latin typeface="Arial" charset="0"/>
-                <a:cs typeface="+mn-cs"/>
-              </a:defRPr>
-            </a:lvl9pPr>
-          </a:lstStyle>
-          <a:p>
-            <a:r>
-              <a:rPr lang="en-US" b="1" dirty="0"/>
-              <a:t>print (df.std(), df.mean())</a:t>
-            </a:r>
-          </a:p>
-          <a:p>
-            <a:r>
-              <a:rPr lang="en-US" dirty="0"/>
-              <a:t>1.437336, 11.714286</a:t>
-            </a:r>
-          </a:p>
-        </p:txBody>
-      </p:sp>
-    </p:spTree>
-    <p:extLst>
-      <p:ext uri="{BB962C8B-B14F-4D97-AF65-F5344CB8AC3E}">
-        <p14:creationId xmlns:p14="http://schemas.microsoft.com/office/powerpoint/2010/main" val="1040177751"/>
       </p:ext>
     </p:extLst>
   </p:cSld>
@@ -17733,12 +19021,6 @@
 </file>
 
 <file path=customXml/item1.xml><?xml version="1.0" encoding="utf-8"?>
-<p:properties xmlns:p="http://schemas.microsoft.com/office/2006/metadata/properties" xmlns:xsi="http://www.w3.org/2001/XMLSchema-instance" xmlns:pc="http://schemas.microsoft.com/office/infopath/2007/PartnerControls">
-  <documentManagement/>
-</p:properties>
-</file>
-
-<file path=customXml/item2.xml><?xml version="1.0" encoding="utf-8"?>
 <ct:contentTypeSchema xmlns:ct="http://schemas.microsoft.com/office/2006/metadata/contentType" xmlns:ma="http://schemas.microsoft.com/office/2006/metadata/properties/metaAttributes" ct:_="" ma:_="" ma:contentTypeName="Document" ma:contentTypeID="0x0101004C58D7A746750E48B9E257CBBD401C71" ma:contentTypeVersion="5" ma:contentTypeDescription="Create a new document." ma:contentTypeScope="" ma:versionID="9b104746e7bcdc89d5c9d8909bc79033">
   <xsd:schema xmlns:xsd="http://www.w3.org/2001/XMLSchema" xmlns:xs="http://www.w3.org/2001/XMLSchema" xmlns:p="http://schemas.microsoft.com/office/2006/metadata/properties" xmlns:ns2="3f1ded34-099e-46dd-b0de-95a90e7e1e5f" targetNamespace="http://schemas.microsoft.com/office/2006/metadata/properties" ma:root="true" ma:fieldsID="39039af933a2d9dca5a96354c4c2b0ed" ns2:_="">
     <xsd:import namespace="3f1ded34-099e-46dd-b0de-95a90e7e1e5f"/>
@@ -17890,6 +19172,12 @@
 </ct:contentTypeSchema>
 </file>
 
+<file path=customXml/item2.xml><?xml version="1.0" encoding="utf-8"?>
+<p:properties xmlns:p="http://schemas.microsoft.com/office/2006/metadata/properties" xmlns:xsi="http://www.w3.org/2001/XMLSchema-instance" xmlns:pc="http://schemas.microsoft.com/office/infopath/2007/PartnerControls">
+  <documentManagement/>
+</p:properties>
+</file>
+
 <file path=customXml/item3.xml><?xml version="1.0" encoding="utf-8"?>
 <?mso-contentType ?>
 <FormTemplates xmlns="http://schemas.microsoft.com/sharepoint/v3/contenttype/forms">
@@ -17900,22 +19188,6 @@
 </file>
 
 <file path=customXml/itemProps1.xml><?xml version="1.0" encoding="utf-8"?>
-<ds:datastoreItem xmlns:ds="http://schemas.openxmlformats.org/officeDocument/2006/customXml" ds:itemID="{F47B9207-CE5C-49AD-B414-15CBFA246D65}">
-  <ds:schemaRefs>
-    <ds:schemaRef ds:uri="http://schemas.microsoft.com/office/2006/documentManagement/types"/>
-    <ds:schemaRef ds:uri="http://schemas.microsoft.com/office/infopath/2007/PartnerControls"/>
-    <ds:schemaRef ds:uri="http://purl.org/dc/elements/1.1/"/>
-    <ds:schemaRef ds:uri="http://schemas.microsoft.com/office/2006/metadata/properties"/>
-    <ds:schemaRef ds:uri="http://purl.org/dc/terms/"/>
-    <ds:schemaRef ds:uri="3f1ded34-099e-46dd-b0de-95a90e7e1e5f"/>
-    <ds:schemaRef ds:uri="http://schemas.openxmlformats.org/package/2006/metadata/core-properties"/>
-    <ds:schemaRef ds:uri="http://www.w3.org/XML/1998/namespace"/>
-    <ds:schemaRef ds:uri="http://purl.org/dc/dcmitype/"/>
-  </ds:schemaRefs>
-</ds:datastoreItem>
-</file>
-
-<file path=customXml/itemProps2.xml><?xml version="1.0" encoding="utf-8"?>
 <ds:datastoreItem xmlns:ds="http://schemas.openxmlformats.org/officeDocument/2006/customXml" ds:itemID="{6751EBC6-C433-43E6-8F46-C6D6D677BF51}">
   <ds:schemaRefs>
     <ds:schemaRef ds:uri="http://schemas.microsoft.com/office/2006/metadata/contentType"/>
@@ -17933,6 +19205,22 @@
 </ds:datastoreItem>
 </file>
 
+<file path=customXml/itemProps2.xml><?xml version="1.0" encoding="utf-8"?>
+<ds:datastoreItem xmlns:ds="http://schemas.openxmlformats.org/officeDocument/2006/customXml" ds:itemID="{F47B9207-CE5C-49AD-B414-15CBFA246D65}">
+  <ds:schemaRefs>
+    <ds:schemaRef ds:uri="http://schemas.microsoft.com/office/2006/documentManagement/types"/>
+    <ds:schemaRef ds:uri="http://schemas.microsoft.com/office/infopath/2007/PartnerControls"/>
+    <ds:schemaRef ds:uri="http://purl.org/dc/elements/1.1/"/>
+    <ds:schemaRef ds:uri="http://schemas.microsoft.com/office/2006/metadata/properties"/>
+    <ds:schemaRef ds:uri="http://purl.org/dc/terms/"/>
+    <ds:schemaRef ds:uri="3f1ded34-099e-46dd-b0de-95a90e7e1e5f"/>
+    <ds:schemaRef ds:uri="http://schemas.openxmlformats.org/package/2006/metadata/core-properties"/>
+    <ds:schemaRef ds:uri="http://www.w3.org/XML/1998/namespace"/>
+    <ds:schemaRef ds:uri="http://purl.org/dc/dcmitype/"/>
+  </ds:schemaRefs>
+</ds:datastoreItem>
+</file>
+
 <file path=customXml/itemProps3.xml><?xml version="1.0" encoding="utf-8"?>
 <ds:datastoreItem xmlns:ds="http://schemas.openxmlformats.org/officeDocument/2006/customXml" ds:itemID="{2DA015F3-603C-4688-A5F3-81D587DAB8C9}">
   <ds:schemaRefs>

--- a/Day4-DataPrep/Ch04-DataPreparation.pptx
+++ b/Day4-DataPrep/Ch04-DataPreparation.pptx
@@ -297,7 +297,7 @@
               <a:rPr lang="en-US" dirty="0">
                 <a:latin typeface="Tahoma" pitchFamily="34" charset="0"/>
               </a:rPr>
-              <a:t>811M: Python for Data Scientists</a:t>
+              <a:t>Python Program</a:t>
             </a:r>
           </a:p>
         </p:txBody>
@@ -819,7 +819,7 @@
                 </a:solidFill>
                 <a:latin typeface="Tahoma" pitchFamily="34" charset="0"/>
               </a:rPr>
-              <a:t>811M: Python for Data Scientists</a:t>
+              <a:t>Python Program</a:t>
             </a:r>
           </a:p>
         </p:txBody>
@@ -7482,7 +7482,7 @@
                 </a:solidFill>
                 <a:latin typeface="Tahoma" charset="0"/>
               </a:rPr>
-              <a:t>© 2019</a:t>
+              <a:t>© 2020</a:t>
             </a:r>
             <a:r>
               <a:rPr lang="en-US" sz="700" b="0" baseline="0" dirty="0">
@@ -7690,7 +7690,7 @@
                 <a:ea typeface="Tahoma" panose="020B0604030504040204" pitchFamily="34" charset="0"/>
                 <a:cs typeface="Tahoma" panose="020B0604030504040204" pitchFamily="34" charset="0"/>
               </a:rPr>
-              <a:t>811M: Python for Data Scientists</a:t>
+              <a:t>Python Program</a:t>
             </a:r>
           </a:p>
         </p:txBody>
@@ -8617,12 +8617,8 @@
           </a:p>
           <a:p>
             <a:r>
-              <a:rPr lang="en-US" b="1" dirty="0" err="1"/>
-              <a:t>x.plot</a:t>
-            </a:r>
-            <a:r>
               <a:rPr lang="en-US" b="1" dirty="0"/>
-              <a:t>(kind='bar')</a:t>
+              <a:t>x.plot(kind='bar')</a:t>
             </a:r>
           </a:p>
         </p:txBody>
@@ -9040,7 +9036,7 @@
           <p:nvPr>
             <p:extLst>
               <p:ext uri="{D42A27DB-BD31-4B8C-83A1-F6EECF244321}">
-                <p14:modId xmlns:p14="http://schemas.microsoft.com/office/powerpoint/2010/main" val="4155109023"/>
+                <p14:modId xmlns:p14="http://schemas.microsoft.com/office/powerpoint/2010/main" val="200207393"/>
               </p:ext>
             </p:extLst>
           </p:nvPr>
@@ -9070,7 +9066,7 @@
                     <a:bodyPr/>
                     <a:lstStyle/>
                     <a:p>
-                      <a:pPr>
+                      <a:pPr marL="0" algn="l" defTabSz="914400" rtl="0" eaLnBrk="1" latinLnBrk="0" hangingPunct="1">
                         <a:lnSpc>
                           <a:spcPct val="100000"/>
                         </a:lnSpc>
@@ -9079,18 +9075,18 @@
                         </a:spcAft>
                       </a:pPr>
                       <a:r>
-                        <a:rPr lang="en-US" sz="2000" b="0" dirty="0" err="1">
+                        <a:rPr lang="en-US" sz="2000" kern="1200" dirty="0">
                           <a:solidFill>
-                            <a:schemeClr val="bg2"/>
+                            <a:schemeClr val="bg1">
+                              <a:lumMod val="65000"/>
+                            </a:schemeClr>
                           </a:solidFill>
+                          <a:latin typeface="+mn-lt"/>
+                          <a:ea typeface="+mn-ea"/>
+                          <a:cs typeface="+mn-cs"/>
                         </a:rPr>
                         <a:t>Pandasql</a:t>
                       </a:r>
-                      <a:endParaRPr lang="en-US" sz="2000" b="0" dirty="0">
-                        <a:solidFill>
-                          <a:schemeClr val="bg2"/>
-                        </a:solidFill>
-                      </a:endParaRPr>
                     </a:p>
                   </a:txBody>
                   <a:tcPr anchor="ctr">
@@ -9120,7 +9116,7 @@
                     <a:bodyPr/>
                     <a:lstStyle/>
                     <a:p>
-                      <a:pPr>
+                      <a:pPr marL="0" algn="l" defTabSz="914400" rtl="0" eaLnBrk="1" latinLnBrk="0" hangingPunct="1">
                         <a:lnSpc>
                           <a:spcPct val="100000"/>
                         </a:lnSpc>
@@ -9129,10 +9125,15 @@
                         </a:spcAft>
                       </a:pPr>
                       <a:r>
-                        <a:rPr lang="en-US" sz="2000" b="0" dirty="0">
+                        <a:rPr lang="en-US" sz="2000" kern="1200" dirty="0">
                           <a:solidFill>
-                            <a:schemeClr val="bg2"/>
+                            <a:schemeClr val="bg1">
+                              <a:lumMod val="65000"/>
+                            </a:schemeClr>
                           </a:solidFill>
+                          <a:latin typeface="+mn-lt"/>
+                          <a:ea typeface="+mn-ea"/>
+                          <a:cs typeface="+mn-cs"/>
                         </a:rPr>
                         <a:t>Statistics Primer</a:t>
                       </a:r>
@@ -11652,10 +11653,9 @@
           </a:p>
           <a:p>
             <a:r>
-              <a:rPr lang="en-US" dirty="0" err="1"/>
+              <a:rPr lang="en-US" dirty="0"/>
               <a:t>Pandasql</a:t>
             </a:r>
-            <a:endParaRPr lang="en-US" dirty="0"/>
           </a:p>
           <a:p>
             <a:r>
@@ -12516,7 +12516,7 @@
           <p:nvPr>
             <p:extLst>
               <p:ext uri="{D42A27DB-BD31-4B8C-83A1-F6EECF244321}">
-                <p14:modId xmlns:p14="http://schemas.microsoft.com/office/powerpoint/2010/main" val="923841272"/>
+                <p14:modId xmlns:p14="http://schemas.microsoft.com/office/powerpoint/2010/main" val="506361634"/>
               </p:ext>
             </p:extLst>
           </p:nvPr>
@@ -12546,7 +12546,7 @@
                     <a:bodyPr/>
                     <a:lstStyle/>
                     <a:p>
-                      <a:pPr>
+                      <a:pPr marL="0" algn="l" defTabSz="914400" rtl="0" eaLnBrk="1" latinLnBrk="0" hangingPunct="1">
                         <a:lnSpc>
                           <a:spcPct val="100000"/>
                         </a:lnSpc>
@@ -12555,18 +12555,18 @@
                         </a:spcAft>
                       </a:pPr>
                       <a:r>
-                        <a:rPr lang="en-US" sz="2000" b="0" dirty="0" err="1">
+                        <a:rPr lang="en-US" sz="2000" kern="1200" dirty="0">
                           <a:solidFill>
-                            <a:schemeClr val="bg2"/>
+                            <a:schemeClr val="bg1">
+                              <a:lumMod val="65000"/>
+                            </a:schemeClr>
                           </a:solidFill>
+                          <a:latin typeface="+mn-lt"/>
+                          <a:ea typeface="+mn-ea"/>
+                          <a:cs typeface="+mn-cs"/>
                         </a:rPr>
                         <a:t>Pandasql</a:t>
                       </a:r>
-                      <a:endParaRPr lang="en-US" sz="2000" b="0" dirty="0">
-                        <a:solidFill>
-                          <a:schemeClr val="bg2"/>
-                        </a:solidFill>
-                      </a:endParaRPr>
                     </a:p>
                   </a:txBody>
                   <a:tcPr anchor="ctr">
@@ -12596,7 +12596,7 @@
                     <a:bodyPr/>
                     <a:lstStyle/>
                     <a:p>
-                      <a:pPr>
+                      <a:pPr marL="0" algn="l" defTabSz="914400" rtl="0" eaLnBrk="1" latinLnBrk="0" hangingPunct="1">
                         <a:lnSpc>
                           <a:spcPct val="100000"/>
                         </a:lnSpc>
@@ -12605,10 +12605,15 @@
                         </a:spcAft>
                       </a:pPr>
                       <a:r>
-                        <a:rPr lang="en-US" sz="2000" b="0" dirty="0">
+                        <a:rPr lang="en-US" sz="2000" kern="1200" dirty="0">
                           <a:solidFill>
-                            <a:schemeClr val="bg2"/>
+                            <a:schemeClr val="bg1">
+                              <a:lumMod val="65000"/>
+                            </a:schemeClr>
                           </a:solidFill>
+                          <a:latin typeface="+mn-lt"/>
+                          <a:ea typeface="+mn-ea"/>
+                          <a:cs typeface="+mn-cs"/>
                         </a:rPr>
                         <a:t>Statistics Primer</a:t>
                       </a:r>
@@ -12652,7 +12657,7 @@
                     <a:bodyPr/>
                     <a:lstStyle/>
                     <a:p>
-                      <a:pPr>
+                      <a:pPr marL="0" algn="l" defTabSz="914400" rtl="0" eaLnBrk="1" latinLnBrk="0" hangingPunct="1">
                         <a:lnSpc>
                           <a:spcPct val="100000"/>
                         </a:lnSpc>
@@ -12661,10 +12666,15 @@
                         </a:spcAft>
                       </a:pPr>
                       <a:r>
-                        <a:rPr lang="en-US" sz="2000" b="0" dirty="0">
+                        <a:rPr lang="en-US" sz="2000" kern="1200" dirty="0">
                           <a:solidFill>
-                            <a:schemeClr val="bg2"/>
+                            <a:schemeClr val="bg1">
+                              <a:lumMod val="65000"/>
+                            </a:schemeClr>
                           </a:solidFill>
+                          <a:latin typeface="+mn-lt"/>
+                          <a:ea typeface="+mn-ea"/>
+                          <a:cs typeface="+mn-cs"/>
                         </a:rPr>
                         <a:t>Basic ETL and Reshaping</a:t>
                       </a:r>
@@ -13797,7 +13807,7 @@
           <p:nvPr>
             <p:extLst>
               <p:ext uri="{D42A27DB-BD31-4B8C-83A1-F6EECF244321}">
-                <p14:modId xmlns:p14="http://schemas.microsoft.com/office/powerpoint/2010/main" val="3458737145"/>
+                <p14:modId xmlns:p14="http://schemas.microsoft.com/office/powerpoint/2010/main" val="3221377885"/>
               </p:ext>
             </p:extLst>
           </p:nvPr>
@@ -13836,18 +13846,18 @@
                         </a:spcAft>
                       </a:pPr>
                       <a:r>
-                        <a:rPr lang="en-US" sz="2000" b="0" dirty="0" err="1">
+                        <a:rPr lang="en-US" sz="2000" kern="1200" dirty="0">
                           <a:solidFill>
-                            <a:schemeClr val="bg2"/>
+                            <a:schemeClr val="bg1">
+                              <a:lumMod val="65000"/>
+                            </a:schemeClr>
                           </a:solidFill>
+                          <a:latin typeface="+mn-lt"/>
+                          <a:ea typeface="+mn-ea"/>
+                          <a:cs typeface="+mn-cs"/>
                         </a:rPr>
                         <a:t>Pandasql</a:t>
                       </a:r>
-                      <a:endParaRPr lang="en-US" sz="2000" b="0" dirty="0">
-                        <a:solidFill>
-                          <a:schemeClr val="bg2"/>
-                        </a:solidFill>
-                      </a:endParaRPr>
                     </a:p>
                   </a:txBody>
                   <a:tcPr anchor="ctr">
@@ -13877,7 +13887,7 @@
                     <a:bodyPr/>
                     <a:lstStyle/>
                     <a:p>
-                      <a:pPr>
+                      <a:pPr marL="0" algn="l" defTabSz="914400" rtl="0" eaLnBrk="1" latinLnBrk="0" hangingPunct="1">
                         <a:lnSpc>
                           <a:spcPct val="100000"/>
                         </a:lnSpc>
@@ -13886,10 +13896,15 @@
                         </a:spcAft>
                       </a:pPr>
                       <a:r>
-                        <a:rPr lang="en-US" sz="2000" b="0" dirty="0">
+                        <a:rPr lang="en-US" sz="2000" kern="1200" dirty="0">
                           <a:solidFill>
-                            <a:schemeClr val="bg2"/>
+                            <a:schemeClr val="bg1">
+                              <a:lumMod val="65000"/>
+                            </a:schemeClr>
                           </a:solidFill>
+                          <a:latin typeface="+mn-lt"/>
+                          <a:ea typeface="+mn-ea"/>
+                          <a:cs typeface="+mn-cs"/>
                         </a:rPr>
                         <a:t>Statistics Primer</a:t>
                       </a:r>
@@ -13933,7 +13948,7 @@
                     <a:bodyPr/>
                     <a:lstStyle/>
                     <a:p>
-                      <a:pPr>
+                      <a:pPr marL="0" algn="l" defTabSz="914400" rtl="0" eaLnBrk="1" latinLnBrk="0" hangingPunct="1">
                         <a:lnSpc>
                           <a:spcPct val="100000"/>
                         </a:lnSpc>
@@ -13942,10 +13957,15 @@
                         </a:spcAft>
                       </a:pPr>
                       <a:r>
-                        <a:rPr lang="en-US" sz="2000" b="0" dirty="0">
+                        <a:rPr lang="en-US" sz="2000" kern="1200" dirty="0">
                           <a:solidFill>
-                            <a:schemeClr val="bg2"/>
+                            <a:schemeClr val="bg1">
+                              <a:lumMod val="65000"/>
+                            </a:schemeClr>
                           </a:solidFill>
+                          <a:latin typeface="+mn-lt"/>
+                          <a:ea typeface="+mn-ea"/>
+                          <a:cs typeface="+mn-cs"/>
                         </a:rPr>
                         <a:t>Basic ETL and Reshaping</a:t>
                       </a:r>
@@ -13989,7 +14009,7 @@
                     <a:bodyPr/>
                     <a:lstStyle/>
                     <a:p>
-                      <a:pPr>
+                      <a:pPr marL="0" algn="l" defTabSz="914400" rtl="0" eaLnBrk="1" latinLnBrk="0" hangingPunct="1">
                         <a:lnSpc>
                           <a:spcPct val="100000"/>
                         </a:lnSpc>
@@ -13998,10 +14018,15 @@
                         </a:spcAft>
                       </a:pPr>
                       <a:r>
-                        <a:rPr lang="en-US" sz="2000" b="0" dirty="0">
+                        <a:rPr lang="en-US" sz="2000" kern="1200" dirty="0">
                           <a:solidFill>
-                            <a:schemeClr val="bg2"/>
+                            <a:schemeClr val="bg1">
+                              <a:lumMod val="65000"/>
+                            </a:schemeClr>
                           </a:solidFill>
+                          <a:latin typeface="+mn-lt"/>
+                          <a:ea typeface="+mn-ea"/>
+                          <a:cs typeface="+mn-cs"/>
                         </a:rPr>
                         <a:t>Splitting Data</a:t>
                       </a:r>
@@ -14835,7 +14860,7 @@
           <p:nvPr>
             <p:extLst>
               <p:ext uri="{D42A27DB-BD31-4B8C-83A1-F6EECF244321}">
-                <p14:modId xmlns:p14="http://schemas.microsoft.com/office/powerpoint/2010/main" val="3573118810"/>
+                <p14:modId xmlns:p14="http://schemas.microsoft.com/office/powerpoint/2010/main" val="264406632"/>
               </p:ext>
             </p:extLst>
           </p:nvPr>
@@ -14874,18 +14899,13 @@
                         </a:spcAft>
                       </a:pPr>
                       <a:r>
-                        <a:rPr lang="en-US" sz="2000" b="1" dirty="0" err="1">
+                        <a:rPr lang="en-US" sz="2000" b="1" dirty="0">
                           <a:solidFill>
                             <a:schemeClr val="tx1"/>
                           </a:solidFill>
                         </a:rPr>
                         <a:t>Pandasql</a:t>
                       </a:r>
-                      <a:endParaRPr lang="en-US" sz="2000" b="1" dirty="0">
-                        <a:solidFill>
-                          <a:schemeClr val="tx1"/>
-                        </a:solidFill>
-                      </a:endParaRPr>
                     </a:p>
                   </a:txBody>
                   <a:tcPr anchor="ctr">
@@ -14915,7 +14935,7 @@
                     <a:bodyPr/>
                     <a:lstStyle/>
                     <a:p>
-                      <a:pPr>
+                      <a:pPr marL="0" algn="l" defTabSz="914400" rtl="0" eaLnBrk="1" latinLnBrk="0" hangingPunct="1">
                         <a:lnSpc>
                           <a:spcPct val="100000"/>
                         </a:lnSpc>
@@ -14924,10 +14944,15 @@
                         </a:spcAft>
                       </a:pPr>
                       <a:r>
-                        <a:rPr lang="en-US" sz="2000" b="0" dirty="0">
+                        <a:rPr lang="en-US" sz="2000" kern="1200" dirty="0">
                           <a:solidFill>
-                            <a:schemeClr val="bg2"/>
+                            <a:schemeClr val="bg1">
+                              <a:lumMod val="65000"/>
+                            </a:schemeClr>
                           </a:solidFill>
+                          <a:latin typeface="+mn-lt"/>
+                          <a:ea typeface="+mn-ea"/>
+                          <a:cs typeface="+mn-cs"/>
                         </a:rPr>
                         <a:t>Statistics Primer</a:t>
                       </a:r>
@@ -15268,7 +15293,7 @@
           <p:nvPr>
             <p:extLst>
               <p:ext uri="{D42A27DB-BD31-4B8C-83A1-F6EECF244321}">
-                <p14:modId xmlns:p14="http://schemas.microsoft.com/office/powerpoint/2010/main" val="1257013184"/>
+                <p14:modId xmlns:p14="http://schemas.microsoft.com/office/powerpoint/2010/main" val="3963728756"/>
               </p:ext>
             </p:extLst>
           </p:nvPr>
@@ -15298,7 +15323,7 @@
                     <a:bodyPr/>
                     <a:lstStyle/>
                     <a:p>
-                      <a:pPr>
+                      <a:pPr marL="0" algn="l" defTabSz="914400" rtl="0" eaLnBrk="1" latinLnBrk="0" hangingPunct="1">
                         <a:lnSpc>
                           <a:spcPct val="100000"/>
                         </a:lnSpc>
@@ -15307,18 +15332,18 @@
                         </a:spcAft>
                       </a:pPr>
                       <a:r>
-                        <a:rPr lang="en-US" sz="2000" b="0" dirty="0" err="1">
+                        <a:rPr lang="en-US" sz="2000" kern="1200" dirty="0">
                           <a:solidFill>
-                            <a:schemeClr val="bg2"/>
+                            <a:schemeClr val="bg1">
+                              <a:lumMod val="65000"/>
+                            </a:schemeClr>
                           </a:solidFill>
+                          <a:latin typeface="+mn-lt"/>
+                          <a:ea typeface="+mn-ea"/>
+                          <a:cs typeface="+mn-cs"/>
                         </a:rPr>
                         <a:t>Pandasql</a:t>
                       </a:r>
-                      <a:endParaRPr lang="en-US" sz="2000" b="0" dirty="0">
-                        <a:solidFill>
-                          <a:schemeClr val="bg2"/>
-                        </a:solidFill>
-                      </a:endParaRPr>
                     </a:p>
                   </a:txBody>
                   <a:tcPr anchor="ctr">
@@ -15348,7 +15373,7 @@
                     <a:bodyPr/>
                     <a:lstStyle/>
                     <a:p>
-                      <a:pPr>
+                      <a:pPr marL="0" algn="l" defTabSz="914400" rtl="0" eaLnBrk="1" latinLnBrk="0" hangingPunct="1">
                         <a:lnSpc>
                           <a:spcPct val="100000"/>
                         </a:lnSpc>
@@ -15357,10 +15382,15 @@
                         </a:spcAft>
                       </a:pPr>
                       <a:r>
-                        <a:rPr lang="en-US" sz="2000" b="0" dirty="0">
+                        <a:rPr lang="en-US" sz="2000" kern="1200" dirty="0">
                           <a:solidFill>
-                            <a:schemeClr val="bg2"/>
+                            <a:schemeClr val="bg1">
+                              <a:lumMod val="65000"/>
+                            </a:schemeClr>
                           </a:solidFill>
+                          <a:latin typeface="+mn-lt"/>
+                          <a:ea typeface="+mn-ea"/>
+                          <a:cs typeface="+mn-cs"/>
                         </a:rPr>
                         <a:t>Statistics Primer</a:t>
                       </a:r>
@@ -15404,7 +15434,7 @@
                     <a:bodyPr/>
                     <a:lstStyle/>
                     <a:p>
-                      <a:pPr>
+                      <a:pPr marL="0" algn="l" defTabSz="914400" rtl="0" eaLnBrk="1" latinLnBrk="0" hangingPunct="1">
                         <a:lnSpc>
                           <a:spcPct val="100000"/>
                         </a:lnSpc>
@@ -15413,10 +15443,15 @@
                         </a:spcAft>
                       </a:pPr>
                       <a:r>
-                        <a:rPr lang="en-US" sz="2000" b="0" dirty="0">
+                        <a:rPr lang="en-US" sz="2000" kern="1200" dirty="0">
                           <a:solidFill>
-                            <a:schemeClr val="bg2"/>
+                            <a:schemeClr val="bg1">
+                              <a:lumMod val="65000"/>
+                            </a:schemeClr>
                           </a:solidFill>
+                          <a:latin typeface="+mn-lt"/>
+                          <a:ea typeface="+mn-ea"/>
+                          <a:cs typeface="+mn-cs"/>
                         </a:rPr>
                         <a:t>Basic ETL and Reshaping</a:t>
                       </a:r>
@@ -15460,7 +15495,7 @@
                     <a:bodyPr/>
                     <a:lstStyle/>
                     <a:p>
-                      <a:pPr>
+                      <a:pPr marL="0" algn="l" defTabSz="914400" rtl="0" eaLnBrk="1" latinLnBrk="0" hangingPunct="1">
                         <a:lnSpc>
                           <a:spcPct val="100000"/>
                         </a:lnSpc>
@@ -15469,10 +15504,15 @@
                         </a:spcAft>
                       </a:pPr>
                       <a:r>
-                        <a:rPr lang="en-US" sz="2000" b="0" dirty="0">
+                        <a:rPr lang="en-US" sz="2000" kern="1200" dirty="0">
                           <a:solidFill>
-                            <a:schemeClr val="bg2"/>
+                            <a:schemeClr val="bg1">
+                              <a:lumMod val="65000"/>
+                            </a:schemeClr>
                           </a:solidFill>
+                          <a:latin typeface="+mn-lt"/>
+                          <a:ea typeface="+mn-ea"/>
+                          <a:cs typeface="+mn-cs"/>
                         </a:rPr>
                         <a:t>Splitting Data</a:t>
                       </a:r>
@@ -15516,7 +15556,7 @@
                     <a:bodyPr/>
                     <a:lstStyle/>
                     <a:p>
-                      <a:pPr>
+                      <a:pPr marL="0" algn="l" defTabSz="914400" rtl="0" eaLnBrk="1" latinLnBrk="0" hangingPunct="1">
                         <a:lnSpc>
                           <a:spcPct val="100000"/>
                         </a:lnSpc>
@@ -15525,10 +15565,15 @@
                         </a:spcAft>
                       </a:pPr>
                       <a:r>
-                        <a:rPr lang="en-US" sz="2000" b="0" dirty="0">
+                        <a:rPr lang="en-US" sz="2000" kern="1200" dirty="0">
                           <a:solidFill>
-                            <a:schemeClr val="bg2"/>
+                            <a:schemeClr val="bg1">
+                              <a:lumMod val="65000"/>
+                            </a:schemeClr>
                           </a:solidFill>
+                          <a:latin typeface="+mn-lt"/>
+                          <a:ea typeface="+mn-ea"/>
+                          <a:cs typeface="+mn-cs"/>
                         </a:rPr>
                         <a:t>Free-Form Text</a:t>
                       </a:r>
@@ -15839,7 +15884,7 @@
           </a:p>
           <a:p>
             <a:r>
-              <a:rPr lang="en-US"/>
+              <a:rPr lang="en-US" dirty="0"/>
               <a:t>Free-form text</a:t>
             </a:r>
           </a:p>
@@ -15928,12 +15973,8 @@
           <a:lstStyle/>
           <a:p>
             <a:r>
-              <a:rPr lang="en-US" dirty="0" err="1"/>
-              <a:t>Pandasql</a:t>
-            </a:r>
-            <a:r>
               <a:rPr lang="en-US" dirty="0"/>
-              <a:t> is a convenient add on to Pandas that lets you use standard SQL queries instead of complex Pandas commands</a:t>
+              <a:t>Pandasql is a convenient add on to Pandas that lets you use standard SQL queries instead of complex Pandas commands</a:t>
             </a:r>
           </a:p>
           <a:p>
@@ -15945,15 +15986,7 @@
           <a:p>
             <a:r>
               <a:rPr lang="en-US" dirty="0"/>
-              <a:t>Once installed and imported, you can basically refer to a variable that holds a Pandas </a:t>
-            </a:r>
-            <a:r>
-              <a:rPr lang="en-US" dirty="0" err="1"/>
-              <a:t>DataFrame</a:t>
-            </a:r>
-            <a:r>
-              <a:rPr lang="en-US" dirty="0"/>
-              <a:t> as if it were a virtual table</a:t>
+              <a:t>Once installed and imported, you can basically refer to a variable that holds a Pandas DataFrame as if it were a virtual table</a:t>
             </a:r>
           </a:p>
           <a:p>
@@ -15984,10 +16017,9 @@
           <a:lstStyle/>
           <a:p>
             <a:r>
-              <a:rPr lang="en-US" dirty="0" err="1"/>
+              <a:rPr lang="en-US" dirty="0"/>
               <a:t>Pandasql</a:t>
             </a:r>
-            <a:endParaRPr lang="en-US" dirty="0"/>
           </a:p>
         </p:txBody>
       </p:sp>
@@ -16142,104 +16174,37 @@
           <a:p>
             <a:r>
               <a:rPr lang="en-US" b="1" dirty="0"/>
-              <a:t>pip install </a:t>
-            </a:r>
-            <a:r>
-              <a:rPr lang="en-US" b="1" dirty="0" err="1"/>
-              <a:t>pandasql</a:t>
-            </a:r>
+              <a:t>pip install pandasql</a:t>
+            </a:r>
+          </a:p>
+          <a:p>
             <a:endParaRPr lang="en-US" b="1" dirty="0"/>
           </a:p>
           <a:p>
-            <a:endParaRPr lang="en-US" b="1" dirty="0"/>
-          </a:p>
-          <a:p>
             <a:r>
               <a:rPr lang="en-US" dirty="0"/>
-              <a:t>import pandas as </a:t>
-            </a:r>
-            <a:r>
-              <a:rPr lang="en-US" dirty="0" err="1"/>
-              <a:t>pd</a:t>
-            </a:r>
+              <a:t>import pandas as pd</a:t>
+            </a:r>
+          </a:p>
+          <a:p>
+            <a:r>
+              <a:rPr lang="en-US" dirty="0"/>
+              <a:t>from pandasql import sqldf</a:t>
+            </a:r>
+          </a:p>
+          <a:p>
+            <a:r>
+              <a:rPr lang="en-US" dirty="0"/>
+              <a:t>pysqldf = lambda q: sqldf(q, globals())</a:t>
+            </a:r>
+          </a:p>
+          <a:p>
             <a:endParaRPr lang="en-US" dirty="0"/>
           </a:p>
           <a:p>
             <a:r>
               <a:rPr lang="en-US" dirty="0"/>
-              <a:t>from </a:t>
-            </a:r>
-            <a:r>
-              <a:rPr lang="en-US" dirty="0" err="1"/>
-              <a:t>pandasql</a:t>
-            </a:r>
-            <a:r>
-              <a:rPr lang="en-US" dirty="0"/>
-              <a:t> import </a:t>
-            </a:r>
-            <a:r>
-              <a:rPr lang="en-US" dirty="0" err="1"/>
-              <a:t>sqldf</a:t>
-            </a:r>
-            <a:endParaRPr lang="en-US" dirty="0"/>
-          </a:p>
-          <a:p>
-            <a:r>
-              <a:rPr lang="en-US" dirty="0" err="1"/>
-              <a:t>pysqldf</a:t>
-            </a:r>
-            <a:r>
-              <a:rPr lang="en-US" dirty="0"/>
-              <a:t> = lambda q: </a:t>
-            </a:r>
-            <a:r>
-              <a:rPr lang="en-US" dirty="0" err="1"/>
-              <a:t>sqldf</a:t>
-            </a:r>
-            <a:r>
-              <a:rPr lang="en-US" dirty="0"/>
-              <a:t>(q, </a:t>
-            </a:r>
-            <a:r>
-              <a:rPr lang="en-US" dirty="0" err="1"/>
-              <a:t>globals</a:t>
-            </a:r>
-            <a:r>
-              <a:rPr lang="en-US" dirty="0"/>
-              <a:t>())</a:t>
-            </a:r>
-          </a:p>
-          <a:p>
-            <a:endParaRPr lang="en-US" dirty="0"/>
-          </a:p>
-          <a:p>
-            <a:r>
-              <a:rPr lang="en-US" dirty="0"/>
-              <a:t>iris = </a:t>
-            </a:r>
-            <a:r>
-              <a:rPr lang="en-US" dirty="0" err="1"/>
-              <a:t>pd.read_csv</a:t>
-            </a:r>
-            <a:r>
-              <a:rPr lang="en-US" dirty="0"/>
-              <a:t>('../Day3-Pandas/iris-data-index-</a:t>
-            </a:r>
-            <a:r>
-              <a:rPr lang="en-US" dirty="0" err="1"/>
-              <a:t>column.csv</a:t>
-            </a:r>
-            <a:r>
-              <a:rPr lang="en-US" dirty="0"/>
-              <a:t>', </a:t>
-            </a:r>
-            <a:r>
-              <a:rPr lang="en-US" dirty="0" err="1"/>
-              <a:t>index_col</a:t>
-            </a:r>
-            <a:r>
-              <a:rPr lang="en-US" dirty="0"/>
-              <a:t>=0, header=0)</a:t>
+              <a:t>iris = pd.read_csv('../Day3-Pandas/iris-data-index-column.csv', index_col=0, header=0)</a:t>
             </a:r>
           </a:p>
           <a:p>
@@ -16254,53 +16219,13 @@
           <a:p>
             <a:r>
               <a:rPr lang="en-US" dirty="0"/>
-              <a:t>query = 'select upper(Class) as Class, </a:t>
-            </a:r>
-            <a:r>
-              <a:rPr lang="en-US" dirty="0" err="1"/>
-              <a:t>Sepal_Length</a:t>
-            </a:r>
+              <a:t>query = 'select upper(Class) as Class, Sepal_Length * 10 as S_Length, Sepal_Width / 10 as S_Width from iris'</a:t>
+            </a:r>
+          </a:p>
+          <a:p>
             <a:r>
               <a:rPr lang="en-US" dirty="0"/>
-              <a:t> * 10 as </a:t>
-            </a:r>
-            <a:r>
-              <a:rPr lang="en-US" dirty="0" err="1"/>
-              <a:t>S_Length</a:t>
-            </a:r>
-            <a:r>
-              <a:rPr lang="en-US" dirty="0"/>
-              <a:t>, </a:t>
-            </a:r>
-            <a:r>
-              <a:rPr lang="en-US" dirty="0" err="1"/>
-              <a:t>Sepal_Width</a:t>
-            </a:r>
-            <a:r>
-              <a:rPr lang="en-US" dirty="0"/>
-              <a:t> / 10 as </a:t>
-            </a:r>
-            <a:r>
-              <a:rPr lang="en-US" dirty="0" err="1"/>
-              <a:t>S_Width</a:t>
-            </a:r>
-            <a:r>
-              <a:rPr lang="en-US" dirty="0"/>
-              <a:t> from iris'</a:t>
-            </a:r>
-          </a:p>
-          <a:p>
-            <a:r>
-              <a:rPr lang="en-US" dirty="0"/>
-              <a:t>iris2 = </a:t>
-            </a:r>
-            <a:r>
-              <a:rPr lang="en-US" dirty="0" err="1"/>
-              <a:t>pysqldf</a:t>
-            </a:r>
-            <a:r>
-              <a:rPr lang="en-US" dirty="0"/>
-              <a:t>(query)</a:t>
+              <a:t>iris2 = pysqldf(query)</a:t>
             </a:r>
           </a:p>
           <a:p>
@@ -16378,7 +16303,7 @@
           <p:nvPr>
             <p:extLst>
               <p:ext uri="{D42A27DB-BD31-4B8C-83A1-F6EECF244321}">
-                <p14:modId xmlns:p14="http://schemas.microsoft.com/office/powerpoint/2010/main" val="2601448057"/>
+                <p14:modId xmlns:p14="http://schemas.microsoft.com/office/powerpoint/2010/main" val="397863764"/>
               </p:ext>
             </p:extLst>
           </p:nvPr>
@@ -16408,7 +16333,7 @@
                     <a:bodyPr/>
                     <a:lstStyle/>
                     <a:p>
-                      <a:pPr>
+                      <a:pPr marL="0" algn="l" defTabSz="914400" rtl="0" eaLnBrk="1" latinLnBrk="0" hangingPunct="1">
                         <a:lnSpc>
                           <a:spcPct val="100000"/>
                         </a:lnSpc>
@@ -16417,18 +16342,18 @@
                         </a:spcAft>
                       </a:pPr>
                       <a:r>
-                        <a:rPr lang="en-US" sz="2000" b="0" dirty="0" err="1">
+                        <a:rPr lang="en-US" sz="2000" kern="1200" dirty="0">
                           <a:solidFill>
-                            <a:schemeClr val="bg2"/>
+                            <a:schemeClr val="bg1">
+                              <a:lumMod val="65000"/>
+                            </a:schemeClr>
                           </a:solidFill>
+                          <a:latin typeface="+mn-lt"/>
+                          <a:ea typeface="+mn-ea"/>
+                          <a:cs typeface="+mn-cs"/>
                         </a:rPr>
                         <a:t>Pandasql</a:t>
                       </a:r>
-                      <a:endParaRPr lang="en-US" sz="2000" b="0" dirty="0">
-                        <a:solidFill>
-                          <a:schemeClr val="bg2"/>
-                        </a:solidFill>
-                      </a:endParaRPr>
                     </a:p>
                   </a:txBody>
                   <a:tcPr anchor="ctr">
@@ -19021,6 +18946,21 @@
 </file>
 
 <file path=customXml/item1.xml><?xml version="1.0" encoding="utf-8"?>
+<?mso-contentType ?>
+<FormTemplates xmlns="http://schemas.microsoft.com/sharepoint/v3/contenttype/forms">
+  <Display>DocumentLibraryForm</Display>
+  <Edit>DocumentLibraryForm</Edit>
+  <New>DocumentLibraryForm</New>
+</FormTemplates>
+</file>
+
+<file path=customXml/item2.xml><?xml version="1.0" encoding="utf-8"?>
+<p:properties xmlns:p="http://schemas.microsoft.com/office/2006/metadata/properties" xmlns:xsi="http://www.w3.org/2001/XMLSchema-instance" xmlns:pc="http://schemas.microsoft.com/office/infopath/2007/PartnerControls">
+  <documentManagement/>
+</p:properties>
+</file>
+
+<file path=customXml/item3.xml><?xml version="1.0" encoding="utf-8"?>
 <ct:contentTypeSchema xmlns:ct="http://schemas.microsoft.com/office/2006/metadata/contentType" xmlns:ma="http://schemas.microsoft.com/office/2006/metadata/properties/metaAttributes" ct:_="" ma:_="" ma:contentTypeName="Document" ma:contentTypeID="0x0101004C58D7A746750E48B9E257CBBD401C71" ma:contentTypeVersion="5" ma:contentTypeDescription="Create a new document." ma:contentTypeScope="" ma:versionID="9b104746e7bcdc89d5c9d8909bc79033">
   <xsd:schema xmlns:xsd="http://www.w3.org/2001/XMLSchema" xmlns:xs="http://www.w3.org/2001/XMLSchema" xmlns:p="http://schemas.microsoft.com/office/2006/metadata/properties" xmlns:ns2="3f1ded34-099e-46dd-b0de-95a90e7e1e5f" targetNamespace="http://schemas.microsoft.com/office/2006/metadata/properties" ma:root="true" ma:fieldsID="39039af933a2d9dca5a96354c4c2b0ed" ns2:_="">
     <xsd:import namespace="3f1ded34-099e-46dd-b0de-95a90e7e1e5f"/>
@@ -19172,35 +19112,10 @@
 </ct:contentTypeSchema>
 </file>
 
-<file path=customXml/item2.xml><?xml version="1.0" encoding="utf-8"?>
-<p:properties xmlns:p="http://schemas.microsoft.com/office/2006/metadata/properties" xmlns:xsi="http://www.w3.org/2001/XMLSchema-instance" xmlns:pc="http://schemas.microsoft.com/office/infopath/2007/PartnerControls">
-  <documentManagement/>
-</p:properties>
-</file>
-
-<file path=customXml/item3.xml><?xml version="1.0" encoding="utf-8"?>
-<?mso-contentType ?>
-<FormTemplates xmlns="http://schemas.microsoft.com/sharepoint/v3/contenttype/forms">
-  <Display>DocumentLibraryForm</Display>
-  <Edit>DocumentLibraryForm</Edit>
-  <New>DocumentLibraryForm</New>
-</FormTemplates>
-</file>
-
 <file path=customXml/itemProps1.xml><?xml version="1.0" encoding="utf-8"?>
-<ds:datastoreItem xmlns:ds="http://schemas.openxmlformats.org/officeDocument/2006/customXml" ds:itemID="{6751EBC6-C433-43E6-8F46-C6D6D677BF51}">
+<ds:datastoreItem xmlns:ds="http://schemas.openxmlformats.org/officeDocument/2006/customXml" ds:itemID="{2DA015F3-603C-4688-A5F3-81D587DAB8C9}">
   <ds:schemaRefs>
-    <ds:schemaRef ds:uri="http://schemas.microsoft.com/office/2006/metadata/contentType"/>
-    <ds:schemaRef ds:uri="http://schemas.microsoft.com/office/2006/metadata/properties/metaAttributes"/>
-    <ds:schemaRef ds:uri="http://www.w3.org/2001/XMLSchema"/>
-    <ds:schemaRef ds:uri="http://schemas.microsoft.com/office/2006/metadata/properties"/>
-    <ds:schemaRef ds:uri="3f1ded34-099e-46dd-b0de-95a90e7e1e5f"/>
-    <ds:schemaRef ds:uri="http://schemas.microsoft.com/office/2006/documentManagement/types"/>
-    <ds:schemaRef ds:uri="http://schemas.microsoft.com/office/infopath/2007/PartnerControls"/>
-    <ds:schemaRef ds:uri="http://schemas.openxmlformats.org/package/2006/metadata/core-properties"/>
-    <ds:schemaRef ds:uri="http://purl.org/dc/elements/1.1/"/>
-    <ds:schemaRef ds:uri="http://purl.org/dc/terms/"/>
-    <ds:schemaRef ds:uri="http://schemas.microsoft.com/internal/obd"/>
+    <ds:schemaRef ds:uri="http://schemas.microsoft.com/sharepoint/v3/contenttype/forms"/>
   </ds:schemaRefs>
 </ds:datastoreItem>
 </file>
@@ -19222,9 +19137,19 @@
 </file>
 
 <file path=customXml/itemProps3.xml><?xml version="1.0" encoding="utf-8"?>
-<ds:datastoreItem xmlns:ds="http://schemas.openxmlformats.org/officeDocument/2006/customXml" ds:itemID="{2DA015F3-603C-4688-A5F3-81D587DAB8C9}">
+<ds:datastoreItem xmlns:ds="http://schemas.openxmlformats.org/officeDocument/2006/customXml" ds:itemID="{6751EBC6-C433-43E6-8F46-C6D6D677BF51}">
   <ds:schemaRefs>
-    <ds:schemaRef ds:uri="http://schemas.microsoft.com/sharepoint/v3/contenttype/forms"/>
+    <ds:schemaRef ds:uri="http://schemas.microsoft.com/office/2006/metadata/contentType"/>
+    <ds:schemaRef ds:uri="http://schemas.microsoft.com/office/2006/metadata/properties/metaAttributes"/>
+    <ds:schemaRef ds:uri="http://www.w3.org/2001/XMLSchema"/>
+    <ds:schemaRef ds:uri="http://schemas.microsoft.com/office/2006/metadata/properties"/>
+    <ds:schemaRef ds:uri="3f1ded34-099e-46dd-b0de-95a90e7e1e5f"/>
+    <ds:schemaRef ds:uri="http://schemas.microsoft.com/office/2006/documentManagement/types"/>
+    <ds:schemaRef ds:uri="http://schemas.microsoft.com/office/infopath/2007/PartnerControls"/>
+    <ds:schemaRef ds:uri="http://schemas.openxmlformats.org/package/2006/metadata/core-properties"/>
+    <ds:schemaRef ds:uri="http://purl.org/dc/elements/1.1/"/>
+    <ds:schemaRef ds:uri="http://purl.org/dc/terms/"/>
+    <ds:schemaRef ds:uri="http://schemas.microsoft.com/internal/obd"/>
   </ds:schemaRefs>
 </ds:datastoreItem>
 </file>
--- a/Day4-DataPrep/Ch04-DataPreparation.pptx
+++ b/Day4-DataPrep/Ch04-DataPreparation.pptx
@@ -18955,12 +18955,6 @@
 </file>
 
 <file path=customXml/item2.xml><?xml version="1.0" encoding="utf-8"?>
-<p:properties xmlns:p="http://schemas.microsoft.com/office/2006/metadata/properties" xmlns:xsi="http://www.w3.org/2001/XMLSchema-instance" xmlns:pc="http://schemas.microsoft.com/office/infopath/2007/PartnerControls">
-  <documentManagement/>
-</p:properties>
-</file>
-
-<file path=customXml/item3.xml><?xml version="1.0" encoding="utf-8"?>
 <ct:contentTypeSchema xmlns:ct="http://schemas.microsoft.com/office/2006/metadata/contentType" xmlns:ma="http://schemas.microsoft.com/office/2006/metadata/properties/metaAttributes" ct:_="" ma:_="" ma:contentTypeName="Document" ma:contentTypeID="0x0101004C58D7A746750E48B9E257CBBD401C71" ma:contentTypeVersion="5" ma:contentTypeDescription="Create a new document." ma:contentTypeScope="" ma:versionID="9b104746e7bcdc89d5c9d8909bc79033">
   <xsd:schema xmlns:xsd="http://www.w3.org/2001/XMLSchema" xmlns:xs="http://www.w3.org/2001/XMLSchema" xmlns:p="http://schemas.microsoft.com/office/2006/metadata/properties" xmlns:ns2="3f1ded34-099e-46dd-b0de-95a90e7e1e5f" targetNamespace="http://schemas.microsoft.com/office/2006/metadata/properties" ma:root="true" ma:fieldsID="39039af933a2d9dca5a96354c4c2b0ed" ns2:_="">
     <xsd:import namespace="3f1ded34-099e-46dd-b0de-95a90e7e1e5f"/>
@@ -19112,6 +19106,12 @@
 </ct:contentTypeSchema>
 </file>
 
+<file path=customXml/item3.xml><?xml version="1.0" encoding="utf-8"?>
+<p:properties xmlns:p="http://schemas.microsoft.com/office/2006/metadata/properties" xmlns:xsi="http://www.w3.org/2001/XMLSchema-instance" xmlns:pc="http://schemas.microsoft.com/office/infopath/2007/PartnerControls">
+  <documentManagement/>
+</p:properties>
+</file>
+
 <file path=customXml/itemProps1.xml><?xml version="1.0" encoding="utf-8"?>
 <ds:datastoreItem xmlns:ds="http://schemas.openxmlformats.org/officeDocument/2006/customXml" ds:itemID="{2DA015F3-603C-4688-A5F3-81D587DAB8C9}">
   <ds:schemaRefs>
@@ -19121,22 +19121,6 @@
 </file>
 
 <file path=customXml/itemProps2.xml><?xml version="1.0" encoding="utf-8"?>
-<ds:datastoreItem xmlns:ds="http://schemas.openxmlformats.org/officeDocument/2006/customXml" ds:itemID="{F47B9207-CE5C-49AD-B414-15CBFA246D65}">
-  <ds:schemaRefs>
-    <ds:schemaRef ds:uri="http://schemas.microsoft.com/office/2006/documentManagement/types"/>
-    <ds:schemaRef ds:uri="http://schemas.microsoft.com/office/infopath/2007/PartnerControls"/>
-    <ds:schemaRef ds:uri="http://purl.org/dc/elements/1.1/"/>
-    <ds:schemaRef ds:uri="http://schemas.microsoft.com/office/2006/metadata/properties"/>
-    <ds:schemaRef ds:uri="http://purl.org/dc/terms/"/>
-    <ds:schemaRef ds:uri="3f1ded34-099e-46dd-b0de-95a90e7e1e5f"/>
-    <ds:schemaRef ds:uri="http://schemas.openxmlformats.org/package/2006/metadata/core-properties"/>
-    <ds:schemaRef ds:uri="http://www.w3.org/XML/1998/namespace"/>
-    <ds:schemaRef ds:uri="http://purl.org/dc/dcmitype/"/>
-  </ds:schemaRefs>
-</ds:datastoreItem>
-</file>
-
-<file path=customXml/itemProps3.xml><?xml version="1.0" encoding="utf-8"?>
 <ds:datastoreItem xmlns:ds="http://schemas.openxmlformats.org/officeDocument/2006/customXml" ds:itemID="{6751EBC6-C433-43E6-8F46-C6D6D677BF51}">
   <ds:schemaRefs>
     <ds:schemaRef ds:uri="http://schemas.microsoft.com/office/2006/metadata/contentType"/>
@@ -19152,4 +19136,20 @@
     <ds:schemaRef ds:uri="http://schemas.microsoft.com/internal/obd"/>
   </ds:schemaRefs>
 </ds:datastoreItem>
+</file>
+
+<file path=customXml/itemProps3.xml><?xml version="1.0" encoding="utf-8"?>
+<ds:datastoreItem xmlns:ds="http://schemas.openxmlformats.org/officeDocument/2006/customXml" ds:itemID="{F47B9207-CE5C-49AD-B414-15CBFA246D65}">
+  <ds:schemaRefs>
+    <ds:schemaRef ds:uri="http://schemas.microsoft.com/office/2006/documentManagement/types"/>
+    <ds:schemaRef ds:uri="http://schemas.microsoft.com/office/infopath/2007/PartnerControls"/>
+    <ds:schemaRef ds:uri="http://purl.org/dc/elements/1.1/"/>
+    <ds:schemaRef ds:uri="http://schemas.microsoft.com/office/2006/metadata/properties"/>
+    <ds:schemaRef ds:uri="http://purl.org/dc/terms/"/>
+    <ds:schemaRef ds:uri="3f1ded34-099e-46dd-b0de-95a90e7e1e5f"/>
+    <ds:schemaRef ds:uri="http://schemas.openxmlformats.org/package/2006/metadata/core-properties"/>
+    <ds:schemaRef ds:uri="http://www.w3.org/XML/1998/namespace"/>
+    <ds:schemaRef ds:uri="http://purl.org/dc/dcmitype/"/>
+  </ds:schemaRefs>
+</ds:datastoreItem>
 </file>
--- a/Day4-DataPrep/Ch04-DataPreparation.pptx
+++ b/Day4-DataPrep/Ch04-DataPreparation.pptx
@@ -8364,7 +8364,7 @@
           <a:p>
             <a:r>
               <a:rPr lang="en-US" dirty="0"/>
-              <a:t>Python for Data Scientists</a:t>
+              <a:t>Python Program</a:t>
             </a:r>
           </a:p>
         </p:txBody>
@@ -18946,15 +18946,6 @@
 </file>
 
 <file path=customXml/item1.xml><?xml version="1.0" encoding="utf-8"?>
-<?mso-contentType ?>
-<FormTemplates xmlns="http://schemas.microsoft.com/sharepoint/v3/contenttype/forms">
-  <Display>DocumentLibraryForm</Display>
-  <Edit>DocumentLibraryForm</Edit>
-  <New>DocumentLibraryForm</New>
-</FormTemplates>
-</file>
-
-<file path=customXml/item2.xml><?xml version="1.0" encoding="utf-8"?>
 <ct:contentTypeSchema xmlns:ct="http://schemas.microsoft.com/office/2006/metadata/contentType" xmlns:ma="http://schemas.microsoft.com/office/2006/metadata/properties/metaAttributes" ct:_="" ma:_="" ma:contentTypeName="Document" ma:contentTypeID="0x0101004C58D7A746750E48B9E257CBBD401C71" ma:contentTypeVersion="5" ma:contentTypeDescription="Create a new document." ma:contentTypeScope="" ma:versionID="9b104746e7bcdc89d5c9d8909bc79033">
   <xsd:schema xmlns:xsd="http://www.w3.org/2001/XMLSchema" xmlns:xs="http://www.w3.org/2001/XMLSchema" xmlns:p="http://schemas.microsoft.com/office/2006/metadata/properties" xmlns:ns2="3f1ded34-099e-46dd-b0de-95a90e7e1e5f" targetNamespace="http://schemas.microsoft.com/office/2006/metadata/properties" ma:root="true" ma:fieldsID="39039af933a2d9dca5a96354c4c2b0ed" ns2:_="">
     <xsd:import namespace="3f1ded34-099e-46dd-b0de-95a90e7e1e5f"/>
@@ -19106,6 +19097,15 @@
 </ct:contentTypeSchema>
 </file>
 
+<file path=customXml/item2.xml><?xml version="1.0" encoding="utf-8"?>
+<?mso-contentType ?>
+<FormTemplates xmlns="http://schemas.microsoft.com/sharepoint/v3/contenttype/forms">
+  <Display>DocumentLibraryForm</Display>
+  <Edit>DocumentLibraryForm</Edit>
+  <New>DocumentLibraryForm</New>
+</FormTemplates>
+</file>
+
 <file path=customXml/item3.xml><?xml version="1.0" encoding="utf-8"?>
 <p:properties xmlns:p="http://schemas.microsoft.com/office/2006/metadata/properties" xmlns:xsi="http://www.w3.org/2001/XMLSchema-instance" xmlns:pc="http://schemas.microsoft.com/office/infopath/2007/PartnerControls">
   <documentManagement/>
@@ -19113,14 +19113,6 @@
 </file>
 
 <file path=customXml/itemProps1.xml><?xml version="1.0" encoding="utf-8"?>
-<ds:datastoreItem xmlns:ds="http://schemas.openxmlformats.org/officeDocument/2006/customXml" ds:itemID="{2DA015F3-603C-4688-A5F3-81D587DAB8C9}">
-  <ds:schemaRefs>
-    <ds:schemaRef ds:uri="http://schemas.microsoft.com/sharepoint/v3/contenttype/forms"/>
-  </ds:schemaRefs>
-</ds:datastoreItem>
-</file>
-
-<file path=customXml/itemProps2.xml><?xml version="1.0" encoding="utf-8"?>
 <ds:datastoreItem xmlns:ds="http://schemas.openxmlformats.org/officeDocument/2006/customXml" ds:itemID="{6751EBC6-C433-43E6-8F46-C6D6D677BF51}">
   <ds:schemaRefs>
     <ds:schemaRef ds:uri="http://schemas.microsoft.com/office/2006/metadata/contentType"/>
@@ -19134,6 +19126,14 @@
     <ds:schemaRef ds:uri="http://purl.org/dc/elements/1.1/"/>
     <ds:schemaRef ds:uri="http://purl.org/dc/terms/"/>
     <ds:schemaRef ds:uri="http://schemas.microsoft.com/internal/obd"/>
+  </ds:schemaRefs>
+</ds:datastoreItem>
+</file>
+
+<file path=customXml/itemProps2.xml><?xml version="1.0" encoding="utf-8"?>
+<ds:datastoreItem xmlns:ds="http://schemas.openxmlformats.org/officeDocument/2006/customXml" ds:itemID="{2DA015F3-603C-4688-A5F3-81D587DAB8C9}">
+  <ds:schemaRefs>
+    <ds:schemaRef ds:uri="http://schemas.microsoft.com/sharepoint/v3/contenttype/forms"/>
   </ds:schemaRefs>
 </ds:datastoreItem>
 </file>
